--- a/usab/Präsentation.pptx
+++ b/usab/Präsentation.pptx
@@ -5,21 +5,26 @@
     <p:sldMasterId id="2147483648" r:id="rId1"/>
   </p:sldMasterIdLst>
   <p:notesMasterIdLst>
-    <p:notesMasterId r:id="rId14"/>
+    <p:notesMasterId r:id="rId19"/>
   </p:notesMasterIdLst>
   <p:sldIdLst>
     <p:sldId id="256" r:id="rId2"/>
-    <p:sldId id="257" r:id="rId3"/>
-    <p:sldId id="261" r:id="rId4"/>
-    <p:sldId id="258" r:id="rId5"/>
-    <p:sldId id="259" r:id="rId6"/>
-    <p:sldId id="260" r:id="rId7"/>
-    <p:sldId id="262" r:id="rId8"/>
-    <p:sldId id="263" r:id="rId9"/>
-    <p:sldId id="264" r:id="rId10"/>
-    <p:sldId id="265" r:id="rId11"/>
-    <p:sldId id="266" r:id="rId12"/>
-    <p:sldId id="267" r:id="rId13"/>
+    <p:sldId id="271" r:id="rId3"/>
+    <p:sldId id="268" r:id="rId4"/>
+    <p:sldId id="269" r:id="rId5"/>
+    <p:sldId id="270" r:id="rId6"/>
+    <p:sldId id="272" r:id="rId7"/>
+    <p:sldId id="257" r:id="rId8"/>
+    <p:sldId id="261" r:id="rId9"/>
+    <p:sldId id="258" r:id="rId10"/>
+    <p:sldId id="259" r:id="rId11"/>
+    <p:sldId id="260" r:id="rId12"/>
+    <p:sldId id="262" r:id="rId13"/>
+    <p:sldId id="263" r:id="rId14"/>
+    <p:sldId id="264" r:id="rId15"/>
+    <p:sldId id="265" r:id="rId16"/>
+    <p:sldId id="266" r:id="rId17"/>
+    <p:sldId id="267" r:id="rId18"/>
   </p:sldIdLst>
   <p:sldSz cx="12192000" cy="6858000"/>
   <p:notesSz cx="6858000" cy="9144000"/>
@@ -500,7 +505,7 @@
           <p:cNvPr id="2" name="Title 1">
             <a:extLst>
               <a:ext uri="{FF2B5EF4-FFF2-40B4-BE49-F238E27FC236}">
-                <a16:creationId xmlns:a16="http://schemas.microsoft.com/office/drawing/2014/main" xmlns="" id="{1C52F46A-E8C9-4272-A5E5-7C79EF798F31}"/>
+                <a16:creationId xmlns="" xmlns:a16="http://schemas.microsoft.com/office/drawing/2014/main" id="{1C52F46A-E8C9-4272-A5E5-7C79EF798F31}"/>
               </a:ext>
             </a:extLst>
           </p:cNvPr>
@@ -537,7 +542,7 @@
           <p:cNvPr id="3" name="Subtitle 2">
             <a:extLst>
               <a:ext uri="{FF2B5EF4-FFF2-40B4-BE49-F238E27FC236}">
-                <a16:creationId xmlns:a16="http://schemas.microsoft.com/office/drawing/2014/main" xmlns="" id="{AC10DF08-D7A7-49ED-9AEC-0C46D531A618}"/>
+                <a16:creationId xmlns="" xmlns:a16="http://schemas.microsoft.com/office/drawing/2014/main" id="{AC10DF08-D7A7-49ED-9AEC-0C46D531A618}"/>
               </a:ext>
             </a:extLst>
           </p:cNvPr>
@@ -607,7 +612,7 @@
           <p:cNvPr id="4" name="Date Placeholder 3">
             <a:extLst>
               <a:ext uri="{FF2B5EF4-FFF2-40B4-BE49-F238E27FC236}">
-                <a16:creationId xmlns:a16="http://schemas.microsoft.com/office/drawing/2014/main" xmlns="" id="{DC9F30B5-F06A-48D1-A889-25613538A690}"/>
+                <a16:creationId xmlns="" xmlns:a16="http://schemas.microsoft.com/office/drawing/2014/main" id="{DC9F30B5-F06A-48D1-A889-25613538A690}"/>
               </a:ext>
             </a:extLst>
           </p:cNvPr>
@@ -636,7 +641,7 @@
           <p:cNvPr id="5" name="Footer Placeholder 4">
             <a:extLst>
               <a:ext uri="{FF2B5EF4-FFF2-40B4-BE49-F238E27FC236}">
-                <a16:creationId xmlns:a16="http://schemas.microsoft.com/office/drawing/2014/main" xmlns="" id="{9AA0427A-23E5-4958-9BB5-9CF90DABDFCA}"/>
+                <a16:creationId xmlns="" xmlns:a16="http://schemas.microsoft.com/office/drawing/2014/main" id="{9AA0427A-23E5-4958-9BB5-9CF90DABDFCA}"/>
               </a:ext>
             </a:extLst>
           </p:cNvPr>
@@ -661,7 +666,7 @@
           <p:cNvPr id="6" name="Slide Number Placeholder 5">
             <a:extLst>
               <a:ext uri="{FF2B5EF4-FFF2-40B4-BE49-F238E27FC236}">
-                <a16:creationId xmlns:a16="http://schemas.microsoft.com/office/drawing/2014/main" xmlns="" id="{817D774B-9D42-4B20-ACCF-7828F75113CA}"/>
+                <a16:creationId xmlns="" xmlns:a16="http://schemas.microsoft.com/office/drawing/2014/main" id="{817D774B-9D42-4B20-ACCF-7828F75113CA}"/>
               </a:ext>
             </a:extLst>
           </p:cNvPr>
@@ -720,7 +725,7 @@
           <p:cNvPr id="2" name="Title 1">
             <a:extLst>
               <a:ext uri="{FF2B5EF4-FFF2-40B4-BE49-F238E27FC236}">
-                <a16:creationId xmlns:a16="http://schemas.microsoft.com/office/drawing/2014/main" xmlns="" id="{4E237F9A-02A0-4FD8-A388-62AB5D86AD56}"/>
+                <a16:creationId xmlns="" xmlns:a16="http://schemas.microsoft.com/office/drawing/2014/main" id="{4E237F9A-02A0-4FD8-A388-62AB5D86AD56}"/>
               </a:ext>
             </a:extLst>
           </p:cNvPr>
@@ -748,7 +753,7 @@
           <p:cNvPr id="3" name="Vertical Text Placeholder 2">
             <a:extLst>
               <a:ext uri="{FF2B5EF4-FFF2-40B4-BE49-F238E27FC236}">
-                <a16:creationId xmlns:a16="http://schemas.microsoft.com/office/drawing/2014/main" xmlns="" id="{ADDF8D1F-E3EB-46AE-A6EF-F0C7A306C50C}"/>
+                <a16:creationId xmlns="" xmlns:a16="http://schemas.microsoft.com/office/drawing/2014/main" id="{ADDF8D1F-E3EB-46AE-A6EF-F0C7A306C50C}"/>
               </a:ext>
             </a:extLst>
           </p:cNvPr>
@@ -805,7 +810,7 @@
           <p:cNvPr id="4" name="Date Placeholder 3">
             <a:extLst>
               <a:ext uri="{FF2B5EF4-FFF2-40B4-BE49-F238E27FC236}">
-                <a16:creationId xmlns:a16="http://schemas.microsoft.com/office/drawing/2014/main" xmlns="" id="{EEBEFD3E-CBCE-42AC-AB12-289DC5F7D83E}"/>
+                <a16:creationId xmlns="" xmlns:a16="http://schemas.microsoft.com/office/drawing/2014/main" id="{EEBEFD3E-CBCE-42AC-AB12-289DC5F7D83E}"/>
               </a:ext>
             </a:extLst>
           </p:cNvPr>
@@ -834,7 +839,7 @@
           <p:cNvPr id="5" name="Footer Placeholder 4">
             <a:extLst>
               <a:ext uri="{FF2B5EF4-FFF2-40B4-BE49-F238E27FC236}">
-                <a16:creationId xmlns:a16="http://schemas.microsoft.com/office/drawing/2014/main" xmlns="" id="{7E633FD8-0D49-4101-A8BE-207970717E19}"/>
+                <a16:creationId xmlns="" xmlns:a16="http://schemas.microsoft.com/office/drawing/2014/main" id="{7E633FD8-0D49-4101-A8BE-207970717E19}"/>
               </a:ext>
             </a:extLst>
           </p:cNvPr>
@@ -859,7 +864,7 @@
           <p:cNvPr id="6" name="Slide Number Placeholder 5">
             <a:extLst>
               <a:ext uri="{FF2B5EF4-FFF2-40B4-BE49-F238E27FC236}">
-                <a16:creationId xmlns:a16="http://schemas.microsoft.com/office/drawing/2014/main" xmlns="" id="{5F95BABF-6BA0-48A6-85AB-DEF6AFCBD999}"/>
+                <a16:creationId xmlns="" xmlns:a16="http://schemas.microsoft.com/office/drawing/2014/main" id="{5F95BABF-6BA0-48A6-85AB-DEF6AFCBD999}"/>
               </a:ext>
             </a:extLst>
           </p:cNvPr>
@@ -918,7 +923,7 @@
           <p:cNvPr id="2" name="Vertical Title 1">
             <a:extLst>
               <a:ext uri="{FF2B5EF4-FFF2-40B4-BE49-F238E27FC236}">
-                <a16:creationId xmlns:a16="http://schemas.microsoft.com/office/drawing/2014/main" xmlns="" id="{922B6A7B-B135-4E62-B5BB-70DB484146CA}"/>
+                <a16:creationId xmlns="" xmlns:a16="http://schemas.microsoft.com/office/drawing/2014/main" id="{922B6A7B-B135-4E62-B5BB-70DB484146CA}"/>
               </a:ext>
             </a:extLst>
           </p:cNvPr>
@@ -951,7 +956,7 @@
           <p:cNvPr id="3" name="Vertical Text Placeholder 2">
             <a:extLst>
               <a:ext uri="{FF2B5EF4-FFF2-40B4-BE49-F238E27FC236}">
-                <a16:creationId xmlns:a16="http://schemas.microsoft.com/office/drawing/2014/main" xmlns="" id="{43AA1453-8F5C-4A30-B446-A83FAFF12712}"/>
+                <a16:creationId xmlns="" xmlns:a16="http://schemas.microsoft.com/office/drawing/2014/main" id="{43AA1453-8F5C-4A30-B446-A83FAFF12712}"/>
               </a:ext>
             </a:extLst>
           </p:cNvPr>
@@ -1013,7 +1018,7 @@
           <p:cNvPr id="4" name="Date Placeholder 3">
             <a:extLst>
               <a:ext uri="{FF2B5EF4-FFF2-40B4-BE49-F238E27FC236}">
-                <a16:creationId xmlns:a16="http://schemas.microsoft.com/office/drawing/2014/main" xmlns="" id="{75D073A7-DBFF-418A-883E-C136538A4994}"/>
+                <a16:creationId xmlns="" xmlns:a16="http://schemas.microsoft.com/office/drawing/2014/main" id="{75D073A7-DBFF-418A-883E-C136538A4994}"/>
               </a:ext>
             </a:extLst>
           </p:cNvPr>
@@ -1042,7 +1047,7 @@
           <p:cNvPr id="5" name="Footer Placeholder 4">
             <a:extLst>
               <a:ext uri="{FF2B5EF4-FFF2-40B4-BE49-F238E27FC236}">
-                <a16:creationId xmlns:a16="http://schemas.microsoft.com/office/drawing/2014/main" xmlns="" id="{2E73CCB4-8182-4470-BC34-ABFEDC277803}"/>
+                <a16:creationId xmlns="" xmlns:a16="http://schemas.microsoft.com/office/drawing/2014/main" id="{2E73CCB4-8182-4470-BC34-ABFEDC277803}"/>
               </a:ext>
             </a:extLst>
           </p:cNvPr>
@@ -1067,7 +1072,7 @@
           <p:cNvPr id="6" name="Slide Number Placeholder 5">
             <a:extLst>
               <a:ext uri="{FF2B5EF4-FFF2-40B4-BE49-F238E27FC236}">
-                <a16:creationId xmlns:a16="http://schemas.microsoft.com/office/drawing/2014/main" xmlns="" id="{9DE6FA0D-E4A3-45C8-BE7E-8ACBE5703DC5}"/>
+                <a16:creationId xmlns="" xmlns:a16="http://schemas.microsoft.com/office/drawing/2014/main" id="{9DE6FA0D-E4A3-45C8-BE7E-8ACBE5703DC5}"/>
               </a:ext>
             </a:extLst>
           </p:cNvPr>
@@ -1126,7 +1131,7 @@
           <p:cNvPr id="2" name="Title 1">
             <a:extLst>
               <a:ext uri="{FF2B5EF4-FFF2-40B4-BE49-F238E27FC236}">
-                <a16:creationId xmlns:a16="http://schemas.microsoft.com/office/drawing/2014/main" xmlns="" id="{4FEE12E1-FDF5-4FF2-B707-615F5F0507B4}"/>
+                <a16:creationId xmlns="" xmlns:a16="http://schemas.microsoft.com/office/drawing/2014/main" id="{4FEE12E1-FDF5-4FF2-B707-615F5F0507B4}"/>
               </a:ext>
             </a:extLst>
           </p:cNvPr>
@@ -1154,7 +1159,7 @@
           <p:cNvPr id="3" name="Content Placeholder 2">
             <a:extLst>
               <a:ext uri="{FF2B5EF4-FFF2-40B4-BE49-F238E27FC236}">
-                <a16:creationId xmlns:a16="http://schemas.microsoft.com/office/drawing/2014/main" xmlns="" id="{068BEF90-DE6F-42CD-897A-C3CD88AD3EF8}"/>
+                <a16:creationId xmlns="" xmlns:a16="http://schemas.microsoft.com/office/drawing/2014/main" id="{068BEF90-DE6F-42CD-897A-C3CD88AD3EF8}"/>
               </a:ext>
             </a:extLst>
           </p:cNvPr>
@@ -1211,7 +1216,7 @@
           <p:cNvPr id="4" name="Date Placeholder 3">
             <a:extLst>
               <a:ext uri="{FF2B5EF4-FFF2-40B4-BE49-F238E27FC236}">
-                <a16:creationId xmlns:a16="http://schemas.microsoft.com/office/drawing/2014/main" xmlns="" id="{7BB72C8A-60CC-4B27-A10C-393046AC2737}"/>
+                <a16:creationId xmlns="" xmlns:a16="http://schemas.microsoft.com/office/drawing/2014/main" id="{7BB72C8A-60CC-4B27-A10C-393046AC2737}"/>
               </a:ext>
             </a:extLst>
           </p:cNvPr>
@@ -1240,7 +1245,7 @@
           <p:cNvPr id="5" name="Footer Placeholder 4">
             <a:extLst>
               <a:ext uri="{FF2B5EF4-FFF2-40B4-BE49-F238E27FC236}">
-                <a16:creationId xmlns:a16="http://schemas.microsoft.com/office/drawing/2014/main" xmlns="" id="{4BCA0452-F6D5-4D7C-B8EE-AA1589576016}"/>
+                <a16:creationId xmlns="" xmlns:a16="http://schemas.microsoft.com/office/drawing/2014/main" id="{4BCA0452-F6D5-4D7C-B8EE-AA1589576016}"/>
               </a:ext>
             </a:extLst>
           </p:cNvPr>
@@ -1265,7 +1270,7 @@
           <p:cNvPr id="6" name="Slide Number Placeholder 5">
             <a:extLst>
               <a:ext uri="{FF2B5EF4-FFF2-40B4-BE49-F238E27FC236}">
-                <a16:creationId xmlns:a16="http://schemas.microsoft.com/office/drawing/2014/main" xmlns="" id="{DB4B2D4C-96ED-4112-9DD2-AE1D5579DD67}"/>
+                <a16:creationId xmlns="" xmlns:a16="http://schemas.microsoft.com/office/drawing/2014/main" id="{DB4B2D4C-96ED-4112-9DD2-AE1D5579DD67}"/>
               </a:ext>
             </a:extLst>
           </p:cNvPr>
@@ -1324,7 +1329,7 @@
           <p:cNvPr id="2" name="Title 1">
             <a:extLst>
               <a:ext uri="{FF2B5EF4-FFF2-40B4-BE49-F238E27FC236}">
-                <a16:creationId xmlns:a16="http://schemas.microsoft.com/office/drawing/2014/main" xmlns="" id="{A0A71025-C445-4CB5-BEE7-209ECAA9CB45}"/>
+                <a16:creationId xmlns="" xmlns:a16="http://schemas.microsoft.com/office/drawing/2014/main" id="{A0A71025-C445-4CB5-BEE7-209ECAA9CB45}"/>
               </a:ext>
             </a:extLst>
           </p:cNvPr>
@@ -1361,7 +1366,7 @@
           <p:cNvPr id="3" name="Text Placeholder 2">
             <a:extLst>
               <a:ext uri="{FF2B5EF4-FFF2-40B4-BE49-F238E27FC236}">
-                <a16:creationId xmlns:a16="http://schemas.microsoft.com/office/drawing/2014/main" xmlns="" id="{11EBB8E1-388B-4BD2-BB46-AD6CB79E9942}"/>
+                <a16:creationId xmlns="" xmlns:a16="http://schemas.microsoft.com/office/drawing/2014/main" id="{11EBB8E1-388B-4BD2-BB46-AD6CB79E9942}"/>
               </a:ext>
             </a:extLst>
           </p:cNvPr>
@@ -1486,7 +1491,7 @@
           <p:cNvPr id="4" name="Date Placeholder 3">
             <a:extLst>
               <a:ext uri="{FF2B5EF4-FFF2-40B4-BE49-F238E27FC236}">
-                <a16:creationId xmlns:a16="http://schemas.microsoft.com/office/drawing/2014/main" xmlns="" id="{5700151C-4B2E-4AAC-A1E7-46B981B184A0}"/>
+                <a16:creationId xmlns="" xmlns:a16="http://schemas.microsoft.com/office/drawing/2014/main" id="{5700151C-4B2E-4AAC-A1E7-46B981B184A0}"/>
               </a:ext>
             </a:extLst>
           </p:cNvPr>
@@ -1515,7 +1520,7 @@
           <p:cNvPr id="5" name="Footer Placeholder 4">
             <a:extLst>
               <a:ext uri="{FF2B5EF4-FFF2-40B4-BE49-F238E27FC236}">
-                <a16:creationId xmlns:a16="http://schemas.microsoft.com/office/drawing/2014/main" xmlns="" id="{6C85D658-8DA4-4834-B048-C0737BDF37CF}"/>
+                <a16:creationId xmlns="" xmlns:a16="http://schemas.microsoft.com/office/drawing/2014/main" id="{6C85D658-8DA4-4834-B048-C0737BDF37CF}"/>
               </a:ext>
             </a:extLst>
           </p:cNvPr>
@@ -1540,7 +1545,7 @@
           <p:cNvPr id="6" name="Slide Number Placeholder 5">
             <a:extLst>
               <a:ext uri="{FF2B5EF4-FFF2-40B4-BE49-F238E27FC236}">
-                <a16:creationId xmlns:a16="http://schemas.microsoft.com/office/drawing/2014/main" xmlns="" id="{2FF3CF68-0671-43FF-BB4F-20D9CD5A810B}"/>
+                <a16:creationId xmlns="" xmlns:a16="http://schemas.microsoft.com/office/drawing/2014/main" id="{2FF3CF68-0671-43FF-BB4F-20D9CD5A810B}"/>
               </a:ext>
             </a:extLst>
           </p:cNvPr>
@@ -1599,7 +1604,7 @@
           <p:cNvPr id="2" name="Title 1">
             <a:extLst>
               <a:ext uri="{FF2B5EF4-FFF2-40B4-BE49-F238E27FC236}">
-                <a16:creationId xmlns:a16="http://schemas.microsoft.com/office/drawing/2014/main" xmlns="" id="{439EA751-1D31-45D3-A069-5D8D27967CF6}"/>
+                <a16:creationId xmlns="" xmlns:a16="http://schemas.microsoft.com/office/drawing/2014/main" id="{439EA751-1D31-45D3-A069-5D8D27967CF6}"/>
               </a:ext>
             </a:extLst>
           </p:cNvPr>
@@ -1627,7 +1632,7 @@
           <p:cNvPr id="3" name="Content Placeholder 2">
             <a:extLst>
               <a:ext uri="{FF2B5EF4-FFF2-40B4-BE49-F238E27FC236}">
-                <a16:creationId xmlns:a16="http://schemas.microsoft.com/office/drawing/2014/main" xmlns="" id="{B8B82DD7-F37D-4920-9602-6BD6F7E291E0}"/>
+                <a16:creationId xmlns="" xmlns:a16="http://schemas.microsoft.com/office/drawing/2014/main" id="{B8B82DD7-F37D-4920-9602-6BD6F7E291E0}"/>
               </a:ext>
             </a:extLst>
           </p:cNvPr>
@@ -1689,7 +1694,7 @@
           <p:cNvPr id="4" name="Content Placeholder 3">
             <a:extLst>
               <a:ext uri="{FF2B5EF4-FFF2-40B4-BE49-F238E27FC236}">
-                <a16:creationId xmlns:a16="http://schemas.microsoft.com/office/drawing/2014/main" xmlns="" id="{2541DC1C-7753-4E41-AA38-951283795002}"/>
+                <a16:creationId xmlns="" xmlns:a16="http://schemas.microsoft.com/office/drawing/2014/main" id="{2541DC1C-7753-4E41-AA38-951283795002}"/>
               </a:ext>
             </a:extLst>
           </p:cNvPr>
@@ -1751,7 +1756,7 @@
           <p:cNvPr id="5" name="Date Placeholder 4">
             <a:extLst>
               <a:ext uri="{FF2B5EF4-FFF2-40B4-BE49-F238E27FC236}">
-                <a16:creationId xmlns:a16="http://schemas.microsoft.com/office/drawing/2014/main" xmlns="" id="{9BB9F6DA-36A5-47F9-8E62-6EB6EA1BCE39}"/>
+                <a16:creationId xmlns="" xmlns:a16="http://schemas.microsoft.com/office/drawing/2014/main" id="{9BB9F6DA-36A5-47F9-8E62-6EB6EA1BCE39}"/>
               </a:ext>
             </a:extLst>
           </p:cNvPr>
@@ -1780,7 +1785,7 @@
           <p:cNvPr id="6" name="Footer Placeholder 5">
             <a:extLst>
               <a:ext uri="{FF2B5EF4-FFF2-40B4-BE49-F238E27FC236}">
-                <a16:creationId xmlns:a16="http://schemas.microsoft.com/office/drawing/2014/main" xmlns="" id="{7138FC36-1B56-4A01-AF1C-D413FCB34DB8}"/>
+                <a16:creationId xmlns="" xmlns:a16="http://schemas.microsoft.com/office/drawing/2014/main" id="{7138FC36-1B56-4A01-AF1C-D413FCB34DB8}"/>
               </a:ext>
             </a:extLst>
           </p:cNvPr>
@@ -1805,7 +1810,7 @@
           <p:cNvPr id="7" name="Slide Number Placeholder 6">
             <a:extLst>
               <a:ext uri="{FF2B5EF4-FFF2-40B4-BE49-F238E27FC236}">
-                <a16:creationId xmlns:a16="http://schemas.microsoft.com/office/drawing/2014/main" xmlns="" id="{350E5C12-34C3-4563-825D-DB9BE0AE02C6}"/>
+                <a16:creationId xmlns="" xmlns:a16="http://schemas.microsoft.com/office/drawing/2014/main" id="{350E5C12-34C3-4563-825D-DB9BE0AE02C6}"/>
               </a:ext>
             </a:extLst>
           </p:cNvPr>
@@ -1864,7 +1869,7 @@
           <p:cNvPr id="2" name="Title 1">
             <a:extLst>
               <a:ext uri="{FF2B5EF4-FFF2-40B4-BE49-F238E27FC236}">
-                <a16:creationId xmlns:a16="http://schemas.microsoft.com/office/drawing/2014/main" xmlns="" id="{1718E8CD-77D8-4E33-988F-E2AD8170DE61}"/>
+                <a16:creationId xmlns="" xmlns:a16="http://schemas.microsoft.com/office/drawing/2014/main" id="{1718E8CD-77D8-4E33-988F-E2AD8170DE61}"/>
               </a:ext>
             </a:extLst>
           </p:cNvPr>
@@ -1897,7 +1902,7 @@
           <p:cNvPr id="3" name="Text Placeholder 2">
             <a:extLst>
               <a:ext uri="{FF2B5EF4-FFF2-40B4-BE49-F238E27FC236}">
-                <a16:creationId xmlns:a16="http://schemas.microsoft.com/office/drawing/2014/main" xmlns="" id="{32CE2C41-3DC0-49EE-A579-CFE1AAEFED7C}"/>
+                <a16:creationId xmlns="" xmlns:a16="http://schemas.microsoft.com/office/drawing/2014/main" id="{32CE2C41-3DC0-49EE-A579-CFE1AAEFED7C}"/>
               </a:ext>
             </a:extLst>
           </p:cNvPr>
@@ -1968,7 +1973,7 @@
           <p:cNvPr id="4" name="Content Placeholder 3">
             <a:extLst>
               <a:ext uri="{FF2B5EF4-FFF2-40B4-BE49-F238E27FC236}">
-                <a16:creationId xmlns:a16="http://schemas.microsoft.com/office/drawing/2014/main" xmlns="" id="{DD225640-740B-4E6B-BF9A-92EE4F8C5A8B}"/>
+                <a16:creationId xmlns="" xmlns:a16="http://schemas.microsoft.com/office/drawing/2014/main" id="{DD225640-740B-4E6B-BF9A-92EE4F8C5A8B}"/>
               </a:ext>
             </a:extLst>
           </p:cNvPr>
@@ -2030,7 +2035,7 @@
           <p:cNvPr id="5" name="Text Placeholder 4">
             <a:extLst>
               <a:ext uri="{FF2B5EF4-FFF2-40B4-BE49-F238E27FC236}">
-                <a16:creationId xmlns:a16="http://schemas.microsoft.com/office/drawing/2014/main" xmlns="" id="{3488787F-FEE3-4F6A-B201-230C02318760}"/>
+                <a16:creationId xmlns="" xmlns:a16="http://schemas.microsoft.com/office/drawing/2014/main" id="{3488787F-FEE3-4F6A-B201-230C02318760}"/>
               </a:ext>
             </a:extLst>
           </p:cNvPr>
@@ -2101,7 +2106,7 @@
           <p:cNvPr id="6" name="Content Placeholder 5">
             <a:extLst>
               <a:ext uri="{FF2B5EF4-FFF2-40B4-BE49-F238E27FC236}">
-                <a16:creationId xmlns:a16="http://schemas.microsoft.com/office/drawing/2014/main" xmlns="" id="{92AAB766-D34D-4142-B6F5-C03AC5086B5E}"/>
+                <a16:creationId xmlns="" xmlns:a16="http://schemas.microsoft.com/office/drawing/2014/main" id="{92AAB766-D34D-4142-B6F5-C03AC5086B5E}"/>
               </a:ext>
             </a:extLst>
           </p:cNvPr>
@@ -2163,7 +2168,7 @@
           <p:cNvPr id="7" name="Date Placeholder 6">
             <a:extLst>
               <a:ext uri="{FF2B5EF4-FFF2-40B4-BE49-F238E27FC236}">
-                <a16:creationId xmlns:a16="http://schemas.microsoft.com/office/drawing/2014/main" xmlns="" id="{A8EC303F-8A9E-4AAC-8777-DA030A1F7CEE}"/>
+                <a16:creationId xmlns="" xmlns:a16="http://schemas.microsoft.com/office/drawing/2014/main" id="{A8EC303F-8A9E-4AAC-8777-DA030A1F7CEE}"/>
               </a:ext>
             </a:extLst>
           </p:cNvPr>
@@ -2192,7 +2197,7 @@
           <p:cNvPr id="8" name="Footer Placeholder 7">
             <a:extLst>
               <a:ext uri="{FF2B5EF4-FFF2-40B4-BE49-F238E27FC236}">
-                <a16:creationId xmlns:a16="http://schemas.microsoft.com/office/drawing/2014/main" xmlns="" id="{21BB6DFE-DBCF-4DE8-9642-F7695F96AEB1}"/>
+                <a16:creationId xmlns="" xmlns:a16="http://schemas.microsoft.com/office/drawing/2014/main" id="{21BB6DFE-DBCF-4DE8-9642-F7695F96AEB1}"/>
               </a:ext>
             </a:extLst>
           </p:cNvPr>
@@ -2217,7 +2222,7 @@
           <p:cNvPr id="9" name="Slide Number Placeholder 8">
             <a:extLst>
               <a:ext uri="{FF2B5EF4-FFF2-40B4-BE49-F238E27FC236}">
-                <a16:creationId xmlns:a16="http://schemas.microsoft.com/office/drawing/2014/main" xmlns="" id="{440F2FBA-ED92-4D5F-85FD-12C2C2C2D6D4}"/>
+                <a16:creationId xmlns="" xmlns:a16="http://schemas.microsoft.com/office/drawing/2014/main" id="{440F2FBA-ED92-4D5F-85FD-12C2C2C2D6D4}"/>
               </a:ext>
             </a:extLst>
           </p:cNvPr>
@@ -2276,7 +2281,7 @@
           <p:cNvPr id="2" name="Title 1">
             <a:extLst>
               <a:ext uri="{FF2B5EF4-FFF2-40B4-BE49-F238E27FC236}">
-                <a16:creationId xmlns:a16="http://schemas.microsoft.com/office/drawing/2014/main" xmlns="" id="{4C430737-CE3A-46E7-B4F1-463ACAA7D15F}"/>
+                <a16:creationId xmlns="" xmlns:a16="http://schemas.microsoft.com/office/drawing/2014/main" id="{4C430737-CE3A-46E7-B4F1-463ACAA7D15F}"/>
               </a:ext>
             </a:extLst>
           </p:cNvPr>
@@ -2304,7 +2309,7 @@
           <p:cNvPr id="3" name="Date Placeholder 2">
             <a:extLst>
               <a:ext uri="{FF2B5EF4-FFF2-40B4-BE49-F238E27FC236}">
-                <a16:creationId xmlns:a16="http://schemas.microsoft.com/office/drawing/2014/main" xmlns="" id="{68A6CA4F-B539-4F3B-8015-90376A3760FF}"/>
+                <a16:creationId xmlns="" xmlns:a16="http://schemas.microsoft.com/office/drawing/2014/main" id="{68A6CA4F-B539-4F3B-8015-90376A3760FF}"/>
               </a:ext>
             </a:extLst>
           </p:cNvPr>
@@ -2333,7 +2338,7 @@
           <p:cNvPr id="4" name="Footer Placeholder 3">
             <a:extLst>
               <a:ext uri="{FF2B5EF4-FFF2-40B4-BE49-F238E27FC236}">
-                <a16:creationId xmlns:a16="http://schemas.microsoft.com/office/drawing/2014/main" xmlns="" id="{CD345010-E202-497F-8F36-9EB1CF63E6DF}"/>
+                <a16:creationId xmlns="" xmlns:a16="http://schemas.microsoft.com/office/drawing/2014/main" id="{CD345010-E202-497F-8F36-9EB1CF63E6DF}"/>
               </a:ext>
             </a:extLst>
           </p:cNvPr>
@@ -2358,7 +2363,7 @@
           <p:cNvPr id="5" name="Slide Number Placeholder 4">
             <a:extLst>
               <a:ext uri="{FF2B5EF4-FFF2-40B4-BE49-F238E27FC236}">
-                <a16:creationId xmlns:a16="http://schemas.microsoft.com/office/drawing/2014/main" xmlns="" id="{82D20BDD-B41C-467D-A06B-397DF9953A51}"/>
+                <a16:creationId xmlns="" xmlns:a16="http://schemas.microsoft.com/office/drawing/2014/main" id="{82D20BDD-B41C-467D-A06B-397DF9953A51}"/>
               </a:ext>
             </a:extLst>
           </p:cNvPr>
@@ -2417,7 +2422,7 @@
           <p:cNvPr id="2" name="Date Placeholder 1">
             <a:extLst>
               <a:ext uri="{FF2B5EF4-FFF2-40B4-BE49-F238E27FC236}">
-                <a16:creationId xmlns:a16="http://schemas.microsoft.com/office/drawing/2014/main" xmlns="" id="{F98DC1D7-B6A8-4859-A48B-E52EA5DB2909}"/>
+                <a16:creationId xmlns="" xmlns:a16="http://schemas.microsoft.com/office/drawing/2014/main" id="{F98DC1D7-B6A8-4859-A48B-E52EA5DB2909}"/>
               </a:ext>
             </a:extLst>
           </p:cNvPr>
@@ -2446,7 +2451,7 @@
           <p:cNvPr id="3" name="Footer Placeholder 2">
             <a:extLst>
               <a:ext uri="{FF2B5EF4-FFF2-40B4-BE49-F238E27FC236}">
-                <a16:creationId xmlns:a16="http://schemas.microsoft.com/office/drawing/2014/main" xmlns="" id="{9717E500-7658-46E1-B731-B318E007116D}"/>
+                <a16:creationId xmlns="" xmlns:a16="http://schemas.microsoft.com/office/drawing/2014/main" id="{9717E500-7658-46E1-B731-B318E007116D}"/>
               </a:ext>
             </a:extLst>
           </p:cNvPr>
@@ -2471,7 +2476,7 @@
           <p:cNvPr id="4" name="Slide Number Placeholder 3">
             <a:extLst>
               <a:ext uri="{FF2B5EF4-FFF2-40B4-BE49-F238E27FC236}">
-                <a16:creationId xmlns:a16="http://schemas.microsoft.com/office/drawing/2014/main" xmlns="" id="{73EC7F6C-6E2F-408B-93F4-4D64FBFF1DCA}"/>
+                <a16:creationId xmlns="" xmlns:a16="http://schemas.microsoft.com/office/drawing/2014/main" id="{73EC7F6C-6E2F-408B-93F4-4D64FBFF1DCA}"/>
               </a:ext>
             </a:extLst>
           </p:cNvPr>
@@ -2530,7 +2535,7 @@
           <p:cNvPr id="2" name="Title 1">
             <a:extLst>
               <a:ext uri="{FF2B5EF4-FFF2-40B4-BE49-F238E27FC236}">
-                <a16:creationId xmlns:a16="http://schemas.microsoft.com/office/drawing/2014/main" xmlns="" id="{93BA8C25-D02F-458E-B010-E42F4F3CC647}"/>
+                <a16:creationId xmlns="" xmlns:a16="http://schemas.microsoft.com/office/drawing/2014/main" id="{93BA8C25-D02F-458E-B010-E42F4F3CC647}"/>
               </a:ext>
             </a:extLst>
           </p:cNvPr>
@@ -2567,7 +2572,7 @@
           <p:cNvPr id="3" name="Content Placeholder 2">
             <a:extLst>
               <a:ext uri="{FF2B5EF4-FFF2-40B4-BE49-F238E27FC236}">
-                <a16:creationId xmlns:a16="http://schemas.microsoft.com/office/drawing/2014/main" xmlns="" id="{611FE5E7-02F6-4D25-93ED-6671A5E83EE7}"/>
+                <a16:creationId xmlns="" xmlns:a16="http://schemas.microsoft.com/office/drawing/2014/main" id="{611FE5E7-02F6-4D25-93ED-6671A5E83EE7}"/>
               </a:ext>
             </a:extLst>
           </p:cNvPr>
@@ -2657,7 +2662,7 @@
           <p:cNvPr id="4" name="Text Placeholder 3">
             <a:extLst>
               <a:ext uri="{FF2B5EF4-FFF2-40B4-BE49-F238E27FC236}">
-                <a16:creationId xmlns:a16="http://schemas.microsoft.com/office/drawing/2014/main" xmlns="" id="{70BC8072-D038-4A61-B203-DD68CD8F5F99}"/>
+                <a16:creationId xmlns="" xmlns:a16="http://schemas.microsoft.com/office/drawing/2014/main" id="{70BC8072-D038-4A61-B203-DD68CD8F5F99}"/>
               </a:ext>
             </a:extLst>
           </p:cNvPr>
@@ -2728,7 +2733,7 @@
           <p:cNvPr id="5" name="Date Placeholder 4">
             <a:extLst>
               <a:ext uri="{FF2B5EF4-FFF2-40B4-BE49-F238E27FC236}">
-                <a16:creationId xmlns:a16="http://schemas.microsoft.com/office/drawing/2014/main" xmlns="" id="{3E11E078-7A22-49B8-A6C6-8D800CC29948}"/>
+                <a16:creationId xmlns="" xmlns:a16="http://schemas.microsoft.com/office/drawing/2014/main" id="{3E11E078-7A22-49B8-A6C6-8D800CC29948}"/>
               </a:ext>
             </a:extLst>
           </p:cNvPr>
@@ -2757,7 +2762,7 @@
           <p:cNvPr id="6" name="Footer Placeholder 5">
             <a:extLst>
               <a:ext uri="{FF2B5EF4-FFF2-40B4-BE49-F238E27FC236}">
-                <a16:creationId xmlns:a16="http://schemas.microsoft.com/office/drawing/2014/main" xmlns="" id="{36D0926B-84BB-43A7-B942-4AEB82C8E0AA}"/>
+                <a16:creationId xmlns="" xmlns:a16="http://schemas.microsoft.com/office/drawing/2014/main" id="{36D0926B-84BB-43A7-B942-4AEB82C8E0AA}"/>
               </a:ext>
             </a:extLst>
           </p:cNvPr>
@@ -2782,7 +2787,7 @@
           <p:cNvPr id="7" name="Slide Number Placeholder 6">
             <a:extLst>
               <a:ext uri="{FF2B5EF4-FFF2-40B4-BE49-F238E27FC236}">
-                <a16:creationId xmlns:a16="http://schemas.microsoft.com/office/drawing/2014/main" xmlns="" id="{5801882A-D6B9-4C22-89C5-39801221310B}"/>
+                <a16:creationId xmlns="" xmlns:a16="http://schemas.microsoft.com/office/drawing/2014/main" id="{5801882A-D6B9-4C22-89C5-39801221310B}"/>
               </a:ext>
             </a:extLst>
           </p:cNvPr>
@@ -2841,7 +2846,7 @@
           <p:cNvPr id="2" name="Title 1">
             <a:extLst>
               <a:ext uri="{FF2B5EF4-FFF2-40B4-BE49-F238E27FC236}">
-                <a16:creationId xmlns:a16="http://schemas.microsoft.com/office/drawing/2014/main" xmlns="" id="{FB023EB4-68CF-4C7D-A117-3868FE120E0D}"/>
+                <a16:creationId xmlns="" xmlns:a16="http://schemas.microsoft.com/office/drawing/2014/main" id="{FB023EB4-68CF-4C7D-A117-3868FE120E0D}"/>
               </a:ext>
             </a:extLst>
           </p:cNvPr>
@@ -2878,7 +2883,7 @@
           <p:cNvPr id="3" name="Picture Placeholder 2">
             <a:extLst>
               <a:ext uri="{FF2B5EF4-FFF2-40B4-BE49-F238E27FC236}">
-                <a16:creationId xmlns:a16="http://schemas.microsoft.com/office/drawing/2014/main" xmlns="" id="{09891076-A815-43C5-95AB-D12A6C5B5403}"/>
+                <a16:creationId xmlns="" xmlns:a16="http://schemas.microsoft.com/office/drawing/2014/main" id="{09891076-A815-43C5-95AB-D12A6C5B5403}"/>
               </a:ext>
             </a:extLst>
           </p:cNvPr>
@@ -2945,7 +2950,7 @@
           <p:cNvPr id="4" name="Text Placeholder 3">
             <a:extLst>
               <a:ext uri="{FF2B5EF4-FFF2-40B4-BE49-F238E27FC236}">
-                <a16:creationId xmlns:a16="http://schemas.microsoft.com/office/drawing/2014/main" xmlns="" id="{32934487-F4B5-42FC-8D24-42C654DE43EC}"/>
+                <a16:creationId xmlns="" xmlns:a16="http://schemas.microsoft.com/office/drawing/2014/main" id="{32934487-F4B5-42FC-8D24-42C654DE43EC}"/>
               </a:ext>
             </a:extLst>
           </p:cNvPr>
@@ -3016,7 +3021,7 @@
           <p:cNvPr id="5" name="Date Placeholder 4">
             <a:extLst>
               <a:ext uri="{FF2B5EF4-FFF2-40B4-BE49-F238E27FC236}">
-                <a16:creationId xmlns:a16="http://schemas.microsoft.com/office/drawing/2014/main" xmlns="" id="{CF28E8C8-8A27-47BC-AF79-EAD8C7E66C74}"/>
+                <a16:creationId xmlns="" xmlns:a16="http://schemas.microsoft.com/office/drawing/2014/main" id="{CF28E8C8-8A27-47BC-AF79-EAD8C7E66C74}"/>
               </a:ext>
             </a:extLst>
           </p:cNvPr>
@@ -3045,7 +3050,7 @@
           <p:cNvPr id="6" name="Footer Placeholder 5">
             <a:extLst>
               <a:ext uri="{FF2B5EF4-FFF2-40B4-BE49-F238E27FC236}">
-                <a16:creationId xmlns:a16="http://schemas.microsoft.com/office/drawing/2014/main" xmlns="" id="{821F5800-63CB-45B9-9209-A0D8A9FA6832}"/>
+                <a16:creationId xmlns="" xmlns:a16="http://schemas.microsoft.com/office/drawing/2014/main" id="{821F5800-63CB-45B9-9209-A0D8A9FA6832}"/>
               </a:ext>
             </a:extLst>
           </p:cNvPr>
@@ -3070,7 +3075,7 @@
           <p:cNvPr id="7" name="Slide Number Placeholder 6">
             <a:extLst>
               <a:ext uri="{FF2B5EF4-FFF2-40B4-BE49-F238E27FC236}">
-                <a16:creationId xmlns:a16="http://schemas.microsoft.com/office/drawing/2014/main" xmlns="" id="{144558AE-77D4-4BCF-B563-4423B5B6C9C8}"/>
+                <a16:creationId xmlns="" xmlns:a16="http://schemas.microsoft.com/office/drawing/2014/main" id="{144558AE-77D4-4BCF-B563-4423B5B6C9C8}"/>
               </a:ext>
             </a:extLst>
           </p:cNvPr>
@@ -3134,7 +3139,7 @@
           <p:cNvPr id="2" name="Title Placeholder 1">
             <a:extLst>
               <a:ext uri="{FF2B5EF4-FFF2-40B4-BE49-F238E27FC236}">
-                <a16:creationId xmlns:a16="http://schemas.microsoft.com/office/drawing/2014/main" xmlns="" id="{03F8FD26-8D87-4861-B952-19AF16E9D620}"/>
+                <a16:creationId xmlns="" xmlns:a16="http://schemas.microsoft.com/office/drawing/2014/main" id="{03F8FD26-8D87-4861-B952-19AF16E9D620}"/>
               </a:ext>
             </a:extLst>
           </p:cNvPr>
@@ -3172,7 +3177,7 @@
           <p:cNvPr id="3" name="Text Placeholder 2">
             <a:extLst>
               <a:ext uri="{FF2B5EF4-FFF2-40B4-BE49-F238E27FC236}">
-                <a16:creationId xmlns:a16="http://schemas.microsoft.com/office/drawing/2014/main" xmlns="" id="{91B3A21B-8AB2-4761-BA73-00FC3CFA2A2B}"/>
+                <a16:creationId xmlns="" xmlns:a16="http://schemas.microsoft.com/office/drawing/2014/main" id="{91B3A21B-8AB2-4761-BA73-00FC3CFA2A2B}"/>
               </a:ext>
             </a:extLst>
           </p:cNvPr>
@@ -3239,7 +3244,7 @@
           <p:cNvPr id="4" name="Date Placeholder 3">
             <a:extLst>
               <a:ext uri="{FF2B5EF4-FFF2-40B4-BE49-F238E27FC236}">
-                <a16:creationId xmlns:a16="http://schemas.microsoft.com/office/drawing/2014/main" xmlns="" id="{3D236E30-67B3-4573-B346-531490413788}"/>
+                <a16:creationId xmlns="" xmlns:a16="http://schemas.microsoft.com/office/drawing/2014/main" id="{3D236E30-67B3-4573-B346-531490413788}"/>
               </a:ext>
             </a:extLst>
           </p:cNvPr>
@@ -3286,7 +3291,7 @@
           <p:cNvPr id="5" name="Footer Placeholder 4">
             <a:extLst>
               <a:ext uri="{FF2B5EF4-FFF2-40B4-BE49-F238E27FC236}">
-                <a16:creationId xmlns:a16="http://schemas.microsoft.com/office/drawing/2014/main" xmlns="" id="{20D0BD92-0DC1-4A49-BA16-92A5EB96D7DA}"/>
+                <a16:creationId xmlns="" xmlns:a16="http://schemas.microsoft.com/office/drawing/2014/main" id="{20D0BD92-0DC1-4A49-BA16-92A5EB96D7DA}"/>
               </a:ext>
             </a:extLst>
           </p:cNvPr>
@@ -3329,7 +3334,7 @@
           <p:cNvPr id="6" name="Slide Number Placeholder 5">
             <a:extLst>
               <a:ext uri="{FF2B5EF4-FFF2-40B4-BE49-F238E27FC236}">
-                <a16:creationId xmlns:a16="http://schemas.microsoft.com/office/drawing/2014/main" xmlns="" id="{1D5086B6-ECDF-4B95-AD22-87B72C38A8E8}"/>
+                <a16:creationId xmlns="" xmlns:a16="http://schemas.microsoft.com/office/drawing/2014/main" id="{1D5086B6-ECDF-4B95-AD22-87B72C38A8E8}"/>
               </a:ext>
             </a:extLst>
           </p:cNvPr>
@@ -3694,10 +3699,60 @@
       </p:grpSpPr>
       <p:sp>
         <p:nvSpPr>
+          <p:cNvPr id="7" name="Rectangle 6"/>
+          <p:cNvSpPr/>
+          <p:nvPr/>
+        </p:nvSpPr>
+        <p:spPr>
+          <a:xfrm>
+            <a:off x="0" y="1075440"/>
+            <a:ext cx="12192000" cy="1124263"/>
+          </a:xfrm>
+          <a:prstGeom prst="rect">
+            <a:avLst/>
+          </a:prstGeom>
+          <a:solidFill>
+            <a:srgbClr val="008EB3"/>
+          </a:solidFill>
+          <a:ln>
+            <a:noFill/>
+          </a:ln>
+        </p:spPr>
+        <p:style>
+          <a:lnRef idx="2">
+            <a:schemeClr val="accent1">
+              <a:shade val="50000"/>
+            </a:schemeClr>
+          </a:lnRef>
+          <a:fillRef idx="1">
+            <a:schemeClr val="accent1"/>
+          </a:fillRef>
+          <a:effectRef idx="0">
+            <a:schemeClr val="accent1"/>
+          </a:effectRef>
+          <a:fontRef idx="minor">
+            <a:schemeClr val="lt1"/>
+          </a:fontRef>
+        </p:style>
+        <p:txBody>
+          <a:bodyPr rtlCol="0" anchor="ctr"/>
+          <a:lstStyle/>
+          <a:p>
+            <a:pPr algn="ctr"/>
+            <a:endParaRPr lang="de-DE">
+              <a:solidFill>
+                <a:schemeClr val="bg1"/>
+              </a:solidFill>
+            </a:endParaRPr>
+          </a:p>
+        </p:txBody>
+      </p:sp>
+      <p:sp>
+        <p:nvSpPr>
           <p:cNvPr id="2" name="Title 1">
             <a:extLst>
               <a:ext uri="{FF2B5EF4-FFF2-40B4-BE49-F238E27FC236}">
-                <a16:creationId xmlns:a16="http://schemas.microsoft.com/office/drawing/2014/main" xmlns="" id="{E963BF55-D87B-4EEA-B2A9-11D9646B8ABF}"/>
+                <a16:creationId xmlns="" xmlns:a16="http://schemas.microsoft.com/office/drawing/2014/main" id="{E963BF55-D87B-4EEA-B2A9-11D9646B8ABF}"/>
               </a:ext>
             </a:extLst>
           </p:cNvPr>
@@ -3708,15 +3763,37 @@
             <p:ph type="ctrTitle"/>
           </p:nvPr>
         </p:nvSpPr>
-        <p:spPr/>
-        <p:txBody>
-          <a:bodyPr/>
+        <p:spPr>
+          <a:xfrm>
+            <a:off x="1524000" y="2011570"/>
+            <a:ext cx="9144000" cy="2387600"/>
+          </a:xfrm>
+        </p:spPr>
+        <p:txBody>
+          <a:bodyPr>
+            <a:normAutofit/>
+          </a:bodyPr>
           <a:lstStyle/>
           <a:p>
             <a:r>
-              <a:rPr lang="en-US" dirty="0"/>
+              <a:rPr lang="en-US" sz="3200" dirty="0"/>
+              <a:t>BAK Analyse</a:t>
+            </a:r>
+            <a:br>
+              <a:rPr lang="en-US" sz="3200" dirty="0"/>
+            </a:br>
+            <a:r>
+              <a:rPr lang="en-US" sz="3200" dirty="0"/>
               <a:t>Personas</a:t>
             </a:r>
+            <a:br>
+              <a:rPr lang="en-US" sz="3200" dirty="0"/>
+            </a:br>
+            <a:r>
+              <a:rPr lang="en-US" sz="3200" dirty="0"/>
+              <a:t>Szenarien</a:t>
+            </a:r>
+            <a:endParaRPr lang="en-US" sz="3200" dirty="0"/>
           </a:p>
         </p:txBody>
       </p:sp>
@@ -3725,7 +3802,7 @@
           <p:cNvPr id="3" name="Subtitle 2">
             <a:extLst>
               <a:ext uri="{FF2B5EF4-FFF2-40B4-BE49-F238E27FC236}">
-                <a16:creationId xmlns:a16="http://schemas.microsoft.com/office/drawing/2014/main" xmlns="" id="{B835F513-471D-4E14-9773-51CF6EB1CFEA}"/>
+                <a16:creationId xmlns="" xmlns:a16="http://schemas.microsoft.com/office/drawing/2014/main" id="{B835F513-471D-4E14-9773-51CF6EB1CFEA}"/>
               </a:ext>
             </a:extLst>
           </p:cNvPr>
@@ -3736,7 +3813,12 @@
             <p:ph type="subTitle" idx="1"/>
           </p:nvPr>
         </p:nvSpPr>
-        <p:spPr/>
+        <p:spPr>
+          <a:xfrm>
+            <a:off x="1524000" y="1263573"/>
+            <a:ext cx="9144000" cy="1655762"/>
+          </a:xfrm>
+        </p:spPr>
         <p:txBody>
           <a:bodyPr>
             <a:normAutofit/>
@@ -3744,12 +3826,57 @@
           <a:lstStyle/>
           <a:p>
             <a:r>
-              <a:rPr lang="en-US" sz="2800" b="1"/>
+              <a:rPr lang="en-US" sz="5400" b="1">
+                <a:solidFill>
+                  <a:schemeClr val="bg1"/>
+                </a:solidFill>
+                <a:latin typeface="Atlantic Cruise" charset="0"/>
+                <a:ea typeface="Atlantic Cruise" charset="0"/>
+                <a:cs typeface="Atlantic Cruise" charset="0"/>
+              </a:rPr>
               <a:t>Car4U</a:t>
             </a:r>
-          </a:p>
-        </p:txBody>
-      </p:sp>
+            <a:endParaRPr lang="en-US" sz="2800" b="1">
+              <a:solidFill>
+                <a:schemeClr val="bg1"/>
+              </a:solidFill>
+              <a:latin typeface="Atlantic Cruise" charset="0"/>
+              <a:ea typeface="Atlantic Cruise" charset="0"/>
+              <a:cs typeface="Atlantic Cruise" charset="0"/>
+            </a:endParaRPr>
+          </a:p>
+        </p:txBody>
+      </p:sp>
+      <p:pic>
+        <p:nvPicPr>
+          <p:cNvPr id="6" name="Picture 5"/>
+          <p:cNvPicPr>
+            <a:picLocks noChangeAspect="1"/>
+          </p:cNvPicPr>
+          <p:nvPr/>
+        </p:nvPicPr>
+        <p:blipFill>
+          <a:blip r:embed="rId2">
+            <a:extLst>
+              <a:ext uri="{28A0092B-C50C-407E-A947-70E740481C1C}">
+                <a14:useLocalDpi xmlns:a14="http://schemas.microsoft.com/office/drawing/2010/main" val="0"/>
+              </a:ext>
+            </a:extLst>
+          </a:blip>
+          <a:stretch>
+            <a:fillRect/>
+          </a:stretch>
+        </p:blipFill>
+        <p:spPr>
+          <a:xfrm>
+            <a:off x="7869836" y="3781260"/>
+            <a:ext cx="3076740" cy="3076740"/>
+          </a:xfrm>
+          <a:prstGeom prst="rect">
+            <a:avLst/>
+          </a:prstGeom>
+        </p:spPr>
+      </p:pic>
     </p:spTree>
     <p:extLst>
       <p:ext uri="{BB962C8B-B14F-4D97-AF65-F5344CB8AC3E}">
@@ -3780,96 +3907,21 @@
           <a:chExt cx="0" cy="0"/>
         </a:xfrm>
       </p:grpSpPr>
-      <p:sp>
-        <p:nvSpPr>
-          <p:cNvPr id="2" name="Title 1"/>
-          <p:cNvSpPr>
-            <a:spLocks noGrp="1"/>
-          </p:cNvSpPr>
-          <p:nvPr>
-            <p:ph type="title"/>
-          </p:nvPr>
-        </p:nvSpPr>
-        <p:spPr>
-          <a:xfrm>
-            <a:off x="3510455" y="365126"/>
-            <a:ext cx="7843345" cy="633358"/>
-          </a:xfrm>
-        </p:spPr>
-        <p:txBody>
-          <a:bodyPr>
-            <a:normAutofit fontScale="90000"/>
-          </a:bodyPr>
-          <a:lstStyle/>
-          <a:p>
-            <a:r>
-              <a:rPr lang="de-DE"/>
-              <a:t>Szenario 1: </a:t>
-            </a:r>
-          </a:p>
-        </p:txBody>
-      </p:sp>
-      <p:sp>
-        <p:nvSpPr>
-          <p:cNvPr id="3" name="Content Placeholder 2"/>
-          <p:cNvSpPr>
-            <a:spLocks noGrp="1"/>
-          </p:cNvSpPr>
+      <p:pic>
+        <p:nvPicPr>
+          <p:cNvPr id="6" name="Content Placeholder 5">
+            <a:extLst>
+              <a:ext uri="{FF2B5EF4-FFF2-40B4-BE49-F238E27FC236}">
+                <a16:creationId xmlns="" xmlns:a16="http://schemas.microsoft.com/office/drawing/2014/main" id="{33B2250B-9EA8-4F72-83BA-EAF6FCB9B2F5}"/>
+              </a:ext>
+            </a:extLst>
+          </p:cNvPr>
+          <p:cNvPicPr>
+            <a:picLocks noGrp="1" noChangeAspect="1"/>
+          </p:cNvPicPr>
           <p:nvPr>
             <p:ph idx="1"/>
           </p:nvPr>
-        </p:nvSpPr>
-        <p:spPr>
-          <a:xfrm>
-            <a:off x="838200" y="2522483"/>
-            <a:ext cx="10515600" cy="3654480"/>
-          </a:xfrm>
-        </p:spPr>
-        <p:txBody>
-          <a:bodyPr/>
-          <a:lstStyle/>
-          <a:p>
-            <a:pPr marL="0" marR="0" lvl="0" indent="0" defTabSz="914400" eaLnBrk="1" fontAlgn="auto" latinLnBrk="0" hangingPunct="1">
-              <a:lnSpc>
-                <a:spcPct val="100000"/>
-              </a:lnSpc>
-              <a:spcBef>
-                <a:spcPts val="0"/>
-              </a:spcBef>
-              <a:spcAft>
-                <a:spcPts val="0"/>
-              </a:spcAft>
-              <a:buClrTx/>
-              <a:buSzTx/>
-              <a:buFontTx/>
-              <a:buNone/>
-              <a:tabLst/>
-              <a:defRPr/>
-            </a:pPr>
-            <a:r>
-              <a:rPr lang="de-DE" b="1"/>
-              <a:t>Szenario: </a:t>
-            </a:r>
-            <a:r>
-              <a:rPr lang="de-DE"/>
-              <a:t>Helene leiht ihr Auto bereits an mehrere Bekannte aus. Die Organisation dabei funktioniert jedoch nicht immer. Nach einer Besprechung hat sie beschlossen, unsere App auszuprobieren. Sie startet ihren alten Computer und öffnet eine ältere Version des Internet Explorers und will einen Account erstellen. Für jede Buchung will Sie dabei nur einen kleinen Pauschalbetrag beanspruchen.</a:t>
-            </a:r>
-          </a:p>
-        </p:txBody>
-      </p:sp>
-      <p:pic>
-        <p:nvPicPr>
-          <p:cNvPr id="6" name="Content Placeholder 8">
-            <a:extLst>
-              <a:ext uri="{FF2B5EF4-FFF2-40B4-BE49-F238E27FC236}">
-                <a16:creationId xmlns:a16="http://schemas.microsoft.com/office/drawing/2014/main" xmlns="" id="{C6F7B156-8F11-432C-B2CE-327CBB0BAEC6}"/>
-              </a:ext>
-            </a:extLst>
-          </p:cNvPr>
-          <p:cNvPicPr>
-            <a:picLocks noChangeAspect="1"/>
-          </p:cNvPicPr>
-          <p:nvPr/>
         </p:nvPicPr>
         <p:blipFill>
           <a:blip r:embed="rId2">
@@ -3885,34 +3937,167 @@
         </p:blipFill>
         <p:spPr>
           <a:xfrm>
-            <a:off x="838200" y="365126"/>
-            <a:ext cx="2591080" cy="1846144"/>
+            <a:off x="331679" y="319209"/>
+            <a:ext cx="3758472" cy="2738986"/>
+          </a:xfrm>
+        </p:spPr>
+      </p:pic>
+      <p:sp>
+        <p:nvSpPr>
+          <p:cNvPr id="12" name="TextBox 11">
+            <a:extLst>
+              <a:ext uri="{FF2B5EF4-FFF2-40B4-BE49-F238E27FC236}">
+                <a16:creationId xmlns="" xmlns:a16="http://schemas.microsoft.com/office/drawing/2014/main" id="{DA487378-0C29-4DB0-9248-58A8D7423A4F}"/>
+              </a:ext>
+            </a:extLst>
+          </p:cNvPr>
+          <p:cNvSpPr txBox="1"/>
+          <p:nvPr/>
+        </p:nvSpPr>
+        <p:spPr>
+          <a:xfrm>
+            <a:off x="321160" y="3187337"/>
+            <a:ext cx="3758472" cy="646331"/>
+          </a:xfrm>
+          <a:prstGeom prst="rect">
+            <a:avLst/>
+          </a:prstGeom>
+          <a:noFill/>
+        </p:spPr>
+        <p:txBody>
+          <a:bodyPr wrap="square" rtlCol="0">
+            <a:spAutoFit/>
+          </a:bodyPr>
+          <a:lstStyle/>
+          <a:p>
+            <a:r>
+              <a:rPr lang="en-US" dirty="0">
+                <a:solidFill>
+                  <a:schemeClr val="tx1">
+                    <a:lumMod val="50000"/>
+                    <a:lumOff val="50000"/>
+                  </a:schemeClr>
+                </a:solidFill>
+              </a:rPr>
+              <a:t>“Ich will </a:t>
+            </a:r>
+            <a:r>
+              <a:rPr lang="en-US" dirty="0" err="1">
+                <a:solidFill>
+                  <a:schemeClr val="tx1">
+                    <a:lumMod val="50000"/>
+                    <a:lumOff val="50000"/>
+                  </a:schemeClr>
+                </a:solidFill>
+              </a:rPr>
+              <a:t>mit</a:t>
+            </a:r>
+            <a:r>
+              <a:rPr lang="en-US" dirty="0">
+                <a:solidFill>
+                  <a:schemeClr val="tx1">
+                    <a:lumMod val="50000"/>
+                    <a:lumOff val="50000"/>
+                  </a:schemeClr>
+                </a:solidFill>
+              </a:rPr>
+              <a:t> </a:t>
+            </a:r>
+            <a:r>
+              <a:rPr lang="en-US" dirty="0" err="1">
+                <a:solidFill>
+                  <a:schemeClr val="tx1">
+                    <a:lumMod val="50000"/>
+                    <a:lumOff val="50000"/>
+                  </a:schemeClr>
+                </a:solidFill>
+              </a:rPr>
+              <a:t>meiner</a:t>
+            </a:r>
+            <a:r>
+              <a:rPr lang="en-US" dirty="0">
+                <a:solidFill>
+                  <a:schemeClr val="tx1">
+                    <a:lumMod val="50000"/>
+                    <a:lumOff val="50000"/>
+                  </a:schemeClr>
+                </a:solidFill>
+              </a:rPr>
+              <a:t> </a:t>
+            </a:r>
+            <a:r>
+              <a:rPr lang="en-US" dirty="0" err="1">
+                <a:solidFill>
+                  <a:schemeClr val="tx1">
+                    <a:lumMod val="50000"/>
+                    <a:lumOff val="50000"/>
+                  </a:schemeClr>
+                </a:solidFill>
+              </a:rPr>
+              <a:t>Arbeit</a:t>
+            </a:r>
+            <a:r>
+              <a:rPr lang="en-US" dirty="0">
+                <a:solidFill>
+                  <a:schemeClr val="tx1">
+                    <a:lumMod val="50000"/>
+                    <a:lumOff val="50000"/>
+                  </a:schemeClr>
+                </a:solidFill>
+              </a:rPr>
+              <a:t> Leben </a:t>
+            </a:r>
+            <a:r>
+              <a:rPr lang="en-US" dirty="0" err="1">
+                <a:solidFill>
+                  <a:schemeClr val="tx1">
+                    <a:lumMod val="50000"/>
+                    <a:lumOff val="50000"/>
+                  </a:schemeClr>
+                </a:solidFill>
+              </a:rPr>
+              <a:t>retten</a:t>
+            </a:r>
+            <a:r>
+              <a:rPr lang="en-US" dirty="0">
+                <a:solidFill>
+                  <a:schemeClr val="tx1">
+                    <a:lumMod val="50000"/>
+                    <a:lumOff val="50000"/>
+                  </a:schemeClr>
+                </a:solidFill>
+              </a:rPr>
+              <a:t>”</a:t>
+            </a:r>
+          </a:p>
+        </p:txBody>
+      </p:sp>
+      <p:sp>
+        <p:nvSpPr>
+          <p:cNvPr id="15" name="Title 1">
+            <a:extLst>
+              <a:ext uri="{FF2B5EF4-FFF2-40B4-BE49-F238E27FC236}">
+                <a16:creationId xmlns="" xmlns:a16="http://schemas.microsoft.com/office/drawing/2014/main" id="{2CFED99B-A86A-46D7-90D3-41E60B7715F8}"/>
+              </a:ext>
+            </a:extLst>
+          </p:cNvPr>
+          <p:cNvSpPr txBox="1">
+            <a:spLocks/>
+          </p:cNvSpPr>
+          <p:nvPr/>
+        </p:nvSpPr>
+        <p:spPr>
+          <a:xfrm>
+            <a:off x="4242412" y="324869"/>
+            <a:ext cx="6945923" cy="641783"/>
           </a:xfrm>
           <a:prstGeom prst="rect">
             <a:avLst/>
           </a:prstGeom>
         </p:spPr>
-      </p:pic>
-      <p:sp>
-        <p:nvSpPr>
-          <p:cNvPr id="7" name="Title 1"/>
-          <p:cNvSpPr txBox="1">
-            <a:spLocks/>
-          </p:cNvSpPr>
-          <p:nvPr/>
-        </p:nvSpPr>
-        <p:spPr>
-          <a:xfrm>
-            <a:off x="3510454" y="998484"/>
-            <a:ext cx="7843345" cy="1212786"/>
-          </a:xfrm>
-          <a:prstGeom prst="rect">
-            <a:avLst/>
-          </a:prstGeom>
-        </p:spPr>
-        <p:txBody>
-          <a:bodyPr vert="horz" lIns="91440" tIns="45720" rIns="91440" bIns="45720" rtlCol="0" anchor="t">
-            <a:normAutofit fontScale="97500"/>
+        <p:txBody>
+          <a:bodyPr vert="horz" lIns="91440" tIns="45720" rIns="91440" bIns="45720" rtlCol="0" anchor="ctr">
+            <a:normAutofit fontScale="90000" lnSpcReduction="10000"/>
           </a:bodyPr>
           <a:lstStyle>
             <a:lvl1pPr algn="l" defTabSz="914400" rtl="0" eaLnBrk="1" latinLnBrk="0" hangingPunct="1">
@@ -3935,28 +4120,681 @@
           </a:lstStyle>
           <a:p>
             <a:r>
-              <a:rPr lang="de-DE" sz="2000"/>
-              <a:t>Produkt: Webapplikation auf Internet Explorer</a:t>
-            </a:r>
-          </a:p>
-          <a:p>
-            <a:r>
-              <a:rPr lang="de-DE" sz="2000"/>
-              <a:t>Sekundäre Persona: Helene Meier</a:t>
-            </a:r>
-          </a:p>
-          <a:p>
-            <a:r>
-              <a:rPr lang="de-DE" sz="2000"/>
-              <a:t>Will ihr Auto an eine Bekannte ausleihen</a:t>
-            </a:r>
+              <a:rPr lang="en-US" sz="4900" dirty="0"/>
+              <a:t>Hans Müller</a:t>
+            </a:r>
+            <a:endParaRPr lang="en-US" dirty="0"/>
+          </a:p>
+        </p:txBody>
+      </p:sp>
+      <p:sp>
+        <p:nvSpPr>
+          <p:cNvPr id="18" name="TextBox 17">
+            <a:extLst>
+              <a:ext uri="{FF2B5EF4-FFF2-40B4-BE49-F238E27FC236}">
+                <a16:creationId xmlns="" xmlns:a16="http://schemas.microsoft.com/office/drawing/2014/main" id="{3AA3F62D-92D1-4EC5-AC48-EC75F67A3F00}"/>
+              </a:ext>
+            </a:extLst>
+          </p:cNvPr>
+          <p:cNvSpPr txBox="1"/>
+          <p:nvPr/>
+        </p:nvSpPr>
+        <p:spPr>
+          <a:xfrm>
+            <a:off x="418011" y="3892731"/>
+            <a:ext cx="3587932" cy="2031325"/>
+          </a:xfrm>
+          <a:prstGeom prst="rect">
+            <a:avLst/>
+          </a:prstGeom>
+          <a:noFill/>
+        </p:spPr>
+        <p:txBody>
+          <a:bodyPr wrap="square" rtlCol="0">
+            <a:spAutoFit/>
+          </a:bodyPr>
+          <a:lstStyle/>
+          <a:p>
+            <a:r>
+              <a:rPr lang="de-DE" dirty="0"/>
+              <a:t>Hans arbeitete 10 Jahre beim Strassenverkehrsamt bis er vor 2 Jahren kündigte. Heute arbeitet er für unsere Firma.</a:t>
+            </a:r>
+          </a:p>
+          <a:p>
+            <a:r>
+              <a:rPr lang="de-DE" dirty="0"/>
+              <a:t>Hans überprüft alle Führerscheine und Autonummern über das Strassenverkehrsamt.</a:t>
+            </a:r>
+            <a:endParaRPr lang="en-US" dirty="0"/>
+          </a:p>
+        </p:txBody>
+      </p:sp>
+      <p:sp>
+        <p:nvSpPr>
+          <p:cNvPr id="7" name="TextBox 6">
+            <a:extLst>
+              <a:ext uri="{FF2B5EF4-FFF2-40B4-BE49-F238E27FC236}">
+                <a16:creationId xmlns="" xmlns:a16="http://schemas.microsoft.com/office/drawing/2014/main" id="{BF2B5BCC-0EF5-4E73-B220-BB342B940170}"/>
+              </a:ext>
+            </a:extLst>
+          </p:cNvPr>
+          <p:cNvSpPr txBox="1"/>
+          <p:nvPr/>
+        </p:nvSpPr>
+        <p:spPr>
+          <a:xfrm>
+            <a:off x="4380412" y="966652"/>
+            <a:ext cx="4397828" cy="5386090"/>
+          </a:xfrm>
+          <a:prstGeom prst="rect">
+            <a:avLst/>
+          </a:prstGeom>
+          <a:noFill/>
+        </p:spPr>
+        <p:txBody>
+          <a:bodyPr wrap="square" rtlCol="0">
+            <a:spAutoFit/>
+          </a:bodyPr>
+          <a:lstStyle/>
+          <a:p>
+            <a:r>
+              <a:rPr lang="de-CH" sz="1600" dirty="0"/>
+              <a:t>Personalien</a:t>
+            </a:r>
+          </a:p>
+          <a:p>
+            <a:pPr marL="285750" indent="-285750">
+              <a:buFont typeface="Arial" panose="020B0604020202020204" pitchFamily="34" charset="0"/>
+              <a:buChar char="•"/>
+            </a:pPr>
+            <a:r>
+              <a:rPr lang="de-CH" sz="1200" dirty="0"/>
+              <a:t>Name: Hans Müller</a:t>
+            </a:r>
+          </a:p>
+          <a:p>
+            <a:pPr marL="285750" indent="-285750">
+              <a:buFont typeface="Arial" panose="020B0604020202020204" pitchFamily="34" charset="0"/>
+              <a:buChar char="•"/>
+            </a:pPr>
+            <a:r>
+              <a:rPr lang="de-CH" sz="1200" dirty="0"/>
+              <a:t>Beruf: Büroangestellter unserer Firma</a:t>
+            </a:r>
+          </a:p>
+          <a:p>
+            <a:pPr marL="285750" indent="-285750">
+              <a:buFont typeface="Arial" panose="020B0604020202020204" pitchFamily="34" charset="0"/>
+              <a:buChar char="•"/>
+            </a:pPr>
+            <a:r>
+              <a:rPr lang="de-CH" sz="1200" dirty="0"/>
+              <a:t>Alter:  35 </a:t>
+            </a:r>
+          </a:p>
+          <a:p>
+            <a:pPr marL="285750" indent="-285750">
+              <a:buFont typeface="Arial" panose="020B0604020202020204" pitchFamily="34" charset="0"/>
+              <a:buChar char="•"/>
+            </a:pPr>
+            <a:r>
+              <a:rPr lang="de-CH" sz="1200" dirty="0"/>
+              <a:t>Verheiratet</a:t>
+            </a:r>
+          </a:p>
+          <a:p>
+            <a:endParaRPr lang="de-CH" sz="1600" dirty="0"/>
+          </a:p>
+          <a:p>
+            <a:r>
+              <a:rPr lang="de-CH" sz="1600" dirty="0"/>
+              <a:t>Motivation</a:t>
+            </a:r>
+          </a:p>
+          <a:p>
+            <a:pPr marL="285750" indent="-285750">
+              <a:buFont typeface="Arial" panose="020B0604020202020204" pitchFamily="34" charset="0"/>
+              <a:buChar char="•"/>
+            </a:pPr>
+            <a:r>
+              <a:rPr lang="de-CH" sz="1200" dirty="0"/>
+              <a:t>Strassen sicherer machen</a:t>
+            </a:r>
+          </a:p>
+          <a:p>
+            <a:endParaRPr lang="de-CH" sz="1600" dirty="0"/>
+          </a:p>
+          <a:p>
+            <a:r>
+              <a:rPr lang="de-CH" sz="1600" dirty="0"/>
+              <a:t>Frustration</a:t>
+            </a:r>
+          </a:p>
+          <a:p>
+            <a:pPr marL="285750" indent="-285750">
+              <a:buFont typeface="Arial" panose="020B0604020202020204" pitchFamily="34" charset="0"/>
+              <a:buChar char="•"/>
+            </a:pPr>
+            <a:r>
+              <a:rPr lang="de-CH" sz="1200" dirty="0"/>
+              <a:t>Mehrfachanträge von nicht Fahrtüchtigen Personen</a:t>
+            </a:r>
+          </a:p>
+          <a:p>
+            <a:pPr marL="285750" indent="-285750">
+              <a:buFont typeface="Arial" panose="020B0604020202020204" pitchFamily="34" charset="0"/>
+              <a:buChar char="•"/>
+            </a:pPr>
+            <a:r>
+              <a:rPr lang="de-CH" sz="1200" dirty="0"/>
+              <a:t>Schwierigkeit zu überprüfen, dass es sich bei den Anträgen wirklich um die gesagte Person handelt</a:t>
+            </a:r>
+          </a:p>
+          <a:p>
+            <a:endParaRPr lang="de-CH" sz="1600" dirty="0"/>
+          </a:p>
+          <a:p>
+            <a:r>
+              <a:rPr lang="de-CH" sz="1600" dirty="0"/>
+              <a:t>Experience Goals</a:t>
+            </a:r>
+          </a:p>
+          <a:p>
+            <a:pPr marL="285750" indent="-285750">
+              <a:buFont typeface="Arial" panose="020B0604020202020204" pitchFamily="34" charset="0"/>
+              <a:buChar char="•"/>
+            </a:pPr>
+            <a:r>
+              <a:rPr lang="de-CH" sz="1200" dirty="0"/>
+              <a:t>Automatische Ausordnung von mehrfachen Anträgen</a:t>
+            </a:r>
+          </a:p>
+          <a:p>
+            <a:pPr marL="285750" indent="-285750">
+              <a:buFont typeface="Arial" panose="020B0604020202020204" pitchFamily="34" charset="0"/>
+              <a:buChar char="•"/>
+            </a:pPr>
+            <a:r>
+              <a:rPr lang="de-CH" sz="1200" dirty="0"/>
+              <a:t>Automatische überprüfung, ob der Fahrausweis bereits vorhanden ist</a:t>
+            </a:r>
+          </a:p>
+          <a:p>
+            <a:pPr marL="285750" indent="-285750">
+              <a:buFont typeface="Arial" panose="020B0604020202020204" pitchFamily="34" charset="0"/>
+              <a:buChar char="•"/>
+            </a:pPr>
+            <a:r>
+              <a:rPr lang="de-CH" sz="1200" dirty="0"/>
+              <a:t>Automatischer Informationsaustausch mit Verkehrsamt</a:t>
+            </a:r>
+          </a:p>
+          <a:p>
+            <a:pPr marL="285750" indent="-285750">
+              <a:buFont typeface="Arial" panose="020B0604020202020204" pitchFamily="34" charset="0"/>
+              <a:buChar char="•"/>
+            </a:pPr>
+            <a:r>
+              <a:rPr lang="de-CH" sz="1200" dirty="0"/>
+              <a:t>Möglichkeit, die Anträge zu ordnen</a:t>
+            </a:r>
+          </a:p>
+          <a:p>
+            <a:endParaRPr lang="de-CH" sz="1600" dirty="0"/>
+          </a:p>
+          <a:p>
+            <a:r>
+              <a:rPr lang="de-CH" sz="1600" dirty="0"/>
+              <a:t>End Goals</a:t>
+            </a:r>
+          </a:p>
+          <a:p>
+            <a:pPr marL="285750" indent="-285750">
+              <a:buFont typeface="Arial" panose="020B0604020202020204" pitchFamily="34" charset="0"/>
+              <a:buChar char="•"/>
+            </a:pPr>
+            <a:r>
+              <a:rPr lang="de-CH" sz="1200" dirty="0"/>
+              <a:t>Alle Anträge zeitgerecht und korrekt bearbeiten</a:t>
+            </a:r>
+          </a:p>
+          <a:p>
+            <a:endParaRPr lang="de-CH" sz="1600" dirty="0"/>
+          </a:p>
+          <a:p>
+            <a:endParaRPr lang="de-CH" sz="1600" dirty="0"/>
+          </a:p>
+        </p:txBody>
+      </p:sp>
+      <p:grpSp>
+        <p:nvGrpSpPr>
+          <p:cNvPr id="8" name="Group 7">
+            <a:extLst>
+              <a:ext uri="{FF2B5EF4-FFF2-40B4-BE49-F238E27FC236}">
+                <a16:creationId xmlns="" xmlns:a16="http://schemas.microsoft.com/office/drawing/2014/main" id="{F325CCFD-6D03-4E8E-8003-8453AC015BF3}"/>
+              </a:ext>
+            </a:extLst>
+          </p:cNvPr>
+          <p:cNvGrpSpPr/>
+          <p:nvPr/>
+        </p:nvGrpSpPr>
+        <p:grpSpPr>
+          <a:xfrm>
+            <a:off x="9196375" y="3272412"/>
+            <a:ext cx="2438399" cy="634502"/>
+            <a:chOff x="9083040" y="1237842"/>
+            <a:chExt cx="2105295" cy="634502"/>
+          </a:xfrm>
+        </p:grpSpPr>
+        <p:sp>
+          <p:nvSpPr>
+            <p:cNvPr id="9" name="Rectangle: Rounded Corners 8">
+              <a:extLst>
+                <a:ext uri="{FF2B5EF4-FFF2-40B4-BE49-F238E27FC236}">
+                  <a16:creationId xmlns="" xmlns:a16="http://schemas.microsoft.com/office/drawing/2014/main" id="{55B17B84-DF99-4C29-AC2F-96328E43A5CE}"/>
+                </a:ext>
+              </a:extLst>
+            </p:cNvPr>
+            <p:cNvSpPr/>
+            <p:nvPr/>
+          </p:nvSpPr>
+          <p:spPr>
+            <a:xfrm>
+              <a:off x="9524998" y="1237842"/>
+              <a:ext cx="1663337" cy="634502"/>
+            </a:xfrm>
+            <a:prstGeom prst="roundRect">
+              <a:avLst/>
+            </a:prstGeom>
+            <a:solidFill>
+              <a:schemeClr val="bg1"/>
+            </a:solidFill>
+            <a:ln w="38100">
+              <a:solidFill>
+                <a:schemeClr val="accent1">
+                  <a:lumMod val="75000"/>
+                </a:schemeClr>
+              </a:solidFill>
+            </a:ln>
+          </p:spPr>
+          <p:style>
+            <a:lnRef idx="2">
+              <a:schemeClr val="accent2"/>
+            </a:lnRef>
+            <a:fillRef idx="1">
+              <a:schemeClr val="lt1"/>
+            </a:fillRef>
+            <a:effectRef idx="0">
+              <a:schemeClr val="accent2"/>
+            </a:effectRef>
+            <a:fontRef idx="minor">
+              <a:schemeClr val="dk1"/>
+            </a:fontRef>
+          </p:style>
+          <p:txBody>
+            <a:bodyPr rtlCol="0" anchor="ctr"/>
+            <a:lstStyle/>
+            <a:p>
+              <a:pPr algn="ctr"/>
+              <a:r>
+                <a:rPr lang="en-US" b="1" dirty="0" err="1"/>
+                <a:t>Pflichtbewusst</a:t>
+              </a:r>
+              <a:endParaRPr lang="en-US" b="1" dirty="0"/>
+            </a:p>
+          </p:txBody>
+        </p:sp>
+        <p:sp>
+          <p:nvSpPr>
+            <p:cNvPr id="10" name="Arrow: Right 9">
+              <a:extLst>
+                <a:ext uri="{FF2B5EF4-FFF2-40B4-BE49-F238E27FC236}">
+                  <a16:creationId xmlns="" xmlns:a16="http://schemas.microsoft.com/office/drawing/2014/main" id="{A07FD5B9-BF2C-4C3A-8F96-5F58BCE2E7D7}"/>
+                </a:ext>
+              </a:extLst>
+            </p:cNvPr>
+            <p:cNvSpPr/>
+            <p:nvPr/>
+          </p:nvSpPr>
+          <p:spPr>
+            <a:xfrm>
+              <a:off x="9083040" y="1382150"/>
+              <a:ext cx="441958" cy="308537"/>
+            </a:xfrm>
+            <a:prstGeom prst="rightArrow">
+              <a:avLst/>
+            </a:prstGeom>
+          </p:spPr>
+          <p:style>
+            <a:lnRef idx="2">
+              <a:schemeClr val="accent1">
+                <a:shade val="50000"/>
+              </a:schemeClr>
+            </a:lnRef>
+            <a:fillRef idx="1">
+              <a:schemeClr val="accent1"/>
+            </a:fillRef>
+            <a:effectRef idx="0">
+              <a:schemeClr val="accent1"/>
+            </a:effectRef>
+            <a:fontRef idx="minor">
+              <a:schemeClr val="lt1"/>
+            </a:fontRef>
+          </p:style>
+          <p:txBody>
+            <a:bodyPr rtlCol="0" anchor="ctr"/>
+            <a:lstStyle/>
+            <a:p>
+              <a:pPr algn="ctr"/>
+              <a:endParaRPr lang="en-US"/>
+            </a:p>
+          </p:txBody>
+        </p:sp>
+      </p:grpSp>
+      <p:grpSp>
+        <p:nvGrpSpPr>
+          <p:cNvPr id="11" name="Group 10">
+            <a:extLst>
+              <a:ext uri="{FF2B5EF4-FFF2-40B4-BE49-F238E27FC236}">
+                <a16:creationId xmlns="" xmlns:a16="http://schemas.microsoft.com/office/drawing/2014/main" id="{913BD5FD-B24C-4F43-8C8E-CA275DAF54A6}"/>
+              </a:ext>
+            </a:extLst>
+          </p:cNvPr>
+          <p:cNvGrpSpPr/>
+          <p:nvPr/>
+        </p:nvGrpSpPr>
+        <p:grpSpPr>
+          <a:xfrm>
+            <a:off x="9146303" y="4279063"/>
+            <a:ext cx="2475667" cy="634502"/>
+            <a:chOff x="9083040" y="1237842"/>
+            <a:chExt cx="2105295" cy="634502"/>
+          </a:xfrm>
+        </p:grpSpPr>
+        <p:sp>
+          <p:nvSpPr>
+            <p:cNvPr id="13" name="Rectangle: Rounded Corners 12">
+              <a:extLst>
+                <a:ext uri="{FF2B5EF4-FFF2-40B4-BE49-F238E27FC236}">
+                  <a16:creationId xmlns="" xmlns:a16="http://schemas.microsoft.com/office/drawing/2014/main" id="{A46B4019-0782-4EDE-8F9B-8787D6ADE9BE}"/>
+                </a:ext>
+              </a:extLst>
+            </p:cNvPr>
+            <p:cNvSpPr/>
+            <p:nvPr/>
+          </p:nvSpPr>
+          <p:spPr>
+            <a:xfrm>
+              <a:off x="9524998" y="1237842"/>
+              <a:ext cx="1663337" cy="634502"/>
+            </a:xfrm>
+            <a:prstGeom prst="roundRect">
+              <a:avLst/>
+            </a:prstGeom>
+            <a:solidFill>
+              <a:schemeClr val="bg1"/>
+            </a:solidFill>
+            <a:ln w="38100">
+              <a:solidFill>
+                <a:schemeClr val="accent1">
+                  <a:lumMod val="75000"/>
+                </a:schemeClr>
+              </a:solidFill>
+            </a:ln>
+          </p:spPr>
+          <p:style>
+            <a:lnRef idx="2">
+              <a:schemeClr val="accent2"/>
+            </a:lnRef>
+            <a:fillRef idx="1">
+              <a:schemeClr val="lt1"/>
+            </a:fillRef>
+            <a:effectRef idx="0">
+              <a:schemeClr val="accent2"/>
+            </a:effectRef>
+            <a:fontRef idx="minor">
+              <a:schemeClr val="dk1"/>
+            </a:fontRef>
+          </p:style>
+          <p:txBody>
+            <a:bodyPr rtlCol="0" anchor="ctr"/>
+            <a:lstStyle/>
+            <a:p>
+              <a:pPr algn="ctr"/>
+              <a:r>
+                <a:rPr lang="en-US" b="1" dirty="0" err="1"/>
+                <a:t>Fleissig</a:t>
+              </a:r>
+              <a:endParaRPr lang="en-US" b="1" dirty="0"/>
+            </a:p>
+          </p:txBody>
+        </p:sp>
+        <p:sp>
+          <p:nvSpPr>
+            <p:cNvPr id="14" name="Arrow: Right 13">
+              <a:extLst>
+                <a:ext uri="{FF2B5EF4-FFF2-40B4-BE49-F238E27FC236}">
+                  <a16:creationId xmlns="" xmlns:a16="http://schemas.microsoft.com/office/drawing/2014/main" id="{C05C7D53-B4F4-40E8-A7A4-B612FFE44E39}"/>
+                </a:ext>
+              </a:extLst>
+            </p:cNvPr>
+            <p:cNvSpPr/>
+            <p:nvPr/>
+          </p:nvSpPr>
+          <p:spPr>
+            <a:xfrm>
+              <a:off x="9083040" y="1382150"/>
+              <a:ext cx="441958" cy="308537"/>
+            </a:xfrm>
+            <a:prstGeom prst="rightArrow">
+              <a:avLst/>
+            </a:prstGeom>
+          </p:spPr>
+          <p:style>
+            <a:lnRef idx="2">
+              <a:schemeClr val="accent1">
+                <a:shade val="50000"/>
+              </a:schemeClr>
+            </a:lnRef>
+            <a:fillRef idx="1">
+              <a:schemeClr val="accent1"/>
+            </a:fillRef>
+            <a:effectRef idx="0">
+              <a:schemeClr val="accent1"/>
+            </a:effectRef>
+            <a:fontRef idx="minor">
+              <a:schemeClr val="lt1"/>
+            </a:fontRef>
+          </p:style>
+          <p:txBody>
+            <a:bodyPr rtlCol="0" anchor="ctr"/>
+            <a:lstStyle/>
+            <a:p>
+              <a:pPr algn="ctr"/>
+              <a:endParaRPr lang="en-US"/>
+            </a:p>
+          </p:txBody>
+        </p:sp>
+      </p:grpSp>
+      <p:grpSp>
+        <p:nvGrpSpPr>
+          <p:cNvPr id="16" name="Group 15">
+            <a:extLst>
+              <a:ext uri="{FF2B5EF4-FFF2-40B4-BE49-F238E27FC236}">
+                <a16:creationId xmlns="" xmlns:a16="http://schemas.microsoft.com/office/drawing/2014/main" id="{C301D21F-5248-4416-8F3E-E47E9A42C678}"/>
+              </a:ext>
+            </a:extLst>
+          </p:cNvPr>
+          <p:cNvGrpSpPr/>
+          <p:nvPr/>
+        </p:nvGrpSpPr>
+        <p:grpSpPr>
+          <a:xfrm>
+            <a:off x="9183571" y="5284137"/>
+            <a:ext cx="2438399" cy="634502"/>
+            <a:chOff x="9083040" y="1237842"/>
+            <a:chExt cx="2105295" cy="634502"/>
+          </a:xfrm>
+        </p:grpSpPr>
+        <p:sp>
+          <p:nvSpPr>
+            <p:cNvPr id="17" name="Rectangle: Rounded Corners 16">
+              <a:extLst>
+                <a:ext uri="{FF2B5EF4-FFF2-40B4-BE49-F238E27FC236}">
+                  <a16:creationId xmlns="" xmlns:a16="http://schemas.microsoft.com/office/drawing/2014/main" id="{9FF65848-5DB4-4841-99A8-61A13BF5D235}"/>
+                </a:ext>
+              </a:extLst>
+            </p:cNvPr>
+            <p:cNvSpPr/>
+            <p:nvPr/>
+          </p:nvSpPr>
+          <p:spPr>
+            <a:xfrm>
+              <a:off x="9524998" y="1237842"/>
+              <a:ext cx="1663337" cy="634502"/>
+            </a:xfrm>
+            <a:prstGeom prst="roundRect">
+              <a:avLst/>
+            </a:prstGeom>
+            <a:solidFill>
+              <a:schemeClr val="bg1"/>
+            </a:solidFill>
+            <a:ln w="38100">
+              <a:solidFill>
+                <a:schemeClr val="accent1">
+                  <a:lumMod val="75000"/>
+                </a:schemeClr>
+              </a:solidFill>
+            </a:ln>
+          </p:spPr>
+          <p:style>
+            <a:lnRef idx="2">
+              <a:schemeClr val="accent2"/>
+            </a:lnRef>
+            <a:fillRef idx="1">
+              <a:schemeClr val="lt1"/>
+            </a:fillRef>
+            <a:effectRef idx="0">
+              <a:schemeClr val="accent2"/>
+            </a:effectRef>
+            <a:fontRef idx="minor">
+              <a:schemeClr val="dk1"/>
+            </a:fontRef>
+          </p:style>
+          <p:txBody>
+            <a:bodyPr rtlCol="0" anchor="ctr"/>
+            <a:lstStyle/>
+            <a:p>
+              <a:pPr algn="ctr"/>
+              <a:r>
+                <a:rPr lang="en-US" b="1" dirty="0" err="1"/>
+                <a:t>Exakt</a:t>
+              </a:r>
+              <a:endParaRPr lang="en-US" b="1" dirty="0"/>
+            </a:p>
+          </p:txBody>
+        </p:sp>
+        <p:sp>
+          <p:nvSpPr>
+            <p:cNvPr id="19" name="Arrow: Right 18">
+              <a:extLst>
+                <a:ext uri="{FF2B5EF4-FFF2-40B4-BE49-F238E27FC236}">
+                  <a16:creationId xmlns="" xmlns:a16="http://schemas.microsoft.com/office/drawing/2014/main" id="{8D71F1C5-D713-4480-8649-BAAA3FEEACEC}"/>
+                </a:ext>
+              </a:extLst>
+            </p:cNvPr>
+            <p:cNvSpPr/>
+            <p:nvPr/>
+          </p:nvSpPr>
+          <p:spPr>
+            <a:xfrm>
+              <a:off x="9083040" y="1382150"/>
+              <a:ext cx="441958" cy="308537"/>
+            </a:xfrm>
+            <a:prstGeom prst="rightArrow">
+              <a:avLst/>
+            </a:prstGeom>
+          </p:spPr>
+          <p:style>
+            <a:lnRef idx="2">
+              <a:schemeClr val="accent1">
+                <a:shade val="50000"/>
+              </a:schemeClr>
+            </a:lnRef>
+            <a:fillRef idx="1">
+              <a:schemeClr val="accent1"/>
+            </a:fillRef>
+            <a:effectRef idx="0">
+              <a:schemeClr val="accent1"/>
+            </a:effectRef>
+            <a:fontRef idx="minor">
+              <a:schemeClr val="lt1"/>
+            </a:fontRef>
+          </p:style>
+          <p:txBody>
+            <a:bodyPr rtlCol="0" anchor="ctr"/>
+            <a:lstStyle/>
+            <a:p>
+              <a:pPr algn="ctr"/>
+              <a:endParaRPr lang="en-US"/>
+            </a:p>
+          </p:txBody>
+        </p:sp>
+      </p:grpSp>
+      <p:sp>
+        <p:nvSpPr>
+          <p:cNvPr id="20" name="Rectangle 19"/>
+          <p:cNvSpPr/>
+          <p:nvPr/>
+        </p:nvSpPr>
+        <p:spPr>
+          <a:xfrm>
+            <a:off x="0" y="6652260"/>
+            <a:ext cx="12192000" cy="296228"/>
+          </a:xfrm>
+          <a:prstGeom prst="rect">
+            <a:avLst/>
+          </a:prstGeom>
+          <a:solidFill>
+            <a:srgbClr val="008EB3"/>
+          </a:solidFill>
+          <a:ln>
+            <a:noFill/>
+          </a:ln>
+        </p:spPr>
+        <p:style>
+          <a:lnRef idx="2">
+            <a:schemeClr val="accent1">
+              <a:shade val="50000"/>
+            </a:schemeClr>
+          </a:lnRef>
+          <a:fillRef idx="1">
+            <a:schemeClr val="accent1"/>
+          </a:fillRef>
+          <a:effectRef idx="0">
+            <a:schemeClr val="accent1"/>
+          </a:effectRef>
+          <a:fontRef idx="minor">
+            <a:schemeClr val="lt1"/>
+          </a:fontRef>
+        </p:style>
+        <p:txBody>
+          <a:bodyPr rtlCol="0" anchor="ctr"/>
+          <a:lstStyle/>
+          <a:p>
+            <a:pPr algn="ctr"/>
+            <a:endParaRPr lang="de-DE">
+              <a:solidFill>
+                <a:schemeClr val="bg1"/>
+              </a:solidFill>
+            </a:endParaRPr>
           </a:p>
         </p:txBody>
       </p:sp>
     </p:spTree>
     <p:extLst>
       <p:ext uri="{BB962C8B-B14F-4D97-AF65-F5344CB8AC3E}">
-        <p14:creationId xmlns:p14="http://schemas.microsoft.com/office/powerpoint/2010/main" val="524906397"/>
+        <p14:creationId xmlns:p14="http://schemas.microsoft.com/office/powerpoint/2010/main" val="3133183684"/>
       </p:ext>
     </p:extLst>
   </p:cSld>
@@ -3983,96 +4821,21 @@
           <a:chExt cx="0" cy="0"/>
         </a:xfrm>
       </p:grpSpPr>
-      <p:sp>
-        <p:nvSpPr>
-          <p:cNvPr id="2" name="Title 1"/>
-          <p:cNvSpPr>
-            <a:spLocks noGrp="1"/>
-          </p:cNvSpPr>
-          <p:nvPr>
-            <p:ph type="title"/>
-          </p:nvPr>
-        </p:nvSpPr>
-        <p:spPr>
-          <a:xfrm>
-            <a:off x="3510455" y="365126"/>
-            <a:ext cx="7843345" cy="633358"/>
-          </a:xfrm>
-        </p:spPr>
-        <p:txBody>
-          <a:bodyPr>
-            <a:normAutofit fontScale="90000"/>
-          </a:bodyPr>
-          <a:lstStyle/>
-          <a:p>
-            <a:r>
-              <a:rPr lang="de-DE"/>
-              <a:t>Szenario 1: </a:t>
-            </a:r>
-          </a:p>
-        </p:txBody>
-      </p:sp>
-      <p:sp>
-        <p:nvSpPr>
-          <p:cNvPr id="3" name="Content Placeholder 2"/>
-          <p:cNvSpPr>
-            <a:spLocks noGrp="1"/>
-          </p:cNvSpPr>
+      <p:pic>
+        <p:nvPicPr>
+          <p:cNvPr id="10" name="Content Placeholder 9">
+            <a:extLst>
+              <a:ext uri="{FF2B5EF4-FFF2-40B4-BE49-F238E27FC236}">
+                <a16:creationId xmlns="" xmlns:a16="http://schemas.microsoft.com/office/drawing/2014/main" id="{6F03154E-C798-4103-802A-0495CC8B2366}"/>
+              </a:ext>
+            </a:extLst>
+          </p:cNvPr>
+          <p:cNvPicPr>
+            <a:picLocks noGrp="1" noChangeAspect="1"/>
+          </p:cNvPicPr>
           <p:nvPr>
             <p:ph idx="1"/>
           </p:nvPr>
-        </p:nvSpPr>
-        <p:spPr>
-          <a:xfrm>
-            <a:off x="838200" y="2522483"/>
-            <a:ext cx="10515600" cy="3654480"/>
-          </a:xfrm>
-        </p:spPr>
-        <p:txBody>
-          <a:bodyPr/>
-          <a:lstStyle/>
-          <a:p>
-            <a:pPr marL="0" marR="0" lvl="0" indent="0" defTabSz="914400" eaLnBrk="1" fontAlgn="auto" latinLnBrk="0" hangingPunct="1">
-              <a:lnSpc>
-                <a:spcPct val="100000"/>
-              </a:lnSpc>
-              <a:spcBef>
-                <a:spcPts val="0"/>
-              </a:spcBef>
-              <a:spcAft>
-                <a:spcPts val="0"/>
-              </a:spcAft>
-              <a:buClrTx/>
-              <a:buSzTx/>
-              <a:buFontTx/>
-              <a:buNone/>
-              <a:tabLst/>
-              <a:defRPr/>
-            </a:pPr>
-            <a:r>
-              <a:rPr lang="de-DE" b="1"/>
-              <a:t>Szenario: </a:t>
-            </a:r>
-            <a:r>
-              <a:rPr lang="de-DE"/>
-              <a:t>An einem Morgen erscheint Hans wie immer pünktlich um 8 Uhr zur Arbeit. Es haben sich bereits 90 Anträge auf Ausleihaccounts angehäuft. Sein gewissen lässt es nicht zu, diese nicht haargenau zu überprüfen. Er versucht mit unserer Applikation, diese Anträge sowohl schnell als auch korrekt zu überprüfen.</a:t>
-            </a:r>
-          </a:p>
-        </p:txBody>
-      </p:sp>
-      <p:pic>
-        <p:nvPicPr>
-          <p:cNvPr id="6" name="Content Placeholder 5">
-            <a:extLst>
-              <a:ext uri="{FF2B5EF4-FFF2-40B4-BE49-F238E27FC236}">
-                <a16:creationId xmlns:a16="http://schemas.microsoft.com/office/drawing/2014/main" xmlns="" id="{33B2250B-9EA8-4F72-83BA-EAF6FCB9B2F5}"/>
-              </a:ext>
-            </a:extLst>
-          </p:cNvPr>
-          <p:cNvPicPr>
-            <a:picLocks noChangeAspect="1"/>
-          </p:cNvPicPr>
-          <p:nvPr/>
         </p:nvPicPr>
         <p:blipFill>
           <a:blip r:embed="rId2">
@@ -4088,78 +4851,895 @@
         </p:blipFill>
         <p:spPr>
           <a:xfrm>
-            <a:off x="838200" y="390991"/>
-            <a:ext cx="2537654" cy="1849315"/>
+            <a:off x="297807" y="318019"/>
+            <a:ext cx="3768011" cy="2745938"/>
+          </a:xfrm>
+        </p:spPr>
+      </p:pic>
+      <p:sp>
+        <p:nvSpPr>
+          <p:cNvPr id="16" name="TextBox 15">
+            <a:extLst>
+              <a:ext uri="{FF2B5EF4-FFF2-40B4-BE49-F238E27FC236}">
+                <a16:creationId xmlns="" xmlns:a16="http://schemas.microsoft.com/office/drawing/2014/main" id="{A1C25BF2-AF89-4F46-BC03-DCFAD3E95105}"/>
+              </a:ext>
+            </a:extLst>
+          </p:cNvPr>
+          <p:cNvSpPr txBox="1"/>
+          <p:nvPr/>
+        </p:nvSpPr>
+        <p:spPr>
+          <a:xfrm>
+            <a:off x="321160" y="3187337"/>
+            <a:ext cx="3758472" cy="646331"/>
           </a:xfrm>
           <a:prstGeom prst="rect">
             <a:avLst/>
           </a:prstGeom>
+          <a:noFill/>
         </p:spPr>
-      </p:pic>
-      <p:sp>
-        <p:nvSpPr>
-          <p:cNvPr id="7" name="Title 1"/>
-          <p:cNvSpPr txBox="1">
-            <a:spLocks/>
+        <p:txBody>
+          <a:bodyPr wrap="square" rtlCol="0">
+            <a:spAutoFit/>
+          </a:bodyPr>
+          <a:lstStyle/>
+          <a:p>
+            <a:r>
+              <a:rPr lang="en-US" dirty="0">
+                <a:solidFill>
+                  <a:schemeClr val="tx1">
+                    <a:lumMod val="50000"/>
+                    <a:lumOff val="50000"/>
+                  </a:schemeClr>
+                </a:solidFill>
+              </a:rPr>
+              <a:t>“Ich bin der </a:t>
+            </a:r>
+            <a:r>
+              <a:rPr lang="en-US" dirty="0" err="1">
+                <a:solidFill>
+                  <a:schemeClr val="tx1">
+                    <a:lumMod val="50000"/>
+                    <a:lumOff val="50000"/>
+                  </a:schemeClr>
+                </a:solidFill>
+              </a:rPr>
+              <a:t>beste</a:t>
+            </a:r>
+            <a:r>
+              <a:rPr lang="en-US" dirty="0">
+                <a:solidFill>
+                  <a:schemeClr val="tx1">
+                    <a:lumMod val="50000"/>
+                    <a:lumOff val="50000"/>
+                  </a:schemeClr>
+                </a:solidFill>
+              </a:rPr>
+              <a:t> </a:t>
+            </a:r>
+            <a:r>
+              <a:rPr lang="en-US" dirty="0" err="1">
+                <a:solidFill>
+                  <a:schemeClr val="tx1">
+                    <a:lumMod val="50000"/>
+                    <a:lumOff val="50000"/>
+                  </a:schemeClr>
+                </a:solidFill>
+              </a:rPr>
+              <a:t>Autofahrer</a:t>
+            </a:r>
+            <a:r>
+              <a:rPr lang="en-US" dirty="0">
+                <a:solidFill>
+                  <a:schemeClr val="tx1">
+                    <a:lumMod val="50000"/>
+                    <a:lumOff val="50000"/>
+                  </a:schemeClr>
+                </a:solidFill>
+              </a:rPr>
+              <a:t>, den </a:t>
+            </a:r>
+            <a:r>
+              <a:rPr lang="en-US" dirty="0" err="1">
+                <a:solidFill>
+                  <a:schemeClr val="tx1">
+                    <a:lumMod val="50000"/>
+                    <a:lumOff val="50000"/>
+                  </a:schemeClr>
+                </a:solidFill>
+              </a:rPr>
+              <a:t>ich</a:t>
+            </a:r>
+            <a:r>
+              <a:rPr lang="en-US" dirty="0">
+                <a:solidFill>
+                  <a:schemeClr val="tx1">
+                    <a:lumMod val="50000"/>
+                    <a:lumOff val="50000"/>
+                  </a:schemeClr>
+                </a:solidFill>
+              </a:rPr>
+              <a:t> </a:t>
+            </a:r>
+            <a:r>
+              <a:rPr lang="en-US" dirty="0" err="1">
+                <a:solidFill>
+                  <a:schemeClr val="tx1">
+                    <a:lumMod val="50000"/>
+                    <a:lumOff val="50000"/>
+                  </a:schemeClr>
+                </a:solidFill>
+              </a:rPr>
+              <a:t>kenne</a:t>
+            </a:r>
+            <a:r>
+              <a:rPr lang="en-US" dirty="0">
+                <a:solidFill>
+                  <a:schemeClr val="tx1">
+                    <a:lumMod val="50000"/>
+                    <a:lumOff val="50000"/>
+                  </a:schemeClr>
+                </a:solidFill>
+              </a:rPr>
+              <a:t>!”</a:t>
+            </a:r>
+          </a:p>
+        </p:txBody>
+      </p:sp>
+      <p:sp>
+        <p:nvSpPr>
+          <p:cNvPr id="19" name="Title 1">
+            <a:extLst>
+              <a:ext uri="{FF2B5EF4-FFF2-40B4-BE49-F238E27FC236}">
+                <a16:creationId xmlns="" xmlns:a16="http://schemas.microsoft.com/office/drawing/2014/main" id="{93C90C34-1C7F-420B-B417-8318D46D1D65}"/>
+              </a:ext>
+            </a:extLst>
+          </p:cNvPr>
+          <p:cNvSpPr>
+            <a:spLocks noGrp="1"/>
           </p:cNvSpPr>
-          <p:nvPr/>
+          <p:nvPr>
+            <p:ph type="title"/>
+          </p:nvPr>
         </p:nvSpPr>
         <p:spPr>
           <a:xfrm>
-            <a:off x="3510454" y="998484"/>
-            <a:ext cx="7843345" cy="1212786"/>
+            <a:off x="4242412" y="324869"/>
+            <a:ext cx="6945923" cy="641783"/>
+          </a:xfrm>
+        </p:spPr>
+        <p:txBody>
+          <a:bodyPr>
+            <a:normAutofit fontScale="90000"/>
+          </a:bodyPr>
+          <a:lstStyle/>
+          <a:p>
+            <a:r>
+              <a:rPr lang="en-US" sz="4900" dirty="0"/>
+              <a:t>Philipp </a:t>
+            </a:r>
+            <a:r>
+              <a:rPr lang="en-US" sz="4900" dirty="0" err="1"/>
+              <a:t>Rast</a:t>
+            </a:r>
+            <a:endParaRPr lang="en-US" dirty="0"/>
+          </a:p>
+        </p:txBody>
+      </p:sp>
+      <p:sp>
+        <p:nvSpPr>
+          <p:cNvPr id="21" name="TextBox 20">
+            <a:extLst>
+              <a:ext uri="{FF2B5EF4-FFF2-40B4-BE49-F238E27FC236}">
+                <a16:creationId xmlns="" xmlns:a16="http://schemas.microsoft.com/office/drawing/2014/main" id="{E123DCBC-D5D8-48E6-B9ED-C86A0953AF7E}"/>
+              </a:ext>
+            </a:extLst>
+          </p:cNvPr>
+          <p:cNvSpPr txBox="1"/>
+          <p:nvPr/>
+        </p:nvSpPr>
+        <p:spPr>
+          <a:xfrm>
+            <a:off x="344769" y="3888451"/>
+            <a:ext cx="3587932" cy="2585323"/>
           </a:xfrm>
           <a:prstGeom prst="rect">
             <a:avLst/>
           </a:prstGeom>
+          <a:noFill/>
         </p:spPr>
         <p:txBody>
-          <a:bodyPr vert="horz" lIns="91440" tIns="45720" rIns="91440" bIns="45720" rtlCol="0" anchor="t">
-            <a:normAutofit fontScale="97500"/>
+          <a:bodyPr wrap="square" rtlCol="0">
+            <a:spAutoFit/>
           </a:bodyPr>
-          <a:lstStyle>
-            <a:lvl1pPr algn="l" defTabSz="914400" rtl="0" eaLnBrk="1" latinLnBrk="0" hangingPunct="1">
-              <a:lnSpc>
-                <a:spcPct val="90000"/>
-              </a:lnSpc>
-              <a:spcBef>
-                <a:spcPct val="0"/>
-              </a:spcBef>
-              <a:buNone/>
-              <a:defRPr sz="4400" kern="1200">
-                <a:solidFill>
-                  <a:schemeClr val="tx1"/>
-                </a:solidFill>
-                <a:latin typeface="+mj-lt"/>
-                <a:ea typeface="+mj-ea"/>
-                <a:cs typeface="+mj-cs"/>
-              </a:defRPr>
-            </a:lvl1pPr>
-          </a:lstStyle>
-          <a:p>
-            <a:r>
-              <a:rPr lang="de-DE" sz="2000"/>
-              <a:t>Produkt: Backend Applikation auf Geschäftscomputer</a:t>
-            </a:r>
-          </a:p>
-          <a:p>
-            <a:r>
-              <a:rPr lang="de-DE" sz="2000"/>
-              <a:t>Komplementäre Persona: Hans Müller</a:t>
-            </a:r>
-          </a:p>
-          <a:p>
-            <a:r>
-              <a:rPr lang="de-DE" sz="2000"/>
-              <a:t>Will keine unbefugte auf der Strasse</a:t>
-            </a:r>
+          <a:lstStyle/>
+          <a:p>
+            <a:r>
+              <a:rPr lang="de-DE" dirty="0"/>
+              <a:t>Philipp hat den Führerschein und sein Auto wegen Rasen abgegeben. Er ist sich jedoch sicher, dass er noch fahren dürfen sollte.</a:t>
+            </a:r>
+          </a:p>
+          <a:p>
+            <a:r>
+              <a:rPr lang="de-DE" dirty="0"/>
+              <a:t>Er besitzt Bilder seines Führerscheins, welcher bis 2020 gültig ist. Er will es irgendwie schaffen, Autos ausleihen zu können.</a:t>
+            </a:r>
+            <a:endParaRPr lang="en-US" dirty="0"/>
+          </a:p>
+        </p:txBody>
+      </p:sp>
+      <p:sp>
+        <p:nvSpPr>
+          <p:cNvPr id="6" name="TextBox 5">
+            <a:extLst>
+              <a:ext uri="{FF2B5EF4-FFF2-40B4-BE49-F238E27FC236}">
+                <a16:creationId xmlns="" xmlns:a16="http://schemas.microsoft.com/office/drawing/2014/main" id="{4FDEF96B-42DC-4163-81B2-A5001ACA01CA}"/>
+              </a:ext>
+            </a:extLst>
+          </p:cNvPr>
+          <p:cNvSpPr txBox="1"/>
+          <p:nvPr/>
+        </p:nvSpPr>
+        <p:spPr>
+          <a:xfrm>
+            <a:off x="4380412" y="966652"/>
+            <a:ext cx="4397828" cy="6309420"/>
+          </a:xfrm>
+          <a:prstGeom prst="rect">
+            <a:avLst/>
+          </a:prstGeom>
+          <a:noFill/>
+        </p:spPr>
+        <p:txBody>
+          <a:bodyPr wrap="square" rtlCol="0">
+            <a:spAutoFit/>
+          </a:bodyPr>
+          <a:lstStyle/>
+          <a:p>
+            <a:r>
+              <a:rPr lang="de-CH" sz="1600" dirty="0"/>
+              <a:t>Personalien</a:t>
+            </a:r>
+          </a:p>
+          <a:p>
+            <a:pPr marL="285750" indent="-285750">
+              <a:buFont typeface="Arial" panose="020B0604020202020204" pitchFamily="34" charset="0"/>
+              <a:buChar char="•"/>
+            </a:pPr>
+            <a:r>
+              <a:rPr lang="de-CH" sz="1200" dirty="0"/>
+              <a:t>Name: Philpp Rast</a:t>
+            </a:r>
+          </a:p>
+          <a:p>
+            <a:pPr marL="285750" indent="-285750">
+              <a:buFont typeface="Arial" panose="020B0604020202020204" pitchFamily="34" charset="0"/>
+              <a:buChar char="•"/>
+            </a:pPr>
+            <a:r>
+              <a:rPr lang="de-CH" sz="1200" dirty="0"/>
+              <a:t>Beruf: Sachbearbeiter Strassenverkehrsamt</a:t>
+            </a:r>
+          </a:p>
+          <a:p>
+            <a:pPr marL="285750" indent="-285750">
+              <a:buFont typeface="Arial" panose="020B0604020202020204" pitchFamily="34" charset="0"/>
+              <a:buChar char="•"/>
+            </a:pPr>
+            <a:r>
+              <a:rPr lang="de-CH" sz="1200" dirty="0"/>
+              <a:t>Alter:  22</a:t>
+            </a:r>
+          </a:p>
+          <a:p>
+            <a:pPr marL="285750" indent="-285750">
+              <a:buFont typeface="Arial" panose="020B0604020202020204" pitchFamily="34" charset="0"/>
+              <a:buChar char="•"/>
+            </a:pPr>
+            <a:r>
+              <a:rPr lang="de-CH" sz="1200" dirty="0"/>
+              <a:t>Ledig</a:t>
+            </a:r>
+          </a:p>
+          <a:p>
+            <a:endParaRPr lang="de-CH" sz="1600" dirty="0"/>
+          </a:p>
+          <a:p>
+            <a:r>
+              <a:rPr lang="de-CH" sz="1600" dirty="0"/>
+              <a:t>Motivation</a:t>
+            </a:r>
+          </a:p>
+          <a:p>
+            <a:pPr marL="285750" indent="-285750">
+              <a:buFont typeface="Arial" panose="020B0604020202020204" pitchFamily="34" charset="0"/>
+              <a:buChar char="•"/>
+            </a:pPr>
+            <a:r>
+              <a:rPr lang="de-CH" sz="1200" dirty="0"/>
+              <a:t>Endlich wieder Auto fahren</a:t>
+            </a:r>
+          </a:p>
+          <a:p>
+            <a:endParaRPr lang="de-CH" sz="1600" dirty="0"/>
+          </a:p>
+          <a:p>
+            <a:r>
+              <a:rPr lang="de-CH" sz="1600" dirty="0"/>
+              <a:t>Frustration</a:t>
+            </a:r>
+          </a:p>
+          <a:p>
+            <a:pPr marL="285750" indent="-285750">
+              <a:buFont typeface="Arial" panose="020B0604020202020204" pitchFamily="34" charset="0"/>
+              <a:buChar char="•"/>
+            </a:pPr>
+            <a:r>
+              <a:rPr lang="de-CH" sz="1200" dirty="0"/>
+              <a:t>Strenge sicherheitsmassnahmen</a:t>
+            </a:r>
+          </a:p>
+          <a:p>
+            <a:pPr marL="285750" indent="-285750">
+              <a:buFont typeface="Arial" panose="020B0604020202020204" pitchFamily="34" charset="0"/>
+              <a:buChar char="•"/>
+            </a:pPr>
+            <a:r>
+              <a:rPr lang="de-CH" sz="1200" dirty="0"/>
+              <a:t>Überprüfung der Ausweise von einem richtigen Menschen</a:t>
+            </a:r>
+          </a:p>
+          <a:p>
+            <a:pPr marL="285750" indent="-285750">
+              <a:buFont typeface="Arial" panose="020B0604020202020204" pitchFamily="34" charset="0"/>
+              <a:buChar char="•"/>
+            </a:pPr>
+            <a:r>
+              <a:rPr lang="de-CH" sz="1200" dirty="0"/>
+              <a:t>Neue Mail Adressen erstellen</a:t>
+            </a:r>
+          </a:p>
+          <a:p>
+            <a:pPr marL="285750" indent="-285750">
+              <a:buFont typeface="Arial" panose="020B0604020202020204" pitchFamily="34" charset="0"/>
+              <a:buChar char="•"/>
+            </a:pPr>
+            <a:endParaRPr lang="de-CH" sz="1200" dirty="0"/>
+          </a:p>
+          <a:p>
+            <a:endParaRPr lang="de-CH" sz="1600" dirty="0"/>
+          </a:p>
+          <a:p>
+            <a:r>
+              <a:rPr lang="de-CH" sz="1600" dirty="0"/>
+              <a:t>Experience Goals</a:t>
+            </a:r>
+          </a:p>
+          <a:p>
+            <a:pPr marL="285750" indent="-285750">
+              <a:buFont typeface="Arial" panose="020B0604020202020204" pitchFamily="34" charset="0"/>
+              <a:buChar char="•"/>
+            </a:pPr>
+            <a:r>
+              <a:rPr lang="de-CH" sz="1200" dirty="0"/>
+              <a:t>Annahme von gefälschten Ausweisen</a:t>
+            </a:r>
+          </a:p>
+          <a:p>
+            <a:pPr marL="285750" indent="-285750">
+              <a:buFont typeface="Arial" panose="020B0604020202020204" pitchFamily="34" charset="0"/>
+              <a:buChar char="•"/>
+            </a:pPr>
+            <a:r>
+              <a:rPr lang="de-CH" sz="1200" dirty="0"/>
+              <a:t>Annahme von abgelaufenen Ausweisen</a:t>
+            </a:r>
+          </a:p>
+          <a:p>
+            <a:pPr marL="285750" indent="-285750">
+              <a:buFont typeface="Arial" panose="020B0604020202020204" pitchFamily="34" charset="0"/>
+              <a:buChar char="•"/>
+            </a:pPr>
+            <a:r>
+              <a:rPr lang="de-CH" sz="1200" dirty="0"/>
+              <a:t>Annahme von suspendierten Ausweisen</a:t>
+            </a:r>
+          </a:p>
+          <a:p>
+            <a:pPr marL="285750" indent="-285750">
+              <a:buFont typeface="Arial" panose="020B0604020202020204" pitchFamily="34" charset="0"/>
+              <a:buChar char="•"/>
+            </a:pPr>
+            <a:r>
+              <a:rPr lang="de-CH" sz="1200" dirty="0"/>
+              <a:t>Annahme von Ausweisen von anderen Personen</a:t>
+            </a:r>
+          </a:p>
+          <a:p>
+            <a:pPr marL="285750" indent="-285750">
+              <a:buFont typeface="Arial" panose="020B0604020202020204" pitchFamily="34" charset="0"/>
+              <a:buChar char="•"/>
+            </a:pPr>
+            <a:r>
+              <a:rPr lang="de-CH" sz="1200" dirty="0"/>
+              <a:t>Annahme von one way Mailadressen (wie Mailinator)</a:t>
+            </a:r>
+          </a:p>
+          <a:p>
+            <a:pPr marL="285750" indent="-285750">
+              <a:buFont typeface="Arial" panose="020B0604020202020204" pitchFamily="34" charset="0"/>
+              <a:buChar char="•"/>
+            </a:pPr>
+            <a:r>
+              <a:rPr lang="de-CH" sz="1200" dirty="0"/>
+              <a:t>Anschreiben von Autoausleihern ohne Account</a:t>
+            </a:r>
+          </a:p>
+          <a:p>
+            <a:pPr marL="285750" indent="-285750">
+              <a:buFont typeface="Arial" panose="020B0604020202020204" pitchFamily="34" charset="0"/>
+              <a:buChar char="•"/>
+            </a:pPr>
+            <a:r>
+              <a:rPr lang="de-CH" sz="1200" dirty="0"/>
+              <a:t>Keine weiteren nachfragen nachdem der Account einmal zulässig war</a:t>
+            </a:r>
+          </a:p>
+          <a:p>
+            <a:endParaRPr lang="de-CH" sz="1600" dirty="0"/>
+          </a:p>
+          <a:p>
+            <a:r>
+              <a:rPr lang="de-CH" sz="1600" dirty="0"/>
+              <a:t>End Goals</a:t>
+            </a:r>
+          </a:p>
+          <a:p>
+            <a:pPr marL="285750" indent="-285750">
+              <a:buFont typeface="Arial" panose="020B0604020202020204" pitchFamily="34" charset="0"/>
+              <a:buChar char="•"/>
+            </a:pPr>
+            <a:r>
+              <a:rPr lang="de-CH" sz="1200" dirty="0"/>
+              <a:t>Irgendwie ein Auto ausleihen</a:t>
+            </a:r>
+          </a:p>
+          <a:p>
+            <a:endParaRPr lang="de-CH" sz="1600" dirty="0"/>
+          </a:p>
+          <a:p>
+            <a:endParaRPr lang="de-CH" sz="1600" dirty="0"/>
+          </a:p>
+        </p:txBody>
+      </p:sp>
+      <p:grpSp>
+        <p:nvGrpSpPr>
+          <p:cNvPr id="7" name="Group 6">
+            <a:extLst>
+              <a:ext uri="{FF2B5EF4-FFF2-40B4-BE49-F238E27FC236}">
+                <a16:creationId xmlns="" xmlns:a16="http://schemas.microsoft.com/office/drawing/2014/main" id="{5F95F3DB-1D7E-45FF-9EAE-BC30E281A014}"/>
+              </a:ext>
+            </a:extLst>
+          </p:cNvPr>
+          <p:cNvGrpSpPr/>
+          <p:nvPr/>
+        </p:nvGrpSpPr>
+        <p:grpSpPr>
+          <a:xfrm>
+            <a:off x="9196375" y="3272412"/>
+            <a:ext cx="2438399" cy="634502"/>
+            <a:chOff x="9083040" y="1237842"/>
+            <a:chExt cx="2105295" cy="634502"/>
+          </a:xfrm>
+        </p:grpSpPr>
+        <p:sp>
+          <p:nvSpPr>
+            <p:cNvPr id="8" name="Rectangle: Rounded Corners 7">
+              <a:extLst>
+                <a:ext uri="{FF2B5EF4-FFF2-40B4-BE49-F238E27FC236}">
+                  <a16:creationId xmlns="" xmlns:a16="http://schemas.microsoft.com/office/drawing/2014/main" id="{F9BEFDB9-35C8-424E-97D8-5641C4086015}"/>
+                </a:ext>
+              </a:extLst>
+            </p:cNvPr>
+            <p:cNvSpPr/>
+            <p:nvPr/>
+          </p:nvSpPr>
+          <p:spPr>
+            <a:xfrm>
+              <a:off x="9524998" y="1237842"/>
+              <a:ext cx="1663337" cy="634502"/>
+            </a:xfrm>
+            <a:prstGeom prst="roundRect">
+              <a:avLst/>
+            </a:prstGeom>
+            <a:solidFill>
+              <a:schemeClr val="bg1"/>
+            </a:solidFill>
+            <a:ln w="38100">
+              <a:solidFill>
+                <a:schemeClr val="accent1">
+                  <a:lumMod val="75000"/>
+                </a:schemeClr>
+              </a:solidFill>
+            </a:ln>
+          </p:spPr>
+          <p:style>
+            <a:lnRef idx="2">
+              <a:schemeClr val="accent2"/>
+            </a:lnRef>
+            <a:fillRef idx="1">
+              <a:schemeClr val="lt1"/>
+            </a:fillRef>
+            <a:effectRef idx="0">
+              <a:schemeClr val="accent2"/>
+            </a:effectRef>
+            <a:fontRef idx="minor">
+              <a:schemeClr val="dk1"/>
+            </a:fontRef>
+          </p:style>
+          <p:txBody>
+            <a:bodyPr rtlCol="0" anchor="ctr"/>
+            <a:lstStyle/>
+            <a:p>
+              <a:pPr algn="ctr"/>
+              <a:r>
+                <a:rPr lang="en-US" b="1" dirty="0"/>
+                <a:t>Intelligent</a:t>
+              </a:r>
+            </a:p>
+          </p:txBody>
+        </p:sp>
+        <p:sp>
+          <p:nvSpPr>
+            <p:cNvPr id="9" name="Arrow: Right 8">
+              <a:extLst>
+                <a:ext uri="{FF2B5EF4-FFF2-40B4-BE49-F238E27FC236}">
+                  <a16:creationId xmlns="" xmlns:a16="http://schemas.microsoft.com/office/drawing/2014/main" id="{7AFE704C-8EC6-42CE-96F5-52F61C57162B}"/>
+                </a:ext>
+              </a:extLst>
+            </p:cNvPr>
+            <p:cNvSpPr/>
+            <p:nvPr/>
+          </p:nvSpPr>
+          <p:spPr>
+            <a:xfrm>
+              <a:off x="9083040" y="1382150"/>
+              <a:ext cx="441958" cy="308537"/>
+            </a:xfrm>
+            <a:prstGeom prst="rightArrow">
+              <a:avLst/>
+            </a:prstGeom>
+          </p:spPr>
+          <p:style>
+            <a:lnRef idx="2">
+              <a:schemeClr val="accent1">
+                <a:shade val="50000"/>
+              </a:schemeClr>
+            </a:lnRef>
+            <a:fillRef idx="1">
+              <a:schemeClr val="accent1"/>
+            </a:fillRef>
+            <a:effectRef idx="0">
+              <a:schemeClr val="accent1"/>
+            </a:effectRef>
+            <a:fontRef idx="minor">
+              <a:schemeClr val="lt1"/>
+            </a:fontRef>
+          </p:style>
+          <p:txBody>
+            <a:bodyPr rtlCol="0" anchor="ctr"/>
+            <a:lstStyle/>
+            <a:p>
+              <a:pPr algn="ctr"/>
+              <a:endParaRPr lang="en-US"/>
+            </a:p>
+          </p:txBody>
+        </p:sp>
+      </p:grpSp>
+      <p:grpSp>
+        <p:nvGrpSpPr>
+          <p:cNvPr id="11" name="Group 10">
+            <a:extLst>
+              <a:ext uri="{FF2B5EF4-FFF2-40B4-BE49-F238E27FC236}">
+                <a16:creationId xmlns="" xmlns:a16="http://schemas.microsoft.com/office/drawing/2014/main" id="{E3BC47D8-B7EB-408F-90C4-9940C62DAAF3}"/>
+              </a:ext>
+            </a:extLst>
+          </p:cNvPr>
+          <p:cNvGrpSpPr/>
+          <p:nvPr/>
+        </p:nvGrpSpPr>
+        <p:grpSpPr>
+          <a:xfrm>
+            <a:off x="9146303" y="4279063"/>
+            <a:ext cx="2475667" cy="634502"/>
+            <a:chOff x="9083040" y="1237842"/>
+            <a:chExt cx="2105295" cy="634502"/>
+          </a:xfrm>
+        </p:grpSpPr>
+        <p:sp>
+          <p:nvSpPr>
+            <p:cNvPr id="12" name="Rectangle: Rounded Corners 11">
+              <a:extLst>
+                <a:ext uri="{FF2B5EF4-FFF2-40B4-BE49-F238E27FC236}">
+                  <a16:creationId xmlns="" xmlns:a16="http://schemas.microsoft.com/office/drawing/2014/main" id="{7F238C90-C4CD-4715-8AF9-48C26B1DE246}"/>
+                </a:ext>
+              </a:extLst>
+            </p:cNvPr>
+            <p:cNvSpPr/>
+            <p:nvPr/>
+          </p:nvSpPr>
+          <p:spPr>
+            <a:xfrm>
+              <a:off x="9524998" y="1237842"/>
+              <a:ext cx="1663337" cy="634502"/>
+            </a:xfrm>
+            <a:prstGeom prst="roundRect">
+              <a:avLst/>
+            </a:prstGeom>
+            <a:solidFill>
+              <a:schemeClr val="bg1"/>
+            </a:solidFill>
+            <a:ln w="38100">
+              <a:solidFill>
+                <a:schemeClr val="accent1">
+                  <a:lumMod val="75000"/>
+                </a:schemeClr>
+              </a:solidFill>
+            </a:ln>
+          </p:spPr>
+          <p:style>
+            <a:lnRef idx="2">
+              <a:schemeClr val="accent2"/>
+            </a:lnRef>
+            <a:fillRef idx="1">
+              <a:schemeClr val="lt1"/>
+            </a:fillRef>
+            <a:effectRef idx="0">
+              <a:schemeClr val="accent2"/>
+            </a:effectRef>
+            <a:fontRef idx="minor">
+              <a:schemeClr val="dk1"/>
+            </a:fontRef>
+          </p:style>
+          <p:txBody>
+            <a:bodyPr rtlCol="0" anchor="ctr"/>
+            <a:lstStyle/>
+            <a:p>
+              <a:pPr algn="ctr"/>
+              <a:r>
+                <a:rPr lang="en-US" b="1" dirty="0" err="1"/>
+                <a:t>Unverschämt</a:t>
+              </a:r>
+              <a:endParaRPr lang="en-US" b="1" dirty="0"/>
+            </a:p>
+          </p:txBody>
+        </p:sp>
+        <p:sp>
+          <p:nvSpPr>
+            <p:cNvPr id="13" name="Arrow: Right 12">
+              <a:extLst>
+                <a:ext uri="{FF2B5EF4-FFF2-40B4-BE49-F238E27FC236}">
+                  <a16:creationId xmlns="" xmlns:a16="http://schemas.microsoft.com/office/drawing/2014/main" id="{1E25828B-6474-4398-A5B3-7F506BAAE8F6}"/>
+                </a:ext>
+              </a:extLst>
+            </p:cNvPr>
+            <p:cNvSpPr/>
+            <p:nvPr/>
+          </p:nvSpPr>
+          <p:spPr>
+            <a:xfrm>
+              <a:off x="9083040" y="1382150"/>
+              <a:ext cx="441958" cy="308537"/>
+            </a:xfrm>
+            <a:prstGeom prst="rightArrow">
+              <a:avLst/>
+            </a:prstGeom>
+          </p:spPr>
+          <p:style>
+            <a:lnRef idx="2">
+              <a:schemeClr val="accent1">
+                <a:shade val="50000"/>
+              </a:schemeClr>
+            </a:lnRef>
+            <a:fillRef idx="1">
+              <a:schemeClr val="accent1"/>
+            </a:fillRef>
+            <a:effectRef idx="0">
+              <a:schemeClr val="accent1"/>
+            </a:effectRef>
+            <a:fontRef idx="minor">
+              <a:schemeClr val="lt1"/>
+            </a:fontRef>
+          </p:style>
+          <p:txBody>
+            <a:bodyPr rtlCol="0" anchor="ctr"/>
+            <a:lstStyle/>
+            <a:p>
+              <a:pPr algn="ctr"/>
+              <a:endParaRPr lang="en-US"/>
+            </a:p>
+          </p:txBody>
+        </p:sp>
+      </p:grpSp>
+      <p:grpSp>
+        <p:nvGrpSpPr>
+          <p:cNvPr id="14" name="Group 13">
+            <a:extLst>
+              <a:ext uri="{FF2B5EF4-FFF2-40B4-BE49-F238E27FC236}">
+                <a16:creationId xmlns="" xmlns:a16="http://schemas.microsoft.com/office/drawing/2014/main" id="{C4EA313C-D535-4E72-8FFE-FD4773A77181}"/>
+              </a:ext>
+            </a:extLst>
+          </p:cNvPr>
+          <p:cNvGrpSpPr/>
+          <p:nvPr/>
+        </p:nvGrpSpPr>
+        <p:grpSpPr>
+          <a:xfrm>
+            <a:off x="9183571" y="5284137"/>
+            <a:ext cx="2438399" cy="634502"/>
+            <a:chOff x="9083040" y="1237842"/>
+            <a:chExt cx="2105295" cy="634502"/>
+          </a:xfrm>
+        </p:grpSpPr>
+        <p:sp>
+          <p:nvSpPr>
+            <p:cNvPr id="15" name="Rectangle: Rounded Corners 14">
+              <a:extLst>
+                <a:ext uri="{FF2B5EF4-FFF2-40B4-BE49-F238E27FC236}">
+                  <a16:creationId xmlns="" xmlns:a16="http://schemas.microsoft.com/office/drawing/2014/main" id="{B66CA07F-E6ED-4216-BE71-BE915735E171}"/>
+                </a:ext>
+              </a:extLst>
+            </p:cNvPr>
+            <p:cNvSpPr/>
+            <p:nvPr/>
+          </p:nvSpPr>
+          <p:spPr>
+            <a:xfrm>
+              <a:off x="9524998" y="1237842"/>
+              <a:ext cx="1663337" cy="634502"/>
+            </a:xfrm>
+            <a:prstGeom prst="roundRect">
+              <a:avLst/>
+            </a:prstGeom>
+            <a:solidFill>
+              <a:schemeClr val="bg1"/>
+            </a:solidFill>
+            <a:ln w="38100">
+              <a:solidFill>
+                <a:schemeClr val="accent1">
+                  <a:lumMod val="75000"/>
+                </a:schemeClr>
+              </a:solidFill>
+            </a:ln>
+          </p:spPr>
+          <p:style>
+            <a:lnRef idx="2">
+              <a:schemeClr val="accent2"/>
+            </a:lnRef>
+            <a:fillRef idx="1">
+              <a:schemeClr val="lt1"/>
+            </a:fillRef>
+            <a:effectRef idx="0">
+              <a:schemeClr val="accent2"/>
+            </a:effectRef>
+            <a:fontRef idx="minor">
+              <a:schemeClr val="dk1"/>
+            </a:fontRef>
+          </p:style>
+          <p:txBody>
+            <a:bodyPr rtlCol="0" anchor="ctr"/>
+            <a:lstStyle/>
+            <a:p>
+              <a:pPr algn="ctr"/>
+              <a:r>
+                <a:rPr lang="en-US" b="1" dirty="0" err="1"/>
+                <a:t>Impulsiv</a:t>
+              </a:r>
+              <a:endParaRPr lang="en-US" b="1" dirty="0"/>
+            </a:p>
+          </p:txBody>
+        </p:sp>
+        <p:sp>
+          <p:nvSpPr>
+            <p:cNvPr id="17" name="Arrow: Right 16">
+              <a:extLst>
+                <a:ext uri="{FF2B5EF4-FFF2-40B4-BE49-F238E27FC236}">
+                  <a16:creationId xmlns="" xmlns:a16="http://schemas.microsoft.com/office/drawing/2014/main" id="{5AEB028D-91B7-4C88-8E60-E666741152D6}"/>
+                </a:ext>
+              </a:extLst>
+            </p:cNvPr>
+            <p:cNvSpPr/>
+            <p:nvPr/>
+          </p:nvSpPr>
+          <p:spPr>
+            <a:xfrm>
+              <a:off x="9083040" y="1382150"/>
+              <a:ext cx="441958" cy="308537"/>
+            </a:xfrm>
+            <a:prstGeom prst="rightArrow">
+              <a:avLst/>
+            </a:prstGeom>
+          </p:spPr>
+          <p:style>
+            <a:lnRef idx="2">
+              <a:schemeClr val="accent1">
+                <a:shade val="50000"/>
+              </a:schemeClr>
+            </a:lnRef>
+            <a:fillRef idx="1">
+              <a:schemeClr val="accent1"/>
+            </a:fillRef>
+            <a:effectRef idx="0">
+              <a:schemeClr val="accent1"/>
+            </a:effectRef>
+            <a:fontRef idx="minor">
+              <a:schemeClr val="lt1"/>
+            </a:fontRef>
+          </p:style>
+          <p:txBody>
+            <a:bodyPr rtlCol="0" anchor="ctr"/>
+            <a:lstStyle/>
+            <a:p>
+              <a:pPr algn="ctr"/>
+              <a:endParaRPr lang="en-US"/>
+            </a:p>
+          </p:txBody>
+        </p:sp>
+      </p:grpSp>
+      <p:sp>
+        <p:nvSpPr>
+          <p:cNvPr id="18" name="Rectangle 17"/>
+          <p:cNvSpPr/>
+          <p:nvPr/>
+        </p:nvSpPr>
+        <p:spPr>
+          <a:xfrm>
+            <a:off x="0" y="6652260"/>
+            <a:ext cx="12192000" cy="296228"/>
+          </a:xfrm>
+          <a:prstGeom prst="rect">
+            <a:avLst/>
+          </a:prstGeom>
+          <a:solidFill>
+            <a:srgbClr val="008EB3"/>
+          </a:solidFill>
+          <a:ln>
+            <a:noFill/>
+          </a:ln>
+        </p:spPr>
+        <p:style>
+          <a:lnRef idx="2">
+            <a:schemeClr val="accent1">
+              <a:shade val="50000"/>
+            </a:schemeClr>
+          </a:lnRef>
+          <a:fillRef idx="1">
+            <a:schemeClr val="accent1"/>
+          </a:fillRef>
+          <a:effectRef idx="0">
+            <a:schemeClr val="accent1"/>
+          </a:effectRef>
+          <a:fontRef idx="minor">
+            <a:schemeClr val="lt1"/>
+          </a:fontRef>
+        </p:style>
+        <p:txBody>
+          <a:bodyPr rtlCol="0" anchor="ctr"/>
+          <a:lstStyle/>
+          <a:p>
+            <a:pPr algn="ctr"/>
+            <a:endParaRPr lang="de-DE">
+              <a:solidFill>
+                <a:schemeClr val="bg1"/>
+              </a:solidFill>
+            </a:endParaRPr>
           </a:p>
         </p:txBody>
       </p:sp>
     </p:spTree>
     <p:extLst>
       <p:ext uri="{BB962C8B-B14F-4D97-AF65-F5344CB8AC3E}">
-        <p14:creationId xmlns:p14="http://schemas.microsoft.com/office/powerpoint/2010/main" val="238992503"/>
+        <p14:creationId xmlns:p14="http://schemas.microsoft.com/office/powerpoint/2010/main" val="1159304671"/>
       </p:ext>
     </p:extLst>
   </p:cSld>
@@ -4188,6 +5768,139 @@
       </p:grpSpPr>
       <p:sp>
         <p:nvSpPr>
+          <p:cNvPr id="2" name="Title 1">
+            <a:extLst>
+              <a:ext uri="{FF2B5EF4-FFF2-40B4-BE49-F238E27FC236}">
+                <a16:creationId xmlns="" xmlns:a16="http://schemas.microsoft.com/office/drawing/2014/main" id="{E963BF55-D87B-4EEA-B2A9-11D9646B8ABF}"/>
+              </a:ext>
+            </a:extLst>
+          </p:cNvPr>
+          <p:cNvSpPr>
+            <a:spLocks noGrp="1"/>
+          </p:cNvSpPr>
+          <p:nvPr>
+            <p:ph type="ctrTitle"/>
+          </p:nvPr>
+        </p:nvSpPr>
+        <p:spPr/>
+        <p:txBody>
+          <a:bodyPr/>
+          <a:lstStyle/>
+          <a:p>
+            <a:r>
+              <a:rPr lang="en-US" dirty="0"/>
+              <a:t>Kontextszenarien</a:t>
+            </a:r>
+          </a:p>
+        </p:txBody>
+      </p:sp>
+      <p:sp>
+        <p:nvSpPr>
+          <p:cNvPr id="3" name="Subtitle 2">
+            <a:extLst>
+              <a:ext uri="{FF2B5EF4-FFF2-40B4-BE49-F238E27FC236}">
+                <a16:creationId xmlns="" xmlns:a16="http://schemas.microsoft.com/office/drawing/2014/main" id="{B835F513-471D-4E14-9773-51CF6EB1CFEA}"/>
+              </a:ext>
+            </a:extLst>
+          </p:cNvPr>
+          <p:cNvSpPr>
+            <a:spLocks noGrp="1"/>
+          </p:cNvSpPr>
+          <p:nvPr>
+            <p:ph type="subTitle" idx="1"/>
+          </p:nvPr>
+        </p:nvSpPr>
+        <p:spPr/>
+        <p:txBody>
+          <a:bodyPr/>
+          <a:lstStyle/>
+          <a:p>
+            <a:endParaRPr lang="en-US"/>
+          </a:p>
+        </p:txBody>
+      </p:sp>
+      <p:sp>
+        <p:nvSpPr>
+          <p:cNvPr id="4" name="Rectangle 3"/>
+          <p:cNvSpPr/>
+          <p:nvPr/>
+        </p:nvSpPr>
+        <p:spPr>
+          <a:xfrm>
+            <a:off x="0" y="6652260"/>
+            <a:ext cx="12192000" cy="296228"/>
+          </a:xfrm>
+          <a:prstGeom prst="rect">
+            <a:avLst/>
+          </a:prstGeom>
+          <a:solidFill>
+            <a:srgbClr val="008EB3"/>
+          </a:solidFill>
+          <a:ln>
+            <a:noFill/>
+          </a:ln>
+        </p:spPr>
+        <p:style>
+          <a:lnRef idx="2">
+            <a:schemeClr val="accent1">
+              <a:shade val="50000"/>
+            </a:schemeClr>
+          </a:lnRef>
+          <a:fillRef idx="1">
+            <a:schemeClr val="accent1"/>
+          </a:fillRef>
+          <a:effectRef idx="0">
+            <a:schemeClr val="accent1"/>
+          </a:effectRef>
+          <a:fontRef idx="minor">
+            <a:schemeClr val="lt1"/>
+          </a:fontRef>
+        </p:style>
+        <p:txBody>
+          <a:bodyPr rtlCol="0" anchor="ctr"/>
+          <a:lstStyle/>
+          <a:p>
+            <a:pPr algn="ctr"/>
+            <a:endParaRPr lang="de-DE">
+              <a:solidFill>
+                <a:schemeClr val="bg1"/>
+              </a:solidFill>
+            </a:endParaRPr>
+          </a:p>
+        </p:txBody>
+      </p:sp>
+    </p:spTree>
+    <p:extLst>
+      <p:ext uri="{BB962C8B-B14F-4D97-AF65-F5344CB8AC3E}">
+        <p14:creationId xmlns:p14="http://schemas.microsoft.com/office/powerpoint/2010/main" val="221326466"/>
+      </p:ext>
+    </p:extLst>
+  </p:cSld>
+  <p:clrMapOvr>
+    <a:masterClrMapping/>
+  </p:clrMapOvr>
+</p:sld>
+</file>
+
+<file path=ppt/slides/slide13.xml><?xml version="1.0" encoding="utf-8"?>
+<p:sld xmlns:a="http://schemas.openxmlformats.org/drawingml/2006/main" xmlns:r="http://schemas.openxmlformats.org/officeDocument/2006/relationships" xmlns:p="http://schemas.openxmlformats.org/presentationml/2006/main">
+  <p:cSld>
+    <p:spTree>
+      <p:nvGrpSpPr>
+        <p:cNvPr id="1" name=""/>
+        <p:cNvGrpSpPr/>
+        <p:nvPr/>
+      </p:nvGrpSpPr>
+      <p:grpSpPr>
+        <a:xfrm>
+          <a:off x="0" y="0"/>
+          <a:ext cx="0" cy="0"/>
+          <a:chOff x="0" y="0"/>
+          <a:chExt cx="0" cy="0"/>
+        </a:xfrm>
+      </p:grpSpPr>
+      <p:sp>
+        <p:nvSpPr>
           <p:cNvPr id="2" name="Title 1"/>
           <p:cNvSpPr>
             <a:spLocks noGrp="1"/>
@@ -4210,7 +5923,7 @@
           <a:p>
             <a:r>
               <a:rPr lang="de-DE"/>
-              <a:t>Szenario 1: </a:t>
+              <a:t>Szenario 1: Auto verleihen</a:t>
             </a:r>
           </a:p>
         </p:txBody>
@@ -4254,21 +5967,21 @@
             </a:pPr>
             <a:r>
               <a:rPr lang="de-DE" b="1"/>
-              <a:t>Szenario: </a:t>
+              <a:t>Szenario:</a:t>
             </a:r>
             <a:r>
               <a:rPr lang="de-DE"/>
-              <a:t>Während der Arbeit überprüft Philipp die neuen Anträge auf Führerscheine. Er hasst es, dass all diese Personen nun fahren dürfen und er nicht. Er schaut sich kurz im Büro um und Fotografiert danach einen der neuen Ausweise. Nun sucht er im Internet Optionen, um Autos mit diesen Ausweisen auszuleihen.</a:t>
+              <a:t> Nach einem langen Arbeitstag kommt Thomas nach Hause. Er hat mit einem Arbeitskollegen über Apps gesprochen, mit welchen man sein eigenes Auto verleihen kann. Er ist müde, will jedoch mehr darüber erfahren. Er erstellt deshalb ein Account auf unserer Seite und will so herausfinden, was er alles tun muss, um sein Auto zu verleihen.</a:t>
             </a:r>
           </a:p>
         </p:txBody>
       </p:sp>
       <p:pic>
         <p:nvPicPr>
-          <p:cNvPr id="6" name="Content Placeholder 9">
+          <p:cNvPr id="4" name="Content Placeholder 4">
             <a:extLst>
               <a:ext uri="{FF2B5EF4-FFF2-40B4-BE49-F238E27FC236}">
-                <a16:creationId xmlns:a16="http://schemas.microsoft.com/office/drawing/2014/main" xmlns="" id="{6F03154E-C798-4103-802A-0495CC8B2366}"/>
+                <a16:creationId xmlns="" xmlns:a16="http://schemas.microsoft.com/office/drawing/2014/main" id="{0FF40084-511C-41EC-98BA-78D5B14A9BC1}"/>
               </a:ext>
             </a:extLst>
           </p:cNvPr>
@@ -4291,8 +6004,8 @@
         </p:blipFill>
         <p:spPr>
           <a:xfrm>
-            <a:off x="838201" y="365126"/>
-            <a:ext cx="2537654" cy="1849315"/>
+            <a:off x="838200" y="365126"/>
+            <a:ext cx="2537654" cy="1846144"/>
           </a:xfrm>
           <a:prstGeom prst="rect">
             <a:avLst/>
@@ -4301,7 +6014,7 @@
       </p:pic>
       <p:sp>
         <p:nvSpPr>
-          <p:cNvPr id="7" name="Title 1"/>
+          <p:cNvPr id="5" name="Title 1"/>
           <p:cNvSpPr txBox="1">
             <a:spLocks/>
           </p:cNvSpPr>
@@ -4342,6 +6055,1018 @@
           <a:p>
             <a:r>
               <a:rPr lang="de-DE" sz="2000"/>
+              <a:t>Produkt: Webapplikation</a:t>
+            </a:r>
+          </a:p>
+          <a:p>
+            <a:r>
+              <a:rPr lang="de-DE" sz="2000"/>
+              <a:t>Primäre Persona: Thomas Berchthold</a:t>
+            </a:r>
+          </a:p>
+          <a:p>
+            <a:r>
+              <a:rPr lang="de-DE" sz="2000"/>
+              <a:t>Will sein Auto verleihen</a:t>
+            </a:r>
+          </a:p>
+        </p:txBody>
+      </p:sp>
+      <p:sp>
+        <p:nvSpPr>
+          <p:cNvPr id="6" name="Rectangle 5"/>
+          <p:cNvSpPr/>
+          <p:nvPr/>
+        </p:nvSpPr>
+        <p:spPr>
+          <a:xfrm>
+            <a:off x="0" y="6652260"/>
+            <a:ext cx="12192000" cy="296228"/>
+          </a:xfrm>
+          <a:prstGeom prst="rect">
+            <a:avLst/>
+          </a:prstGeom>
+          <a:solidFill>
+            <a:srgbClr val="008EB3"/>
+          </a:solidFill>
+          <a:ln>
+            <a:noFill/>
+          </a:ln>
+        </p:spPr>
+        <p:style>
+          <a:lnRef idx="2">
+            <a:schemeClr val="accent1">
+              <a:shade val="50000"/>
+            </a:schemeClr>
+          </a:lnRef>
+          <a:fillRef idx="1">
+            <a:schemeClr val="accent1"/>
+          </a:fillRef>
+          <a:effectRef idx="0">
+            <a:schemeClr val="accent1"/>
+          </a:effectRef>
+          <a:fontRef idx="minor">
+            <a:schemeClr val="lt1"/>
+          </a:fontRef>
+        </p:style>
+        <p:txBody>
+          <a:bodyPr rtlCol="0" anchor="ctr"/>
+          <a:lstStyle/>
+          <a:p>
+            <a:pPr algn="ctr"/>
+            <a:endParaRPr lang="de-DE">
+              <a:solidFill>
+                <a:schemeClr val="bg1"/>
+              </a:solidFill>
+            </a:endParaRPr>
+          </a:p>
+        </p:txBody>
+      </p:sp>
+    </p:spTree>
+    <p:extLst>
+      <p:ext uri="{BB962C8B-B14F-4D97-AF65-F5344CB8AC3E}">
+        <p14:creationId xmlns:p14="http://schemas.microsoft.com/office/powerpoint/2010/main" val="1975784048"/>
+      </p:ext>
+    </p:extLst>
+  </p:cSld>
+  <p:clrMapOvr>
+    <a:masterClrMapping/>
+  </p:clrMapOvr>
+</p:sld>
+</file>
+
+<file path=ppt/slides/slide14.xml><?xml version="1.0" encoding="utf-8"?>
+<p:sld xmlns:a="http://schemas.openxmlformats.org/drawingml/2006/main" xmlns:r="http://schemas.openxmlformats.org/officeDocument/2006/relationships" xmlns:p="http://schemas.openxmlformats.org/presentationml/2006/main">
+  <p:cSld>
+    <p:spTree>
+      <p:nvGrpSpPr>
+        <p:cNvPr id="1" name=""/>
+        <p:cNvGrpSpPr/>
+        <p:nvPr/>
+      </p:nvGrpSpPr>
+      <p:grpSpPr>
+        <a:xfrm>
+          <a:off x="0" y="0"/>
+          <a:ext cx="0" cy="0"/>
+          <a:chOff x="0" y="0"/>
+          <a:chExt cx="0" cy="0"/>
+        </a:xfrm>
+      </p:grpSpPr>
+      <p:sp>
+        <p:nvSpPr>
+          <p:cNvPr id="2" name="Title 1"/>
+          <p:cNvSpPr>
+            <a:spLocks noGrp="1"/>
+          </p:cNvSpPr>
+          <p:nvPr>
+            <p:ph type="title"/>
+          </p:nvPr>
+        </p:nvSpPr>
+        <p:spPr>
+          <a:xfrm>
+            <a:off x="3510455" y="365126"/>
+            <a:ext cx="7843345" cy="633358"/>
+          </a:xfrm>
+        </p:spPr>
+        <p:txBody>
+          <a:bodyPr>
+            <a:normAutofit fontScale="90000"/>
+          </a:bodyPr>
+          <a:lstStyle/>
+          <a:p>
+            <a:r>
+              <a:rPr lang="de-DE"/>
+              <a:t>Szenario 1: Auto Ausleihen</a:t>
+            </a:r>
+          </a:p>
+        </p:txBody>
+      </p:sp>
+      <p:sp>
+        <p:nvSpPr>
+          <p:cNvPr id="3" name="Content Placeholder 2"/>
+          <p:cNvSpPr>
+            <a:spLocks noGrp="1"/>
+          </p:cNvSpPr>
+          <p:nvPr>
+            <p:ph idx="1"/>
+          </p:nvPr>
+        </p:nvSpPr>
+        <p:spPr>
+          <a:xfrm>
+            <a:off x="838200" y="2522483"/>
+            <a:ext cx="10515600" cy="3654480"/>
+          </a:xfrm>
+        </p:spPr>
+        <p:txBody>
+          <a:bodyPr/>
+          <a:lstStyle/>
+          <a:p>
+            <a:pPr marL="0" marR="0" lvl="0" indent="0" defTabSz="914400" eaLnBrk="1" fontAlgn="auto" latinLnBrk="0" hangingPunct="1">
+              <a:lnSpc>
+                <a:spcPct val="100000"/>
+              </a:lnSpc>
+              <a:spcBef>
+                <a:spcPts val="0"/>
+              </a:spcBef>
+              <a:spcAft>
+                <a:spcPts val="0"/>
+              </a:spcAft>
+              <a:buClrTx/>
+              <a:buSzTx/>
+              <a:buFontTx/>
+              <a:buNone/>
+              <a:tabLst/>
+              <a:defRPr/>
+            </a:pPr>
+            <a:r>
+              <a:rPr lang="de-DE" b="1"/>
+              <a:t>Szenario: </a:t>
+            </a:r>
+            <a:r>
+              <a:rPr lang="de-DE"/>
+              <a:t>Simona hat ein Treffen mit ihrer Familie vereinbart. Sie hat momentan einen knappen Kontostand und überlegt sich, welches Verkehrsmittel sie benutzen soll. Sie hat bereits die Preise aus der SBB App herausgesucht und vergleicht diese nun mit den Preisen auf unserer App. Sie hofft, ein billiges und unkompliziertes Angebot zu finden.</a:t>
+            </a:r>
+          </a:p>
+        </p:txBody>
+      </p:sp>
+      <p:pic>
+        <p:nvPicPr>
+          <p:cNvPr id="6" name="Content Placeholder 4">
+            <a:extLst>
+              <a:ext uri="{FF2B5EF4-FFF2-40B4-BE49-F238E27FC236}">
+                <a16:creationId xmlns="" xmlns:a16="http://schemas.microsoft.com/office/drawing/2014/main" id="{8E26EE59-CCCA-465C-A229-F910BE4C298C}"/>
+              </a:ext>
+            </a:extLst>
+          </p:cNvPr>
+          <p:cNvPicPr>
+            <a:picLocks noChangeAspect="1"/>
+          </p:cNvPicPr>
+          <p:nvPr/>
+        </p:nvPicPr>
+        <p:blipFill>
+          <a:blip r:embed="rId2">
+            <a:extLst>
+              <a:ext uri="{28A0092B-C50C-407E-A947-70E740481C1C}">
+                <a14:useLocalDpi xmlns:a14="http://schemas.microsoft.com/office/drawing/2010/main" val="0"/>
+              </a:ext>
+            </a:extLst>
+          </a:blip>
+          <a:stretch>
+            <a:fillRect/>
+          </a:stretch>
+        </p:blipFill>
+        <p:spPr>
+          <a:xfrm>
+            <a:off x="838201" y="365126"/>
+            <a:ext cx="2537654" cy="1849315"/>
+          </a:xfrm>
+          <a:prstGeom prst="rect">
+            <a:avLst/>
+          </a:prstGeom>
+        </p:spPr>
+      </p:pic>
+      <p:sp>
+        <p:nvSpPr>
+          <p:cNvPr id="7" name="Title 1"/>
+          <p:cNvSpPr txBox="1">
+            <a:spLocks/>
+          </p:cNvSpPr>
+          <p:nvPr/>
+        </p:nvSpPr>
+        <p:spPr>
+          <a:xfrm>
+            <a:off x="3510454" y="998484"/>
+            <a:ext cx="7843345" cy="1212786"/>
+          </a:xfrm>
+          <a:prstGeom prst="rect">
+            <a:avLst/>
+          </a:prstGeom>
+        </p:spPr>
+        <p:txBody>
+          <a:bodyPr vert="horz" lIns="91440" tIns="45720" rIns="91440" bIns="45720" rtlCol="0" anchor="t">
+            <a:normAutofit fontScale="97500"/>
+          </a:bodyPr>
+          <a:lstStyle>
+            <a:lvl1pPr algn="l" defTabSz="914400" rtl="0" eaLnBrk="1" latinLnBrk="0" hangingPunct="1">
+              <a:lnSpc>
+                <a:spcPct val="90000"/>
+              </a:lnSpc>
+              <a:spcBef>
+                <a:spcPct val="0"/>
+              </a:spcBef>
+              <a:buNone/>
+              <a:defRPr sz="4400" kern="1200">
+                <a:solidFill>
+                  <a:schemeClr val="tx1"/>
+                </a:solidFill>
+                <a:latin typeface="+mj-lt"/>
+                <a:ea typeface="+mj-ea"/>
+                <a:cs typeface="+mj-cs"/>
+              </a:defRPr>
+            </a:lvl1pPr>
+          </a:lstStyle>
+          <a:p>
+            <a:r>
+              <a:rPr lang="de-DE" sz="2000"/>
+              <a:t>Produkt: IOS App</a:t>
+            </a:r>
+          </a:p>
+          <a:p>
+            <a:r>
+              <a:rPr lang="de-DE" sz="2000"/>
+              <a:t>Primäre Persona: Simona Wiederkehr</a:t>
+            </a:r>
+          </a:p>
+          <a:p>
+            <a:r>
+              <a:rPr lang="de-DE" sz="2000"/>
+              <a:t>Will ein möglichst billiges Auto ausleihen</a:t>
+            </a:r>
+          </a:p>
+        </p:txBody>
+      </p:sp>
+      <p:sp>
+        <p:nvSpPr>
+          <p:cNvPr id="8" name="Rectangle 7"/>
+          <p:cNvSpPr/>
+          <p:nvPr/>
+        </p:nvSpPr>
+        <p:spPr>
+          <a:xfrm>
+            <a:off x="0" y="6652260"/>
+            <a:ext cx="12192000" cy="296228"/>
+          </a:xfrm>
+          <a:prstGeom prst="rect">
+            <a:avLst/>
+          </a:prstGeom>
+          <a:solidFill>
+            <a:srgbClr val="008EB3"/>
+          </a:solidFill>
+          <a:ln>
+            <a:noFill/>
+          </a:ln>
+        </p:spPr>
+        <p:style>
+          <a:lnRef idx="2">
+            <a:schemeClr val="accent1">
+              <a:shade val="50000"/>
+            </a:schemeClr>
+          </a:lnRef>
+          <a:fillRef idx="1">
+            <a:schemeClr val="accent1"/>
+          </a:fillRef>
+          <a:effectRef idx="0">
+            <a:schemeClr val="accent1"/>
+          </a:effectRef>
+          <a:fontRef idx="minor">
+            <a:schemeClr val="lt1"/>
+          </a:fontRef>
+        </p:style>
+        <p:txBody>
+          <a:bodyPr rtlCol="0" anchor="ctr"/>
+          <a:lstStyle/>
+          <a:p>
+            <a:pPr algn="ctr"/>
+            <a:endParaRPr lang="de-DE">
+              <a:solidFill>
+                <a:schemeClr val="bg1"/>
+              </a:solidFill>
+            </a:endParaRPr>
+          </a:p>
+        </p:txBody>
+      </p:sp>
+    </p:spTree>
+    <p:extLst>
+      <p:ext uri="{BB962C8B-B14F-4D97-AF65-F5344CB8AC3E}">
+        <p14:creationId xmlns:p14="http://schemas.microsoft.com/office/powerpoint/2010/main" val="847806206"/>
+      </p:ext>
+    </p:extLst>
+  </p:cSld>
+  <p:clrMapOvr>
+    <a:masterClrMapping/>
+  </p:clrMapOvr>
+</p:sld>
+</file>
+
+<file path=ppt/slides/slide15.xml><?xml version="1.0" encoding="utf-8"?>
+<p:sld xmlns:a="http://schemas.openxmlformats.org/drawingml/2006/main" xmlns:r="http://schemas.openxmlformats.org/officeDocument/2006/relationships" xmlns:p="http://schemas.openxmlformats.org/presentationml/2006/main">
+  <p:cSld>
+    <p:spTree>
+      <p:nvGrpSpPr>
+        <p:cNvPr id="1" name=""/>
+        <p:cNvGrpSpPr/>
+        <p:nvPr/>
+      </p:nvGrpSpPr>
+      <p:grpSpPr>
+        <a:xfrm>
+          <a:off x="0" y="0"/>
+          <a:ext cx="0" cy="0"/>
+          <a:chOff x="0" y="0"/>
+          <a:chExt cx="0" cy="0"/>
+        </a:xfrm>
+      </p:grpSpPr>
+      <p:sp>
+        <p:nvSpPr>
+          <p:cNvPr id="2" name="Title 1"/>
+          <p:cNvSpPr>
+            <a:spLocks noGrp="1"/>
+          </p:cNvSpPr>
+          <p:nvPr>
+            <p:ph type="title"/>
+          </p:nvPr>
+        </p:nvSpPr>
+        <p:spPr>
+          <a:xfrm>
+            <a:off x="3510455" y="365126"/>
+            <a:ext cx="7843345" cy="633358"/>
+          </a:xfrm>
+        </p:spPr>
+        <p:txBody>
+          <a:bodyPr>
+            <a:normAutofit fontScale="90000"/>
+          </a:bodyPr>
+          <a:lstStyle/>
+          <a:p>
+            <a:r>
+              <a:rPr lang="de-DE"/>
+              <a:t>Szenario 1: </a:t>
+            </a:r>
+          </a:p>
+        </p:txBody>
+      </p:sp>
+      <p:sp>
+        <p:nvSpPr>
+          <p:cNvPr id="3" name="Content Placeholder 2"/>
+          <p:cNvSpPr>
+            <a:spLocks noGrp="1"/>
+          </p:cNvSpPr>
+          <p:nvPr>
+            <p:ph idx="1"/>
+          </p:nvPr>
+        </p:nvSpPr>
+        <p:spPr>
+          <a:xfrm>
+            <a:off x="838200" y="2522483"/>
+            <a:ext cx="10515600" cy="3654480"/>
+          </a:xfrm>
+        </p:spPr>
+        <p:txBody>
+          <a:bodyPr/>
+          <a:lstStyle/>
+          <a:p>
+            <a:pPr marL="0" marR="0" lvl="0" indent="0" defTabSz="914400" eaLnBrk="1" fontAlgn="auto" latinLnBrk="0" hangingPunct="1">
+              <a:lnSpc>
+                <a:spcPct val="100000"/>
+              </a:lnSpc>
+              <a:spcBef>
+                <a:spcPts val="0"/>
+              </a:spcBef>
+              <a:spcAft>
+                <a:spcPts val="0"/>
+              </a:spcAft>
+              <a:buClrTx/>
+              <a:buSzTx/>
+              <a:buFontTx/>
+              <a:buNone/>
+              <a:tabLst/>
+              <a:defRPr/>
+            </a:pPr>
+            <a:r>
+              <a:rPr lang="de-DE" b="1"/>
+              <a:t>Szenario: </a:t>
+            </a:r>
+            <a:r>
+              <a:rPr lang="de-DE"/>
+              <a:t>Helene leiht ihr Auto bereits an mehrere Bekannte aus. Die Organisation dabei funktioniert jedoch nicht immer. Nach einer Besprechung hat sie beschlossen, unsere App auszuprobieren. Sie startet ihren alten Computer und öffnet eine ältere Version des Internet Explorers und will einen Account erstellen. Für jede Buchung will Sie dabei nur einen kleinen Pauschalbetrag beanspruchen.</a:t>
+            </a:r>
+          </a:p>
+        </p:txBody>
+      </p:sp>
+      <p:pic>
+        <p:nvPicPr>
+          <p:cNvPr id="6" name="Content Placeholder 8">
+            <a:extLst>
+              <a:ext uri="{FF2B5EF4-FFF2-40B4-BE49-F238E27FC236}">
+                <a16:creationId xmlns="" xmlns:a16="http://schemas.microsoft.com/office/drawing/2014/main" id="{C6F7B156-8F11-432C-B2CE-327CBB0BAEC6}"/>
+              </a:ext>
+            </a:extLst>
+          </p:cNvPr>
+          <p:cNvPicPr>
+            <a:picLocks noChangeAspect="1"/>
+          </p:cNvPicPr>
+          <p:nvPr/>
+        </p:nvPicPr>
+        <p:blipFill>
+          <a:blip r:embed="rId2">
+            <a:extLst>
+              <a:ext uri="{28A0092B-C50C-407E-A947-70E740481C1C}">
+                <a14:useLocalDpi xmlns:a14="http://schemas.microsoft.com/office/drawing/2010/main" val="0"/>
+              </a:ext>
+            </a:extLst>
+          </a:blip>
+          <a:stretch>
+            <a:fillRect/>
+          </a:stretch>
+        </p:blipFill>
+        <p:spPr>
+          <a:xfrm>
+            <a:off x="838200" y="365126"/>
+            <a:ext cx="2591080" cy="1846144"/>
+          </a:xfrm>
+          <a:prstGeom prst="rect">
+            <a:avLst/>
+          </a:prstGeom>
+        </p:spPr>
+      </p:pic>
+      <p:sp>
+        <p:nvSpPr>
+          <p:cNvPr id="7" name="Title 1"/>
+          <p:cNvSpPr txBox="1">
+            <a:spLocks/>
+          </p:cNvSpPr>
+          <p:nvPr/>
+        </p:nvSpPr>
+        <p:spPr>
+          <a:xfrm>
+            <a:off x="3510454" y="998484"/>
+            <a:ext cx="7843345" cy="1212786"/>
+          </a:xfrm>
+          <a:prstGeom prst="rect">
+            <a:avLst/>
+          </a:prstGeom>
+        </p:spPr>
+        <p:txBody>
+          <a:bodyPr vert="horz" lIns="91440" tIns="45720" rIns="91440" bIns="45720" rtlCol="0" anchor="t">
+            <a:normAutofit fontScale="97500"/>
+          </a:bodyPr>
+          <a:lstStyle>
+            <a:lvl1pPr algn="l" defTabSz="914400" rtl="0" eaLnBrk="1" latinLnBrk="0" hangingPunct="1">
+              <a:lnSpc>
+                <a:spcPct val="90000"/>
+              </a:lnSpc>
+              <a:spcBef>
+                <a:spcPct val="0"/>
+              </a:spcBef>
+              <a:buNone/>
+              <a:defRPr sz="4400" kern="1200">
+                <a:solidFill>
+                  <a:schemeClr val="tx1"/>
+                </a:solidFill>
+                <a:latin typeface="+mj-lt"/>
+                <a:ea typeface="+mj-ea"/>
+                <a:cs typeface="+mj-cs"/>
+              </a:defRPr>
+            </a:lvl1pPr>
+          </a:lstStyle>
+          <a:p>
+            <a:r>
+              <a:rPr lang="de-DE" sz="2000"/>
+              <a:t>Produkt: Webapplikation auf Internet Explorer</a:t>
+            </a:r>
+          </a:p>
+          <a:p>
+            <a:r>
+              <a:rPr lang="de-DE" sz="2000"/>
+              <a:t>Sekundäre Persona: Helene Meier</a:t>
+            </a:r>
+          </a:p>
+          <a:p>
+            <a:r>
+              <a:rPr lang="de-DE" sz="2000"/>
+              <a:t>Will ihr Auto an eine Bekannte ausleihen</a:t>
+            </a:r>
+          </a:p>
+        </p:txBody>
+      </p:sp>
+      <p:sp>
+        <p:nvSpPr>
+          <p:cNvPr id="8" name="Rectangle 7"/>
+          <p:cNvSpPr/>
+          <p:nvPr/>
+        </p:nvSpPr>
+        <p:spPr>
+          <a:xfrm>
+            <a:off x="0" y="6652260"/>
+            <a:ext cx="12192000" cy="296228"/>
+          </a:xfrm>
+          <a:prstGeom prst="rect">
+            <a:avLst/>
+          </a:prstGeom>
+          <a:solidFill>
+            <a:srgbClr val="008EB3"/>
+          </a:solidFill>
+          <a:ln>
+            <a:noFill/>
+          </a:ln>
+        </p:spPr>
+        <p:style>
+          <a:lnRef idx="2">
+            <a:schemeClr val="accent1">
+              <a:shade val="50000"/>
+            </a:schemeClr>
+          </a:lnRef>
+          <a:fillRef idx="1">
+            <a:schemeClr val="accent1"/>
+          </a:fillRef>
+          <a:effectRef idx="0">
+            <a:schemeClr val="accent1"/>
+          </a:effectRef>
+          <a:fontRef idx="minor">
+            <a:schemeClr val="lt1"/>
+          </a:fontRef>
+        </p:style>
+        <p:txBody>
+          <a:bodyPr rtlCol="0" anchor="ctr"/>
+          <a:lstStyle/>
+          <a:p>
+            <a:pPr algn="ctr"/>
+            <a:endParaRPr lang="de-DE">
+              <a:solidFill>
+                <a:schemeClr val="bg1"/>
+              </a:solidFill>
+            </a:endParaRPr>
+          </a:p>
+        </p:txBody>
+      </p:sp>
+    </p:spTree>
+    <p:extLst>
+      <p:ext uri="{BB962C8B-B14F-4D97-AF65-F5344CB8AC3E}">
+        <p14:creationId xmlns:p14="http://schemas.microsoft.com/office/powerpoint/2010/main" val="524906397"/>
+      </p:ext>
+    </p:extLst>
+  </p:cSld>
+  <p:clrMapOvr>
+    <a:masterClrMapping/>
+  </p:clrMapOvr>
+</p:sld>
+</file>
+
+<file path=ppt/slides/slide16.xml><?xml version="1.0" encoding="utf-8"?>
+<p:sld xmlns:a="http://schemas.openxmlformats.org/drawingml/2006/main" xmlns:r="http://schemas.openxmlformats.org/officeDocument/2006/relationships" xmlns:p="http://schemas.openxmlformats.org/presentationml/2006/main">
+  <p:cSld>
+    <p:spTree>
+      <p:nvGrpSpPr>
+        <p:cNvPr id="1" name=""/>
+        <p:cNvGrpSpPr/>
+        <p:nvPr/>
+      </p:nvGrpSpPr>
+      <p:grpSpPr>
+        <a:xfrm>
+          <a:off x="0" y="0"/>
+          <a:ext cx="0" cy="0"/>
+          <a:chOff x="0" y="0"/>
+          <a:chExt cx="0" cy="0"/>
+        </a:xfrm>
+      </p:grpSpPr>
+      <p:sp>
+        <p:nvSpPr>
+          <p:cNvPr id="2" name="Title 1"/>
+          <p:cNvSpPr>
+            <a:spLocks noGrp="1"/>
+          </p:cNvSpPr>
+          <p:nvPr>
+            <p:ph type="title"/>
+          </p:nvPr>
+        </p:nvSpPr>
+        <p:spPr>
+          <a:xfrm>
+            <a:off x="3510455" y="365126"/>
+            <a:ext cx="7843345" cy="633358"/>
+          </a:xfrm>
+        </p:spPr>
+        <p:txBody>
+          <a:bodyPr>
+            <a:normAutofit fontScale="90000"/>
+          </a:bodyPr>
+          <a:lstStyle/>
+          <a:p>
+            <a:r>
+              <a:rPr lang="de-DE"/>
+              <a:t>Szenario 1: </a:t>
+            </a:r>
+          </a:p>
+        </p:txBody>
+      </p:sp>
+      <p:sp>
+        <p:nvSpPr>
+          <p:cNvPr id="3" name="Content Placeholder 2"/>
+          <p:cNvSpPr>
+            <a:spLocks noGrp="1"/>
+          </p:cNvSpPr>
+          <p:nvPr>
+            <p:ph idx="1"/>
+          </p:nvPr>
+        </p:nvSpPr>
+        <p:spPr>
+          <a:xfrm>
+            <a:off x="838200" y="2522483"/>
+            <a:ext cx="10515600" cy="3654480"/>
+          </a:xfrm>
+        </p:spPr>
+        <p:txBody>
+          <a:bodyPr/>
+          <a:lstStyle/>
+          <a:p>
+            <a:pPr marL="0" marR="0" lvl="0" indent="0" defTabSz="914400" eaLnBrk="1" fontAlgn="auto" latinLnBrk="0" hangingPunct="1">
+              <a:lnSpc>
+                <a:spcPct val="100000"/>
+              </a:lnSpc>
+              <a:spcBef>
+                <a:spcPts val="0"/>
+              </a:spcBef>
+              <a:spcAft>
+                <a:spcPts val="0"/>
+              </a:spcAft>
+              <a:buClrTx/>
+              <a:buSzTx/>
+              <a:buFontTx/>
+              <a:buNone/>
+              <a:tabLst/>
+              <a:defRPr/>
+            </a:pPr>
+            <a:r>
+              <a:rPr lang="de-DE" b="1"/>
+              <a:t>Szenario: </a:t>
+            </a:r>
+            <a:r>
+              <a:rPr lang="de-DE"/>
+              <a:t>An einem Morgen erscheint Hans wie immer pünktlich um 8 Uhr zur Arbeit. Es haben sich bereits 90 Anträge auf Ausleihaccounts angehäuft. Sein gewissen lässt es nicht zu, diese nicht haargenau zu überprüfen. Er versucht mit unserer Applikation, diese Anträge sowohl schnell als auch korrekt zu überprüfen.</a:t>
+            </a:r>
+          </a:p>
+        </p:txBody>
+      </p:sp>
+      <p:pic>
+        <p:nvPicPr>
+          <p:cNvPr id="6" name="Content Placeholder 5">
+            <a:extLst>
+              <a:ext uri="{FF2B5EF4-FFF2-40B4-BE49-F238E27FC236}">
+                <a16:creationId xmlns="" xmlns:a16="http://schemas.microsoft.com/office/drawing/2014/main" id="{33B2250B-9EA8-4F72-83BA-EAF6FCB9B2F5}"/>
+              </a:ext>
+            </a:extLst>
+          </p:cNvPr>
+          <p:cNvPicPr>
+            <a:picLocks noChangeAspect="1"/>
+          </p:cNvPicPr>
+          <p:nvPr/>
+        </p:nvPicPr>
+        <p:blipFill>
+          <a:blip r:embed="rId2">
+            <a:extLst>
+              <a:ext uri="{28A0092B-C50C-407E-A947-70E740481C1C}">
+                <a14:useLocalDpi xmlns:a14="http://schemas.microsoft.com/office/drawing/2010/main" val="0"/>
+              </a:ext>
+            </a:extLst>
+          </a:blip>
+          <a:stretch>
+            <a:fillRect/>
+          </a:stretch>
+        </p:blipFill>
+        <p:spPr>
+          <a:xfrm>
+            <a:off x="838200" y="390991"/>
+            <a:ext cx="2537654" cy="1849315"/>
+          </a:xfrm>
+          <a:prstGeom prst="rect">
+            <a:avLst/>
+          </a:prstGeom>
+        </p:spPr>
+      </p:pic>
+      <p:sp>
+        <p:nvSpPr>
+          <p:cNvPr id="7" name="Title 1"/>
+          <p:cNvSpPr txBox="1">
+            <a:spLocks/>
+          </p:cNvSpPr>
+          <p:nvPr/>
+        </p:nvSpPr>
+        <p:spPr>
+          <a:xfrm>
+            <a:off x="3510454" y="998484"/>
+            <a:ext cx="7843345" cy="1212786"/>
+          </a:xfrm>
+          <a:prstGeom prst="rect">
+            <a:avLst/>
+          </a:prstGeom>
+        </p:spPr>
+        <p:txBody>
+          <a:bodyPr vert="horz" lIns="91440" tIns="45720" rIns="91440" bIns="45720" rtlCol="0" anchor="t">
+            <a:normAutofit fontScale="97500"/>
+          </a:bodyPr>
+          <a:lstStyle>
+            <a:lvl1pPr algn="l" defTabSz="914400" rtl="0" eaLnBrk="1" latinLnBrk="0" hangingPunct="1">
+              <a:lnSpc>
+                <a:spcPct val="90000"/>
+              </a:lnSpc>
+              <a:spcBef>
+                <a:spcPct val="0"/>
+              </a:spcBef>
+              <a:buNone/>
+              <a:defRPr sz="4400" kern="1200">
+                <a:solidFill>
+                  <a:schemeClr val="tx1"/>
+                </a:solidFill>
+                <a:latin typeface="+mj-lt"/>
+                <a:ea typeface="+mj-ea"/>
+                <a:cs typeface="+mj-cs"/>
+              </a:defRPr>
+            </a:lvl1pPr>
+          </a:lstStyle>
+          <a:p>
+            <a:r>
+              <a:rPr lang="de-DE" sz="2000"/>
+              <a:t>Produkt: Backend Applikation auf Geschäftscomputer</a:t>
+            </a:r>
+          </a:p>
+          <a:p>
+            <a:r>
+              <a:rPr lang="de-DE" sz="2000"/>
+              <a:t>Komplementäre Persona: Hans Müller</a:t>
+            </a:r>
+          </a:p>
+          <a:p>
+            <a:r>
+              <a:rPr lang="de-DE" sz="2000"/>
+              <a:t>Will keine unbefugte auf der Strasse</a:t>
+            </a:r>
+          </a:p>
+        </p:txBody>
+      </p:sp>
+      <p:sp>
+        <p:nvSpPr>
+          <p:cNvPr id="8" name="Rectangle 7"/>
+          <p:cNvSpPr/>
+          <p:nvPr/>
+        </p:nvSpPr>
+        <p:spPr>
+          <a:xfrm>
+            <a:off x="0" y="6652260"/>
+            <a:ext cx="12192000" cy="296228"/>
+          </a:xfrm>
+          <a:prstGeom prst="rect">
+            <a:avLst/>
+          </a:prstGeom>
+          <a:solidFill>
+            <a:srgbClr val="008EB3"/>
+          </a:solidFill>
+          <a:ln>
+            <a:noFill/>
+          </a:ln>
+        </p:spPr>
+        <p:style>
+          <a:lnRef idx="2">
+            <a:schemeClr val="accent1">
+              <a:shade val="50000"/>
+            </a:schemeClr>
+          </a:lnRef>
+          <a:fillRef idx="1">
+            <a:schemeClr val="accent1"/>
+          </a:fillRef>
+          <a:effectRef idx="0">
+            <a:schemeClr val="accent1"/>
+          </a:effectRef>
+          <a:fontRef idx="minor">
+            <a:schemeClr val="lt1"/>
+          </a:fontRef>
+        </p:style>
+        <p:txBody>
+          <a:bodyPr rtlCol="0" anchor="ctr"/>
+          <a:lstStyle/>
+          <a:p>
+            <a:pPr algn="ctr"/>
+            <a:endParaRPr lang="de-DE">
+              <a:solidFill>
+                <a:schemeClr val="bg1"/>
+              </a:solidFill>
+            </a:endParaRPr>
+          </a:p>
+        </p:txBody>
+      </p:sp>
+    </p:spTree>
+    <p:extLst>
+      <p:ext uri="{BB962C8B-B14F-4D97-AF65-F5344CB8AC3E}">
+        <p14:creationId xmlns:p14="http://schemas.microsoft.com/office/powerpoint/2010/main" val="238992503"/>
+      </p:ext>
+    </p:extLst>
+  </p:cSld>
+  <p:clrMapOvr>
+    <a:masterClrMapping/>
+  </p:clrMapOvr>
+</p:sld>
+</file>
+
+<file path=ppt/slides/slide17.xml><?xml version="1.0" encoding="utf-8"?>
+<p:sld xmlns:a="http://schemas.openxmlformats.org/drawingml/2006/main" xmlns:r="http://schemas.openxmlformats.org/officeDocument/2006/relationships" xmlns:p="http://schemas.openxmlformats.org/presentationml/2006/main">
+  <p:cSld>
+    <p:spTree>
+      <p:nvGrpSpPr>
+        <p:cNvPr id="1" name=""/>
+        <p:cNvGrpSpPr/>
+        <p:nvPr/>
+      </p:nvGrpSpPr>
+      <p:grpSpPr>
+        <a:xfrm>
+          <a:off x="0" y="0"/>
+          <a:ext cx="0" cy="0"/>
+          <a:chOff x="0" y="0"/>
+          <a:chExt cx="0" cy="0"/>
+        </a:xfrm>
+      </p:grpSpPr>
+      <p:sp>
+        <p:nvSpPr>
+          <p:cNvPr id="2" name="Title 1"/>
+          <p:cNvSpPr>
+            <a:spLocks noGrp="1"/>
+          </p:cNvSpPr>
+          <p:nvPr>
+            <p:ph type="title"/>
+          </p:nvPr>
+        </p:nvSpPr>
+        <p:spPr>
+          <a:xfrm>
+            <a:off x="3510455" y="365126"/>
+            <a:ext cx="7843345" cy="633358"/>
+          </a:xfrm>
+        </p:spPr>
+        <p:txBody>
+          <a:bodyPr>
+            <a:normAutofit fontScale="90000"/>
+          </a:bodyPr>
+          <a:lstStyle/>
+          <a:p>
+            <a:r>
+              <a:rPr lang="de-DE"/>
+              <a:t>Szenario 1: </a:t>
+            </a:r>
+          </a:p>
+        </p:txBody>
+      </p:sp>
+      <p:sp>
+        <p:nvSpPr>
+          <p:cNvPr id="3" name="Content Placeholder 2"/>
+          <p:cNvSpPr>
+            <a:spLocks noGrp="1"/>
+          </p:cNvSpPr>
+          <p:nvPr>
+            <p:ph idx="1"/>
+          </p:nvPr>
+        </p:nvSpPr>
+        <p:spPr>
+          <a:xfrm>
+            <a:off x="838200" y="2522483"/>
+            <a:ext cx="10515600" cy="3654480"/>
+          </a:xfrm>
+        </p:spPr>
+        <p:txBody>
+          <a:bodyPr/>
+          <a:lstStyle/>
+          <a:p>
+            <a:pPr marL="0" marR="0" lvl="0" indent="0" defTabSz="914400" eaLnBrk="1" fontAlgn="auto" latinLnBrk="0" hangingPunct="1">
+              <a:lnSpc>
+                <a:spcPct val="100000"/>
+              </a:lnSpc>
+              <a:spcBef>
+                <a:spcPts val="0"/>
+              </a:spcBef>
+              <a:spcAft>
+                <a:spcPts val="0"/>
+              </a:spcAft>
+              <a:buClrTx/>
+              <a:buSzTx/>
+              <a:buFontTx/>
+              <a:buNone/>
+              <a:tabLst/>
+              <a:defRPr/>
+            </a:pPr>
+            <a:r>
+              <a:rPr lang="de-DE" b="1"/>
+              <a:t>Szenario: </a:t>
+            </a:r>
+            <a:r>
+              <a:rPr lang="de-DE"/>
+              <a:t>Während der Arbeit überprüft Philipp die neuen Anträge auf Führerscheine. Er hasst es, dass all diese Personen nun fahren dürfen und er nicht. Er schaut sich kurz im Büro um und Fotografiert danach einen der neuen Ausweise. Nun sucht er im Internet Optionen, um Autos mit diesen Ausweisen auszuleihen.</a:t>
+            </a:r>
+          </a:p>
+        </p:txBody>
+      </p:sp>
+      <p:pic>
+        <p:nvPicPr>
+          <p:cNvPr id="6" name="Content Placeholder 9">
+            <a:extLst>
+              <a:ext uri="{FF2B5EF4-FFF2-40B4-BE49-F238E27FC236}">
+                <a16:creationId xmlns="" xmlns:a16="http://schemas.microsoft.com/office/drawing/2014/main" id="{6F03154E-C798-4103-802A-0495CC8B2366}"/>
+              </a:ext>
+            </a:extLst>
+          </p:cNvPr>
+          <p:cNvPicPr>
+            <a:picLocks noChangeAspect="1"/>
+          </p:cNvPicPr>
+          <p:nvPr/>
+        </p:nvPicPr>
+        <p:blipFill>
+          <a:blip r:embed="rId2">
+            <a:extLst>
+              <a:ext uri="{28A0092B-C50C-407E-A947-70E740481C1C}">
+                <a14:useLocalDpi xmlns:a14="http://schemas.microsoft.com/office/drawing/2010/main" val="0"/>
+              </a:ext>
+            </a:extLst>
+          </a:blip>
+          <a:stretch>
+            <a:fillRect/>
+          </a:stretch>
+        </p:blipFill>
+        <p:spPr>
+          <a:xfrm>
+            <a:off x="838201" y="365126"/>
+            <a:ext cx="2537654" cy="1849315"/>
+          </a:xfrm>
+          <a:prstGeom prst="rect">
+            <a:avLst/>
+          </a:prstGeom>
+        </p:spPr>
+      </p:pic>
+      <p:sp>
+        <p:nvSpPr>
+          <p:cNvPr id="7" name="Title 1"/>
+          <p:cNvSpPr txBox="1">
+            <a:spLocks/>
+          </p:cNvSpPr>
+          <p:nvPr/>
+        </p:nvSpPr>
+        <p:spPr>
+          <a:xfrm>
+            <a:off x="3510454" y="998484"/>
+            <a:ext cx="7843345" cy="1212786"/>
+          </a:xfrm>
+          <a:prstGeom prst="rect">
+            <a:avLst/>
+          </a:prstGeom>
+        </p:spPr>
+        <p:txBody>
+          <a:bodyPr vert="horz" lIns="91440" tIns="45720" rIns="91440" bIns="45720" rtlCol="0" anchor="t">
+            <a:normAutofit fontScale="97500"/>
+          </a:bodyPr>
+          <a:lstStyle>
+            <a:lvl1pPr algn="l" defTabSz="914400" rtl="0" eaLnBrk="1" latinLnBrk="0" hangingPunct="1">
+              <a:lnSpc>
+                <a:spcPct val="90000"/>
+              </a:lnSpc>
+              <a:spcBef>
+                <a:spcPct val="0"/>
+              </a:spcBef>
+              <a:buNone/>
+              <a:defRPr sz="4400" kern="1200">
+                <a:solidFill>
+                  <a:schemeClr val="tx1"/>
+                </a:solidFill>
+                <a:latin typeface="+mj-lt"/>
+                <a:ea typeface="+mj-ea"/>
+                <a:cs typeface="+mj-cs"/>
+              </a:defRPr>
+            </a:lvl1pPr>
+          </a:lstStyle>
+          <a:p>
+            <a:r>
+              <a:rPr lang="de-DE" sz="2000"/>
               <a:t>Produkt: Android App</a:t>
             </a:r>
           </a:p>
@@ -4356,6 +7081,56 @@
               <a:rPr lang="de-DE" sz="2000"/>
               <a:t>Will wieder fahren</a:t>
             </a:r>
+          </a:p>
+        </p:txBody>
+      </p:sp>
+      <p:sp>
+        <p:nvSpPr>
+          <p:cNvPr id="8" name="Rectangle 7"/>
+          <p:cNvSpPr/>
+          <p:nvPr/>
+        </p:nvSpPr>
+        <p:spPr>
+          <a:xfrm>
+            <a:off x="0" y="6652260"/>
+            <a:ext cx="12192000" cy="296228"/>
+          </a:xfrm>
+          <a:prstGeom prst="rect">
+            <a:avLst/>
+          </a:prstGeom>
+          <a:solidFill>
+            <a:srgbClr val="008EB3"/>
+          </a:solidFill>
+          <a:ln>
+            <a:noFill/>
+          </a:ln>
+        </p:spPr>
+        <p:style>
+          <a:lnRef idx="2">
+            <a:schemeClr val="accent1">
+              <a:shade val="50000"/>
+            </a:schemeClr>
+          </a:lnRef>
+          <a:fillRef idx="1">
+            <a:schemeClr val="accent1"/>
+          </a:fillRef>
+          <a:effectRef idx="0">
+            <a:schemeClr val="accent1"/>
+          </a:effectRef>
+          <a:fontRef idx="minor">
+            <a:schemeClr val="lt1"/>
+          </a:fontRef>
+        </p:style>
+        <p:txBody>
+          <a:bodyPr rtlCol="0" anchor="ctr"/>
+          <a:lstStyle/>
+          <a:p>
+            <a:pPr algn="ctr"/>
+            <a:endParaRPr lang="de-DE">
+              <a:solidFill>
+                <a:schemeClr val="bg1"/>
+              </a:solidFill>
+            </a:endParaRPr>
           </a:p>
         </p:txBody>
       </p:sp>
@@ -4394,7 +7169,903 @@
           <p:cNvPr id="2" name="Title 1">
             <a:extLst>
               <a:ext uri="{FF2B5EF4-FFF2-40B4-BE49-F238E27FC236}">
-                <a16:creationId xmlns:a16="http://schemas.microsoft.com/office/drawing/2014/main" xmlns="" id="{BEA157D4-4D2F-435C-9140-A947D22EBD8A}"/>
+                <a16:creationId xmlns="" xmlns:a16="http://schemas.microsoft.com/office/drawing/2014/main" id="{E963BF55-D87B-4EEA-B2A9-11D9646B8ABF}"/>
+              </a:ext>
+            </a:extLst>
+          </p:cNvPr>
+          <p:cNvSpPr>
+            <a:spLocks noGrp="1"/>
+          </p:cNvSpPr>
+          <p:nvPr>
+            <p:ph type="ctrTitle"/>
+          </p:nvPr>
+        </p:nvSpPr>
+        <p:spPr/>
+        <p:txBody>
+          <a:bodyPr/>
+          <a:lstStyle/>
+          <a:p>
+            <a:r>
+              <a:rPr lang="en-US" dirty="0"/>
+              <a:t>BAK-Analyse</a:t>
+            </a:r>
+          </a:p>
+        </p:txBody>
+      </p:sp>
+      <p:sp>
+        <p:nvSpPr>
+          <p:cNvPr id="3" name="Subtitle 2">
+            <a:extLst>
+              <a:ext uri="{FF2B5EF4-FFF2-40B4-BE49-F238E27FC236}">
+                <a16:creationId xmlns="" xmlns:a16="http://schemas.microsoft.com/office/drawing/2014/main" id="{B835F513-471D-4E14-9773-51CF6EB1CFEA}"/>
+              </a:ext>
+            </a:extLst>
+          </p:cNvPr>
+          <p:cNvSpPr>
+            <a:spLocks noGrp="1"/>
+          </p:cNvSpPr>
+          <p:nvPr>
+            <p:ph type="subTitle" idx="1"/>
+          </p:nvPr>
+        </p:nvSpPr>
+        <p:spPr/>
+        <p:txBody>
+          <a:bodyPr/>
+          <a:lstStyle/>
+          <a:p>
+            <a:endParaRPr lang="en-US"/>
+          </a:p>
+        </p:txBody>
+      </p:sp>
+      <p:sp>
+        <p:nvSpPr>
+          <p:cNvPr id="4" name="Rectangle 3"/>
+          <p:cNvSpPr/>
+          <p:nvPr/>
+        </p:nvSpPr>
+        <p:spPr>
+          <a:xfrm>
+            <a:off x="0" y="6652260"/>
+            <a:ext cx="12192000" cy="296228"/>
+          </a:xfrm>
+          <a:prstGeom prst="rect">
+            <a:avLst/>
+          </a:prstGeom>
+          <a:solidFill>
+            <a:srgbClr val="008EB3"/>
+          </a:solidFill>
+          <a:ln>
+            <a:noFill/>
+          </a:ln>
+        </p:spPr>
+        <p:style>
+          <a:lnRef idx="2">
+            <a:schemeClr val="accent1">
+              <a:shade val="50000"/>
+            </a:schemeClr>
+          </a:lnRef>
+          <a:fillRef idx="1">
+            <a:schemeClr val="accent1"/>
+          </a:fillRef>
+          <a:effectRef idx="0">
+            <a:schemeClr val="accent1"/>
+          </a:effectRef>
+          <a:fontRef idx="minor">
+            <a:schemeClr val="lt1"/>
+          </a:fontRef>
+        </p:style>
+        <p:txBody>
+          <a:bodyPr rtlCol="0" anchor="ctr"/>
+          <a:lstStyle/>
+          <a:p>
+            <a:pPr algn="ctr"/>
+            <a:endParaRPr lang="de-DE">
+              <a:solidFill>
+                <a:schemeClr val="bg1"/>
+              </a:solidFill>
+            </a:endParaRPr>
+          </a:p>
+        </p:txBody>
+      </p:sp>
+    </p:spTree>
+    <p:extLst>
+      <p:ext uri="{BB962C8B-B14F-4D97-AF65-F5344CB8AC3E}">
+        <p14:creationId xmlns:p14="http://schemas.microsoft.com/office/powerpoint/2010/main" val="1697789063"/>
+      </p:ext>
+    </p:extLst>
+  </p:cSld>
+  <p:clrMapOvr>
+    <a:masterClrMapping/>
+  </p:clrMapOvr>
+</p:sld>
+</file>
+
+<file path=ppt/slides/slide3.xml><?xml version="1.0" encoding="utf-8"?>
+<p:sld xmlns:a="http://schemas.openxmlformats.org/drawingml/2006/main" xmlns:r="http://schemas.openxmlformats.org/officeDocument/2006/relationships" xmlns:p="http://schemas.openxmlformats.org/presentationml/2006/main">
+  <p:cSld>
+    <p:spTree>
+      <p:nvGrpSpPr>
+        <p:cNvPr id="1" name=""/>
+        <p:cNvGrpSpPr/>
+        <p:nvPr/>
+      </p:nvGrpSpPr>
+      <p:grpSpPr>
+        <a:xfrm>
+          <a:off x="0" y="0"/>
+          <a:ext cx="0" cy="0"/>
+          <a:chOff x="0" y="0"/>
+          <a:chExt cx="0" cy="0"/>
+        </a:xfrm>
+      </p:grpSpPr>
+      <p:sp>
+        <p:nvSpPr>
+          <p:cNvPr id="2" name="Title 1"/>
+          <p:cNvSpPr>
+            <a:spLocks noGrp="1"/>
+          </p:cNvSpPr>
+          <p:nvPr>
+            <p:ph type="title"/>
+          </p:nvPr>
+        </p:nvSpPr>
+        <p:spPr/>
+        <p:txBody>
+          <a:bodyPr/>
+          <a:lstStyle/>
+          <a:p>
+            <a:r>
+              <a:rPr lang="de-DE"/>
+              <a:t>BAK-Analyse</a:t>
+            </a:r>
+          </a:p>
+        </p:txBody>
+      </p:sp>
+      <p:sp>
+        <p:nvSpPr>
+          <p:cNvPr id="3" name="Content Placeholder 2"/>
+          <p:cNvSpPr>
+            <a:spLocks noGrp="1"/>
+          </p:cNvSpPr>
+          <p:nvPr>
+            <p:ph idx="1"/>
+          </p:nvPr>
+        </p:nvSpPr>
+        <p:spPr/>
+        <p:txBody>
+          <a:bodyPr>
+            <a:normAutofit/>
+          </a:bodyPr>
+          <a:lstStyle/>
+          <a:p>
+            <a:r>
+              <a:rPr lang="de-DE"/>
+              <a:t>Benutzeranalyse</a:t>
+            </a:r>
+          </a:p>
+          <a:p>
+            <a:pPr lvl="1"/>
+            <a:r>
+              <a:rPr lang="de-DE" b="1"/>
+              <a:t>Demographie</a:t>
+            </a:r>
+            <a:r>
+              <a:rPr lang="de-DE"/>
+              <a:t>: Alter (über 18 unter 70)</a:t>
+            </a:r>
+          </a:p>
+          <a:p>
+            <a:pPr lvl="1"/>
+            <a:r>
+              <a:rPr lang="de-DE" b="1"/>
+              <a:t>Wissen</a:t>
+            </a:r>
+            <a:r>
+              <a:rPr lang="de-DE"/>
+              <a:t>: Gültiger Fahrausweis (ausgebildete Fahrer)</a:t>
+            </a:r>
+          </a:p>
+          <a:p>
+            <a:pPr lvl="1"/>
+            <a:r>
+              <a:rPr lang="de-DE" b="1"/>
+              <a:t>Erfahrungen</a:t>
+            </a:r>
+            <a:r>
+              <a:rPr lang="de-DE"/>
+              <a:t>: Automat, Manuell</a:t>
+            </a:r>
+          </a:p>
+          <a:p>
+            <a:pPr lvl="1"/>
+            <a:r>
+              <a:rPr lang="de-DE" b="1"/>
+              <a:t>Erwartungen</a:t>
+            </a:r>
+            <a:r>
+              <a:rPr lang="de-DE"/>
+              <a:t>: Geschwindigkeit, Flow, Accessability, Angebote für Eingeschränkte</a:t>
+            </a:r>
+          </a:p>
+          <a:p>
+            <a:pPr lvl="1"/>
+            <a:r>
+              <a:rPr lang="de-DE" b="1"/>
+              <a:t>Internationalität</a:t>
+            </a:r>
+            <a:r>
+              <a:rPr lang="de-DE"/>
+              <a:t>: Schweiz</a:t>
+            </a:r>
+          </a:p>
+          <a:p>
+            <a:pPr lvl="1"/>
+            <a:endParaRPr lang="de-DE"/>
+          </a:p>
+          <a:p>
+            <a:pPr lvl="1"/>
+            <a:endParaRPr lang="de-DE"/>
+          </a:p>
+          <a:p>
+            <a:pPr lvl="1"/>
+            <a:endParaRPr lang="de-DE"/>
+          </a:p>
+          <a:p>
+            <a:pPr lvl="1"/>
+            <a:endParaRPr lang="de-DE"/>
+          </a:p>
+        </p:txBody>
+      </p:sp>
+      <p:sp>
+        <p:nvSpPr>
+          <p:cNvPr id="4" name="Rectangle 3"/>
+          <p:cNvSpPr/>
+          <p:nvPr/>
+        </p:nvSpPr>
+        <p:spPr>
+          <a:xfrm>
+            <a:off x="0" y="6652260"/>
+            <a:ext cx="12192000" cy="296228"/>
+          </a:xfrm>
+          <a:prstGeom prst="rect">
+            <a:avLst/>
+          </a:prstGeom>
+          <a:solidFill>
+            <a:srgbClr val="008EB3"/>
+          </a:solidFill>
+          <a:ln>
+            <a:noFill/>
+          </a:ln>
+        </p:spPr>
+        <p:style>
+          <a:lnRef idx="2">
+            <a:schemeClr val="accent1">
+              <a:shade val="50000"/>
+            </a:schemeClr>
+          </a:lnRef>
+          <a:fillRef idx="1">
+            <a:schemeClr val="accent1"/>
+          </a:fillRef>
+          <a:effectRef idx="0">
+            <a:schemeClr val="accent1"/>
+          </a:effectRef>
+          <a:fontRef idx="minor">
+            <a:schemeClr val="lt1"/>
+          </a:fontRef>
+        </p:style>
+        <p:txBody>
+          <a:bodyPr rtlCol="0" anchor="ctr"/>
+          <a:lstStyle/>
+          <a:p>
+            <a:pPr algn="ctr"/>
+            <a:endParaRPr lang="de-DE">
+              <a:solidFill>
+                <a:schemeClr val="bg1"/>
+              </a:solidFill>
+            </a:endParaRPr>
+          </a:p>
+        </p:txBody>
+      </p:sp>
+    </p:spTree>
+    <p:extLst>
+      <p:ext uri="{BB962C8B-B14F-4D97-AF65-F5344CB8AC3E}">
+        <p14:creationId xmlns:p14="http://schemas.microsoft.com/office/powerpoint/2010/main" val="603952795"/>
+      </p:ext>
+    </p:extLst>
+  </p:cSld>
+  <p:clrMapOvr>
+    <a:masterClrMapping/>
+  </p:clrMapOvr>
+</p:sld>
+</file>
+
+<file path=ppt/slides/slide4.xml><?xml version="1.0" encoding="utf-8"?>
+<p:sld xmlns:a="http://schemas.openxmlformats.org/drawingml/2006/main" xmlns:r="http://schemas.openxmlformats.org/officeDocument/2006/relationships" xmlns:p="http://schemas.openxmlformats.org/presentationml/2006/main">
+  <p:cSld>
+    <p:spTree>
+      <p:nvGrpSpPr>
+        <p:cNvPr id="1" name=""/>
+        <p:cNvGrpSpPr/>
+        <p:nvPr/>
+      </p:nvGrpSpPr>
+      <p:grpSpPr>
+        <a:xfrm>
+          <a:off x="0" y="0"/>
+          <a:ext cx="0" cy="0"/>
+          <a:chOff x="0" y="0"/>
+          <a:chExt cx="0" cy="0"/>
+        </a:xfrm>
+      </p:grpSpPr>
+      <p:sp>
+        <p:nvSpPr>
+          <p:cNvPr id="2" name="Title 1"/>
+          <p:cNvSpPr>
+            <a:spLocks noGrp="1"/>
+          </p:cNvSpPr>
+          <p:nvPr>
+            <p:ph type="title"/>
+          </p:nvPr>
+        </p:nvSpPr>
+        <p:spPr/>
+        <p:txBody>
+          <a:bodyPr/>
+          <a:lstStyle/>
+          <a:p>
+            <a:r>
+              <a:rPr lang="de-DE"/>
+              <a:t>BAK-Analyse</a:t>
+            </a:r>
+          </a:p>
+        </p:txBody>
+      </p:sp>
+      <p:sp>
+        <p:nvSpPr>
+          <p:cNvPr id="3" name="Content Placeholder 2"/>
+          <p:cNvSpPr>
+            <a:spLocks noGrp="1"/>
+          </p:cNvSpPr>
+          <p:nvPr>
+            <p:ph idx="1"/>
+          </p:nvPr>
+        </p:nvSpPr>
+        <p:spPr/>
+        <p:txBody>
+          <a:bodyPr>
+            <a:normAutofit/>
+          </a:bodyPr>
+          <a:lstStyle/>
+          <a:p>
+            <a:r>
+              <a:rPr lang="de-DE"/>
+              <a:t>Aufgabenanalyse</a:t>
+            </a:r>
+          </a:p>
+          <a:p>
+            <a:pPr lvl="1"/>
+            <a:r>
+              <a:rPr lang="de-DE" b="1"/>
+              <a:t>Ziel</a:t>
+            </a:r>
+            <a:r>
+              <a:rPr lang="de-DE"/>
+              <a:t>: autolosen Fahrern Zugang zu Autos ermöglichen</a:t>
+            </a:r>
+          </a:p>
+          <a:p>
+            <a:pPr lvl="1"/>
+            <a:r>
+              <a:rPr lang="de-DE" b="1"/>
+              <a:t>Grund</a:t>
+            </a:r>
+            <a:r>
+              <a:rPr lang="de-DE"/>
+              <a:t>: fehlende finanzielle Mittel, umweltbewusst, Nebenverdienst</a:t>
+            </a:r>
+          </a:p>
+          <a:p>
+            <a:pPr lvl="1"/>
+            <a:r>
+              <a:rPr lang="de-DE" b="1"/>
+              <a:t>Inhalt</a:t>
+            </a:r>
+            <a:r>
+              <a:rPr lang="de-DE"/>
+              <a:t>: Unser System zeigt den Borrowern Angebote von Lendern</a:t>
+            </a:r>
+            <a:endParaRPr lang="de-DE"/>
+          </a:p>
+          <a:p>
+            <a:pPr lvl="1"/>
+            <a:endParaRPr lang="de-DE"/>
+          </a:p>
+          <a:p>
+            <a:pPr lvl="1"/>
+            <a:endParaRPr lang="de-DE"/>
+          </a:p>
+          <a:p>
+            <a:pPr lvl="1"/>
+            <a:endParaRPr lang="de-DE"/>
+          </a:p>
+        </p:txBody>
+      </p:sp>
+      <p:sp>
+        <p:nvSpPr>
+          <p:cNvPr id="6" name="Rectangle 5"/>
+          <p:cNvSpPr/>
+          <p:nvPr/>
+        </p:nvSpPr>
+        <p:spPr>
+          <a:xfrm>
+            <a:off x="0" y="6652260"/>
+            <a:ext cx="12192000" cy="296228"/>
+          </a:xfrm>
+          <a:prstGeom prst="rect">
+            <a:avLst/>
+          </a:prstGeom>
+          <a:solidFill>
+            <a:srgbClr val="008EB3"/>
+          </a:solidFill>
+          <a:ln>
+            <a:noFill/>
+          </a:ln>
+        </p:spPr>
+        <p:style>
+          <a:lnRef idx="2">
+            <a:schemeClr val="accent1">
+              <a:shade val="50000"/>
+            </a:schemeClr>
+          </a:lnRef>
+          <a:fillRef idx="1">
+            <a:schemeClr val="accent1"/>
+          </a:fillRef>
+          <a:effectRef idx="0">
+            <a:schemeClr val="accent1"/>
+          </a:effectRef>
+          <a:fontRef idx="minor">
+            <a:schemeClr val="lt1"/>
+          </a:fontRef>
+        </p:style>
+        <p:txBody>
+          <a:bodyPr rtlCol="0" anchor="ctr"/>
+          <a:lstStyle/>
+          <a:p>
+            <a:pPr algn="ctr"/>
+            <a:endParaRPr lang="de-DE">
+              <a:solidFill>
+                <a:schemeClr val="bg1"/>
+              </a:solidFill>
+            </a:endParaRPr>
+          </a:p>
+        </p:txBody>
+      </p:sp>
+    </p:spTree>
+    <p:extLst>
+      <p:ext uri="{BB962C8B-B14F-4D97-AF65-F5344CB8AC3E}">
+        <p14:creationId xmlns:p14="http://schemas.microsoft.com/office/powerpoint/2010/main" val="491236438"/>
+      </p:ext>
+    </p:extLst>
+  </p:cSld>
+  <p:clrMapOvr>
+    <a:masterClrMapping/>
+  </p:clrMapOvr>
+</p:sld>
+</file>
+
+<file path=ppt/slides/slide5.xml><?xml version="1.0" encoding="utf-8"?>
+<p:sld xmlns:a="http://schemas.openxmlformats.org/drawingml/2006/main" xmlns:r="http://schemas.openxmlformats.org/officeDocument/2006/relationships" xmlns:p="http://schemas.openxmlformats.org/presentationml/2006/main">
+  <p:cSld>
+    <p:spTree>
+      <p:nvGrpSpPr>
+        <p:cNvPr id="1" name=""/>
+        <p:cNvGrpSpPr/>
+        <p:nvPr/>
+      </p:nvGrpSpPr>
+      <p:grpSpPr>
+        <a:xfrm>
+          <a:off x="0" y="0"/>
+          <a:ext cx="0" cy="0"/>
+          <a:chOff x="0" y="0"/>
+          <a:chExt cx="0" cy="0"/>
+        </a:xfrm>
+      </p:grpSpPr>
+      <p:sp>
+        <p:nvSpPr>
+          <p:cNvPr id="2" name="Title 1"/>
+          <p:cNvSpPr>
+            <a:spLocks noGrp="1"/>
+          </p:cNvSpPr>
+          <p:nvPr>
+            <p:ph type="title"/>
+          </p:nvPr>
+        </p:nvSpPr>
+        <p:spPr/>
+        <p:txBody>
+          <a:bodyPr/>
+          <a:lstStyle/>
+          <a:p>
+            <a:r>
+              <a:rPr lang="de-DE"/>
+              <a:t>BAK-Analyse</a:t>
+            </a:r>
+          </a:p>
+        </p:txBody>
+      </p:sp>
+      <p:sp>
+        <p:nvSpPr>
+          <p:cNvPr id="3" name="Content Placeholder 2"/>
+          <p:cNvSpPr>
+            <a:spLocks noGrp="1"/>
+          </p:cNvSpPr>
+          <p:nvPr>
+            <p:ph idx="1"/>
+          </p:nvPr>
+        </p:nvSpPr>
+        <p:spPr/>
+        <p:txBody>
+          <a:bodyPr>
+            <a:normAutofit/>
+          </a:bodyPr>
+          <a:lstStyle/>
+          <a:p>
+            <a:r>
+              <a:rPr lang="de-DE"/>
+              <a:t>Kontextanalyse</a:t>
+            </a:r>
+          </a:p>
+          <a:p>
+            <a:pPr lvl="1"/>
+            <a:r>
+              <a:rPr lang="de-DE" b="1"/>
+              <a:t>Umgebung</a:t>
+            </a:r>
+            <a:r>
+              <a:rPr lang="de-DE"/>
+              <a:t>: vorallem private, aber auch geschäftlich (Mischnutzung)</a:t>
+            </a:r>
+          </a:p>
+          <a:p>
+            <a:pPr lvl="1"/>
+            <a:r>
+              <a:rPr lang="de-DE" b="1"/>
+              <a:t>Einsatzbedingungen</a:t>
+            </a:r>
+            <a:r>
+              <a:rPr lang="de-DE"/>
+              <a:t>: Lender und Borrower müssen Dienste gleichzeitig benutzen können</a:t>
+            </a:r>
+          </a:p>
+          <a:p>
+            <a:pPr lvl="1"/>
+            <a:r>
+              <a:rPr lang="de-DE" b="1"/>
+              <a:t>Benutzeranzahl</a:t>
+            </a:r>
+            <a:r>
+              <a:rPr lang="de-DE"/>
+              <a:t>: Wir skalieren auf 20000 Benutzern (2000 gleichzeitig)</a:t>
+            </a:r>
+          </a:p>
+          <a:p>
+            <a:pPr lvl="1"/>
+            <a:r>
+              <a:rPr lang="de-DE" b="1"/>
+              <a:t>Fehlerkultur</a:t>
+            </a:r>
+            <a:r>
+              <a:rPr lang="de-DE"/>
+              <a:t>: Bei Ausfall der Bezahlungssoftware keine Transaktionen möglich</a:t>
+            </a:r>
+          </a:p>
+          <a:p>
+            <a:pPr lvl="1"/>
+            <a:r>
+              <a:rPr lang="de-DE" b="1"/>
+              <a:t>Datensicherheit</a:t>
+            </a:r>
+            <a:r>
+              <a:rPr lang="de-DE"/>
+              <a:t>: Schweizer Server</a:t>
+            </a:r>
+          </a:p>
+          <a:p>
+            <a:pPr lvl="1"/>
+            <a:r>
+              <a:rPr lang="de-DE" b="1"/>
+              <a:t>Danzugriff</a:t>
+            </a:r>
+            <a:r>
+              <a:rPr lang="de-DE"/>
+              <a:t>: Nur ausgewählte Mitarbeiter auf sensitive Daten</a:t>
+            </a:r>
+          </a:p>
+          <a:p>
+            <a:pPr lvl="1"/>
+            <a:r>
+              <a:rPr lang="de-DE" b="1"/>
+              <a:t>Hilfssysteme</a:t>
+            </a:r>
+            <a:r>
+              <a:rPr lang="de-DE"/>
+              <a:t>: Twint, Paypal, Google Maps, Mobilgerät, Computer</a:t>
+            </a:r>
+          </a:p>
+          <a:p>
+            <a:pPr lvl="1"/>
+            <a:endParaRPr lang="de-DE"/>
+          </a:p>
+          <a:p>
+            <a:pPr lvl="1"/>
+            <a:endParaRPr lang="de-DE"/>
+          </a:p>
+        </p:txBody>
+      </p:sp>
+      <p:sp>
+        <p:nvSpPr>
+          <p:cNvPr id="6" name="Rectangle 5"/>
+          <p:cNvSpPr/>
+          <p:nvPr/>
+        </p:nvSpPr>
+        <p:spPr>
+          <a:xfrm>
+            <a:off x="0" y="6677660"/>
+            <a:ext cx="12192000" cy="296228"/>
+          </a:xfrm>
+          <a:prstGeom prst="rect">
+            <a:avLst/>
+          </a:prstGeom>
+          <a:solidFill>
+            <a:srgbClr val="008EB3"/>
+          </a:solidFill>
+          <a:ln>
+            <a:noFill/>
+          </a:ln>
+        </p:spPr>
+        <p:style>
+          <a:lnRef idx="2">
+            <a:schemeClr val="accent1">
+              <a:shade val="50000"/>
+            </a:schemeClr>
+          </a:lnRef>
+          <a:fillRef idx="1">
+            <a:schemeClr val="accent1"/>
+          </a:fillRef>
+          <a:effectRef idx="0">
+            <a:schemeClr val="accent1"/>
+          </a:effectRef>
+          <a:fontRef idx="minor">
+            <a:schemeClr val="lt1"/>
+          </a:fontRef>
+        </p:style>
+        <p:txBody>
+          <a:bodyPr rtlCol="0" anchor="ctr"/>
+          <a:lstStyle/>
+          <a:p>
+            <a:pPr algn="ctr"/>
+            <a:endParaRPr lang="de-DE">
+              <a:solidFill>
+                <a:schemeClr val="bg1"/>
+              </a:solidFill>
+            </a:endParaRPr>
+          </a:p>
+        </p:txBody>
+      </p:sp>
+      <p:sp>
+        <p:nvSpPr>
+          <p:cNvPr id="7" name="Rectangle 6"/>
+          <p:cNvSpPr/>
+          <p:nvPr/>
+        </p:nvSpPr>
+        <p:spPr>
+          <a:xfrm>
+            <a:off x="0" y="6677660"/>
+            <a:ext cx="12192000" cy="296228"/>
+          </a:xfrm>
+          <a:prstGeom prst="rect">
+            <a:avLst/>
+          </a:prstGeom>
+          <a:solidFill>
+            <a:srgbClr val="008EB3"/>
+          </a:solidFill>
+          <a:ln>
+            <a:noFill/>
+          </a:ln>
+        </p:spPr>
+        <p:style>
+          <a:lnRef idx="2">
+            <a:schemeClr val="accent1">
+              <a:shade val="50000"/>
+            </a:schemeClr>
+          </a:lnRef>
+          <a:fillRef idx="1">
+            <a:schemeClr val="accent1"/>
+          </a:fillRef>
+          <a:effectRef idx="0">
+            <a:schemeClr val="accent1"/>
+          </a:effectRef>
+          <a:fontRef idx="minor">
+            <a:schemeClr val="lt1"/>
+          </a:fontRef>
+        </p:style>
+        <p:txBody>
+          <a:bodyPr rtlCol="0" anchor="ctr"/>
+          <a:lstStyle/>
+          <a:p>
+            <a:pPr algn="ctr"/>
+            <a:endParaRPr lang="de-DE">
+              <a:solidFill>
+                <a:schemeClr val="bg1"/>
+              </a:solidFill>
+            </a:endParaRPr>
+          </a:p>
+        </p:txBody>
+      </p:sp>
+    </p:spTree>
+    <p:extLst>
+      <p:ext uri="{BB962C8B-B14F-4D97-AF65-F5344CB8AC3E}">
+        <p14:creationId xmlns:p14="http://schemas.microsoft.com/office/powerpoint/2010/main" val="660098130"/>
+      </p:ext>
+    </p:extLst>
+  </p:cSld>
+  <p:clrMapOvr>
+    <a:masterClrMapping/>
+  </p:clrMapOvr>
+</p:sld>
+</file>
+
+<file path=ppt/slides/slide6.xml><?xml version="1.0" encoding="utf-8"?>
+<p:sld xmlns:a="http://schemas.openxmlformats.org/drawingml/2006/main" xmlns:r="http://schemas.openxmlformats.org/officeDocument/2006/relationships" xmlns:p="http://schemas.openxmlformats.org/presentationml/2006/main">
+  <p:cSld>
+    <p:spTree>
+      <p:nvGrpSpPr>
+        <p:cNvPr id="1" name=""/>
+        <p:cNvGrpSpPr/>
+        <p:nvPr/>
+      </p:nvGrpSpPr>
+      <p:grpSpPr>
+        <a:xfrm>
+          <a:off x="0" y="0"/>
+          <a:ext cx="0" cy="0"/>
+          <a:chOff x="0" y="0"/>
+          <a:chExt cx="0" cy="0"/>
+        </a:xfrm>
+      </p:grpSpPr>
+      <p:sp>
+        <p:nvSpPr>
+          <p:cNvPr id="2" name="Title 1">
+            <a:extLst>
+              <a:ext uri="{FF2B5EF4-FFF2-40B4-BE49-F238E27FC236}">
+                <a16:creationId xmlns="" xmlns:a16="http://schemas.microsoft.com/office/drawing/2014/main" id="{E963BF55-D87B-4EEA-B2A9-11D9646B8ABF}"/>
+              </a:ext>
+            </a:extLst>
+          </p:cNvPr>
+          <p:cNvSpPr>
+            <a:spLocks noGrp="1"/>
+          </p:cNvSpPr>
+          <p:nvPr>
+            <p:ph type="ctrTitle"/>
+          </p:nvPr>
+        </p:nvSpPr>
+        <p:spPr/>
+        <p:txBody>
+          <a:bodyPr/>
+          <a:lstStyle/>
+          <a:p>
+            <a:r>
+              <a:rPr lang="en-US" dirty="0"/>
+              <a:t>Personas</a:t>
+            </a:r>
+          </a:p>
+        </p:txBody>
+      </p:sp>
+      <p:sp>
+        <p:nvSpPr>
+          <p:cNvPr id="3" name="Subtitle 2">
+            <a:extLst>
+              <a:ext uri="{FF2B5EF4-FFF2-40B4-BE49-F238E27FC236}">
+                <a16:creationId xmlns="" xmlns:a16="http://schemas.microsoft.com/office/drawing/2014/main" id="{B835F513-471D-4E14-9773-51CF6EB1CFEA}"/>
+              </a:ext>
+            </a:extLst>
+          </p:cNvPr>
+          <p:cNvSpPr>
+            <a:spLocks noGrp="1"/>
+          </p:cNvSpPr>
+          <p:nvPr>
+            <p:ph type="subTitle" idx="1"/>
+          </p:nvPr>
+        </p:nvSpPr>
+        <p:spPr/>
+        <p:txBody>
+          <a:bodyPr/>
+          <a:lstStyle/>
+          <a:p>
+            <a:endParaRPr lang="en-US"/>
+          </a:p>
+        </p:txBody>
+      </p:sp>
+      <p:sp>
+        <p:nvSpPr>
+          <p:cNvPr id="4" name="Rectangle 3"/>
+          <p:cNvSpPr/>
+          <p:nvPr/>
+        </p:nvSpPr>
+        <p:spPr>
+          <a:xfrm>
+            <a:off x="0" y="6652260"/>
+            <a:ext cx="12192000" cy="296228"/>
+          </a:xfrm>
+          <a:prstGeom prst="rect">
+            <a:avLst/>
+          </a:prstGeom>
+          <a:solidFill>
+            <a:srgbClr val="008EB3"/>
+          </a:solidFill>
+          <a:ln>
+            <a:noFill/>
+          </a:ln>
+        </p:spPr>
+        <p:style>
+          <a:lnRef idx="2">
+            <a:schemeClr val="accent1">
+              <a:shade val="50000"/>
+            </a:schemeClr>
+          </a:lnRef>
+          <a:fillRef idx="1">
+            <a:schemeClr val="accent1"/>
+          </a:fillRef>
+          <a:effectRef idx="0">
+            <a:schemeClr val="accent1"/>
+          </a:effectRef>
+          <a:fontRef idx="minor">
+            <a:schemeClr val="lt1"/>
+          </a:fontRef>
+        </p:style>
+        <p:txBody>
+          <a:bodyPr rtlCol="0" anchor="ctr"/>
+          <a:lstStyle/>
+          <a:p>
+            <a:pPr algn="ctr"/>
+            <a:endParaRPr lang="de-DE">
+              <a:solidFill>
+                <a:schemeClr val="bg1"/>
+              </a:solidFill>
+            </a:endParaRPr>
+          </a:p>
+        </p:txBody>
+      </p:sp>
+    </p:spTree>
+    <p:extLst>
+      <p:ext uri="{BB962C8B-B14F-4D97-AF65-F5344CB8AC3E}">
+        <p14:creationId xmlns:p14="http://schemas.microsoft.com/office/powerpoint/2010/main" val="1774720508"/>
+      </p:ext>
+    </p:extLst>
+  </p:cSld>
+  <p:clrMapOvr>
+    <a:masterClrMapping/>
+  </p:clrMapOvr>
+</p:sld>
+</file>
+
+<file path=ppt/slides/slide7.xml><?xml version="1.0" encoding="utf-8"?>
+<p:sld xmlns:a="http://schemas.openxmlformats.org/drawingml/2006/main" xmlns:r="http://schemas.openxmlformats.org/officeDocument/2006/relationships" xmlns:p="http://schemas.openxmlformats.org/presentationml/2006/main">
+  <p:cSld>
+    <p:spTree>
+      <p:nvGrpSpPr>
+        <p:cNvPr id="1" name=""/>
+        <p:cNvGrpSpPr/>
+        <p:nvPr/>
+      </p:nvGrpSpPr>
+      <p:grpSpPr>
+        <a:xfrm>
+          <a:off x="0" y="0"/>
+          <a:ext cx="0" cy="0"/>
+          <a:chOff x="0" y="0"/>
+          <a:chExt cx="0" cy="0"/>
+        </a:xfrm>
+      </p:grpSpPr>
+      <p:sp>
+        <p:nvSpPr>
+          <p:cNvPr id="2" name="Title 1">
+            <a:extLst>
+              <a:ext uri="{FF2B5EF4-FFF2-40B4-BE49-F238E27FC236}">
+                <a16:creationId xmlns="" xmlns:a16="http://schemas.microsoft.com/office/drawing/2014/main" id="{BEA157D4-4D2F-435C-9140-A947D22EBD8A}"/>
               </a:ext>
             </a:extLst>
           </p:cNvPr>
@@ -4438,7 +8109,7 @@
           <p:cNvPr id="5" name="Content Placeholder 4">
             <a:extLst>
               <a:ext uri="{FF2B5EF4-FFF2-40B4-BE49-F238E27FC236}">
-                <a16:creationId xmlns:a16="http://schemas.microsoft.com/office/drawing/2014/main" xmlns="" id="{0FF40084-511C-41EC-98BA-78D5B14A9BC1}"/>
+                <a16:creationId xmlns="" xmlns:a16="http://schemas.microsoft.com/office/drawing/2014/main" id="{0FF40084-511C-41EC-98BA-78D5B14A9BC1}"/>
               </a:ext>
             </a:extLst>
           </p:cNvPr>
@@ -4473,7 +8144,7 @@
           <p:cNvPr id="7" name="TextBox 6">
             <a:extLst>
               <a:ext uri="{FF2B5EF4-FFF2-40B4-BE49-F238E27FC236}">
-                <a16:creationId xmlns:a16="http://schemas.microsoft.com/office/drawing/2014/main" xmlns="" id="{2A691504-3D64-46F3-918C-2E7A4992D35D}"/>
+                <a16:creationId xmlns="" xmlns:a16="http://schemas.microsoft.com/office/drawing/2014/main" id="{2A691504-3D64-46F3-918C-2E7A4992D35D}"/>
               </a:ext>
             </a:extLst>
           </p:cNvPr>
@@ -4603,7 +8274,7 @@
           <p:cNvPr id="9" name="TextBox 8">
             <a:extLst>
               <a:ext uri="{FF2B5EF4-FFF2-40B4-BE49-F238E27FC236}">
-                <a16:creationId xmlns:a16="http://schemas.microsoft.com/office/drawing/2014/main" xmlns="" id="{15B64963-8DFC-48AB-B197-A6E1237D491D}"/>
+                <a16:creationId xmlns="" xmlns:a16="http://schemas.microsoft.com/office/drawing/2014/main" id="{15B64963-8DFC-48AB-B197-A6E1237D491D}"/>
               </a:ext>
             </a:extLst>
           </p:cNvPr>
@@ -4645,7 +8316,7 @@
           <p:cNvPr id="10" name="TextBox 9">
             <a:extLst>
               <a:ext uri="{FF2B5EF4-FFF2-40B4-BE49-F238E27FC236}">
-                <a16:creationId xmlns:a16="http://schemas.microsoft.com/office/drawing/2014/main" xmlns="" id="{50C6A659-800E-46F1-9CB3-4FC7C3CD860F}"/>
+                <a16:creationId xmlns="" xmlns:a16="http://schemas.microsoft.com/office/drawing/2014/main" id="{50C6A659-800E-46F1-9CB3-4FC7C3CD860F}"/>
               </a:ext>
             </a:extLst>
           </p:cNvPr>
@@ -4872,7 +8543,7 @@
           <p:cNvPr id="14" name="Group 13">
             <a:extLst>
               <a:ext uri="{FF2B5EF4-FFF2-40B4-BE49-F238E27FC236}">
-                <a16:creationId xmlns:a16="http://schemas.microsoft.com/office/drawing/2014/main" xmlns="" id="{E6134FC8-7569-482F-A5DA-DD10968F7B20}"/>
+                <a16:creationId xmlns="" xmlns:a16="http://schemas.microsoft.com/office/drawing/2014/main" id="{E6134FC8-7569-482F-A5DA-DD10968F7B20}"/>
               </a:ext>
             </a:extLst>
           </p:cNvPr>
@@ -4892,7 +8563,7 @@
             <p:cNvPr id="11" name="Rectangle: Rounded Corners 10">
               <a:extLst>
                 <a:ext uri="{FF2B5EF4-FFF2-40B4-BE49-F238E27FC236}">
-                  <a16:creationId xmlns:a16="http://schemas.microsoft.com/office/drawing/2014/main" xmlns="" id="{F93394BE-835A-4481-8C91-B83FF62D23E4}"/>
+                  <a16:creationId xmlns="" xmlns:a16="http://schemas.microsoft.com/office/drawing/2014/main" id="{F93394BE-835A-4481-8C91-B83FF62D23E4}"/>
                 </a:ext>
               </a:extLst>
             </p:cNvPr>
@@ -4950,7 +8621,7 @@
             <p:cNvPr id="13" name="Arrow: Right 12">
               <a:extLst>
                 <a:ext uri="{FF2B5EF4-FFF2-40B4-BE49-F238E27FC236}">
-                  <a16:creationId xmlns:a16="http://schemas.microsoft.com/office/drawing/2014/main" xmlns="" id="{FDF8585B-6E40-46E1-BEC8-A6FDEDE7EFB8}"/>
+                  <a16:creationId xmlns="" xmlns:a16="http://schemas.microsoft.com/office/drawing/2014/main" id="{FDF8585B-6E40-46E1-BEC8-A6FDEDE7EFB8}"/>
                 </a:ext>
               </a:extLst>
             </p:cNvPr>
@@ -4997,7 +8668,7 @@
           <p:cNvPr id="15" name="Group 14">
             <a:extLst>
               <a:ext uri="{FF2B5EF4-FFF2-40B4-BE49-F238E27FC236}">
-                <a16:creationId xmlns:a16="http://schemas.microsoft.com/office/drawing/2014/main" xmlns="" id="{FA0AF74F-11BD-498E-9435-5ED42EB48579}"/>
+                <a16:creationId xmlns="" xmlns:a16="http://schemas.microsoft.com/office/drawing/2014/main" id="{FA0AF74F-11BD-498E-9435-5ED42EB48579}"/>
               </a:ext>
             </a:extLst>
           </p:cNvPr>
@@ -5017,7 +8688,7 @@
             <p:cNvPr id="16" name="Rectangle: Rounded Corners 15">
               <a:extLst>
                 <a:ext uri="{FF2B5EF4-FFF2-40B4-BE49-F238E27FC236}">
-                  <a16:creationId xmlns:a16="http://schemas.microsoft.com/office/drawing/2014/main" xmlns="" id="{EADA8B30-F109-4AF0-A8CA-252F80D65DC6}"/>
+                  <a16:creationId xmlns="" xmlns:a16="http://schemas.microsoft.com/office/drawing/2014/main" id="{EADA8B30-F109-4AF0-A8CA-252F80D65DC6}"/>
                 </a:ext>
               </a:extLst>
             </p:cNvPr>
@@ -5075,7 +8746,7 @@
             <p:cNvPr id="17" name="Arrow: Right 16">
               <a:extLst>
                 <a:ext uri="{FF2B5EF4-FFF2-40B4-BE49-F238E27FC236}">
-                  <a16:creationId xmlns:a16="http://schemas.microsoft.com/office/drawing/2014/main" xmlns="" id="{3BC68C74-C902-47F7-B8DC-6EEF67C4E128}"/>
+                  <a16:creationId xmlns="" xmlns:a16="http://schemas.microsoft.com/office/drawing/2014/main" id="{3BC68C74-C902-47F7-B8DC-6EEF67C4E128}"/>
                 </a:ext>
               </a:extLst>
             </p:cNvPr>
@@ -5122,7 +8793,7 @@
           <p:cNvPr id="18" name="Group 17">
             <a:extLst>
               <a:ext uri="{FF2B5EF4-FFF2-40B4-BE49-F238E27FC236}">
-                <a16:creationId xmlns:a16="http://schemas.microsoft.com/office/drawing/2014/main" xmlns="" id="{FAF63C18-EF93-4645-B591-D441BB782E3C}"/>
+                <a16:creationId xmlns="" xmlns:a16="http://schemas.microsoft.com/office/drawing/2014/main" id="{FAF63C18-EF93-4645-B591-D441BB782E3C}"/>
               </a:ext>
             </a:extLst>
           </p:cNvPr>
@@ -5142,7 +8813,7 @@
             <p:cNvPr id="19" name="Rectangle: Rounded Corners 18">
               <a:extLst>
                 <a:ext uri="{FF2B5EF4-FFF2-40B4-BE49-F238E27FC236}">
-                  <a16:creationId xmlns:a16="http://schemas.microsoft.com/office/drawing/2014/main" xmlns="" id="{2AF4A726-4C7B-4F13-A2E8-293521B5877C}"/>
+                  <a16:creationId xmlns="" xmlns:a16="http://schemas.microsoft.com/office/drawing/2014/main" id="{2AF4A726-4C7B-4F13-A2E8-293521B5877C}"/>
                 </a:ext>
               </a:extLst>
             </p:cNvPr>
@@ -5200,7 +8871,7 @@
             <p:cNvPr id="20" name="Arrow: Right 19">
               <a:extLst>
                 <a:ext uri="{FF2B5EF4-FFF2-40B4-BE49-F238E27FC236}">
-                  <a16:creationId xmlns:a16="http://schemas.microsoft.com/office/drawing/2014/main" xmlns="" id="{FBA30B10-DC79-4FBE-B9A6-58B871923EA5}"/>
+                  <a16:creationId xmlns="" xmlns:a16="http://schemas.microsoft.com/office/drawing/2014/main" id="{FBA30B10-DC79-4FBE-B9A6-58B871923EA5}"/>
                 </a:ext>
               </a:extLst>
             </p:cNvPr>
@@ -5242,6 +8913,56 @@
           </p:txBody>
         </p:sp>
       </p:grpSp>
+      <p:sp>
+        <p:nvSpPr>
+          <p:cNvPr id="23" name="Rectangle 22"/>
+          <p:cNvSpPr/>
+          <p:nvPr/>
+        </p:nvSpPr>
+        <p:spPr>
+          <a:xfrm>
+            <a:off x="0" y="6652260"/>
+            <a:ext cx="12192000" cy="296228"/>
+          </a:xfrm>
+          <a:prstGeom prst="rect">
+            <a:avLst/>
+          </a:prstGeom>
+          <a:solidFill>
+            <a:srgbClr val="008EB3"/>
+          </a:solidFill>
+          <a:ln>
+            <a:noFill/>
+          </a:ln>
+        </p:spPr>
+        <p:style>
+          <a:lnRef idx="2">
+            <a:schemeClr val="accent1">
+              <a:shade val="50000"/>
+            </a:schemeClr>
+          </a:lnRef>
+          <a:fillRef idx="1">
+            <a:schemeClr val="accent1"/>
+          </a:fillRef>
+          <a:effectRef idx="0">
+            <a:schemeClr val="accent1"/>
+          </a:effectRef>
+          <a:fontRef idx="minor">
+            <a:schemeClr val="lt1"/>
+          </a:fontRef>
+        </p:style>
+        <p:txBody>
+          <a:bodyPr rtlCol="0" anchor="ctr"/>
+          <a:lstStyle/>
+          <a:p>
+            <a:pPr algn="ctr"/>
+            <a:endParaRPr lang="de-DE">
+              <a:solidFill>
+                <a:schemeClr val="bg1"/>
+              </a:solidFill>
+            </a:endParaRPr>
+          </a:p>
+        </p:txBody>
+      </p:sp>
     </p:spTree>
     <p:extLst>
       <p:ext uri="{BB962C8B-B14F-4D97-AF65-F5344CB8AC3E}">
@@ -5255,7 +8976,7 @@
 </p:sld>
 </file>
 
-<file path=ppt/slides/slide3.xml><?xml version="1.0" encoding="utf-8"?>
+<file path=ppt/slides/slide8.xml><?xml version="1.0" encoding="utf-8"?>
 <p:sld xmlns:a="http://schemas.openxmlformats.org/drawingml/2006/main" xmlns:r="http://schemas.openxmlformats.org/officeDocument/2006/relationships" xmlns:p="http://schemas.openxmlformats.org/presentationml/2006/main">
   <p:cSld>
     <p:spTree>
@@ -5277,7 +8998,7 @@
           <p:cNvPr id="5" name="Content Placeholder 4">
             <a:extLst>
               <a:ext uri="{FF2B5EF4-FFF2-40B4-BE49-F238E27FC236}">
-                <a16:creationId xmlns:a16="http://schemas.microsoft.com/office/drawing/2014/main" xmlns="" id="{8E26EE59-CCCA-465C-A229-F910BE4C298C}"/>
+                <a16:creationId xmlns="" xmlns:a16="http://schemas.microsoft.com/office/drawing/2014/main" id="{8E26EE59-CCCA-465C-A229-F910BE4C298C}"/>
               </a:ext>
             </a:extLst>
           </p:cNvPr>
@@ -5312,7 +9033,7 @@
           <p:cNvPr id="9" name="TextBox 8">
             <a:extLst>
               <a:ext uri="{FF2B5EF4-FFF2-40B4-BE49-F238E27FC236}">
-                <a16:creationId xmlns:a16="http://schemas.microsoft.com/office/drawing/2014/main" xmlns="" id="{62AF3DBD-1B75-4248-BD66-BB933D7B27C1}"/>
+                <a16:creationId xmlns="" xmlns:a16="http://schemas.microsoft.com/office/drawing/2014/main" id="{62AF3DBD-1B75-4248-BD66-BB933D7B27C1}"/>
               </a:ext>
             </a:extLst>
           </p:cNvPr>
@@ -5442,7 +9163,7 @@
           <p:cNvPr id="12" name="Title 1">
             <a:extLst>
               <a:ext uri="{FF2B5EF4-FFF2-40B4-BE49-F238E27FC236}">
-                <a16:creationId xmlns:a16="http://schemas.microsoft.com/office/drawing/2014/main" xmlns="" id="{DCD9B9A9-8EDA-4BC7-9AF9-B033C1A11A3A}"/>
+                <a16:creationId xmlns="" xmlns:a16="http://schemas.microsoft.com/office/drawing/2014/main" id="{DCD9B9A9-8EDA-4BC7-9AF9-B033C1A11A3A}"/>
               </a:ext>
             </a:extLst>
           </p:cNvPr>
@@ -5478,7 +9199,7 @@
           <p:cNvPr id="14" name="TextBox 13">
             <a:extLst>
               <a:ext uri="{FF2B5EF4-FFF2-40B4-BE49-F238E27FC236}">
-                <a16:creationId xmlns:a16="http://schemas.microsoft.com/office/drawing/2014/main" xmlns="" id="{AD25BC93-0C10-4D62-AE5D-77AC49F57965}"/>
+                <a16:creationId xmlns="" xmlns:a16="http://schemas.microsoft.com/office/drawing/2014/main" id="{AD25BC93-0C10-4D62-AE5D-77AC49F57965}"/>
               </a:ext>
             </a:extLst>
           </p:cNvPr>
@@ -5520,7 +9241,7 @@
           <p:cNvPr id="6" name="TextBox 5">
             <a:extLst>
               <a:ext uri="{FF2B5EF4-FFF2-40B4-BE49-F238E27FC236}">
-                <a16:creationId xmlns:a16="http://schemas.microsoft.com/office/drawing/2014/main" xmlns="" id="{E469697A-C9B9-4826-A6F8-FC7623BBB27A}"/>
+                <a16:creationId xmlns="" xmlns:a16="http://schemas.microsoft.com/office/drawing/2014/main" id="{E469697A-C9B9-4826-A6F8-FC7623BBB27A}"/>
               </a:ext>
             </a:extLst>
           </p:cNvPr>
@@ -5734,7 +9455,7 @@
           <p:cNvPr id="11" name="Group 10">
             <a:extLst>
               <a:ext uri="{FF2B5EF4-FFF2-40B4-BE49-F238E27FC236}">
-                <a16:creationId xmlns:a16="http://schemas.microsoft.com/office/drawing/2014/main" xmlns="" id="{8CA83818-2F1C-4948-B254-60EC354B9012}"/>
+                <a16:creationId xmlns="" xmlns:a16="http://schemas.microsoft.com/office/drawing/2014/main" id="{8CA83818-2F1C-4948-B254-60EC354B9012}"/>
               </a:ext>
             </a:extLst>
           </p:cNvPr>
@@ -5754,7 +9475,7 @@
             <p:cNvPr id="13" name="Rectangle: Rounded Corners 12">
               <a:extLst>
                 <a:ext uri="{FF2B5EF4-FFF2-40B4-BE49-F238E27FC236}">
-                  <a16:creationId xmlns:a16="http://schemas.microsoft.com/office/drawing/2014/main" xmlns="" id="{865B8BA8-E699-4128-8EB8-2560818D8774}"/>
+                  <a16:creationId xmlns="" xmlns:a16="http://schemas.microsoft.com/office/drawing/2014/main" id="{865B8BA8-E699-4128-8EB8-2560818D8774}"/>
                 </a:ext>
               </a:extLst>
             </p:cNvPr>
@@ -5812,7 +9533,7 @@
             <p:cNvPr id="15" name="Arrow: Right 14">
               <a:extLst>
                 <a:ext uri="{FF2B5EF4-FFF2-40B4-BE49-F238E27FC236}">
-                  <a16:creationId xmlns:a16="http://schemas.microsoft.com/office/drawing/2014/main" xmlns="" id="{B7228086-8783-491C-A98C-715692029D7D}"/>
+                  <a16:creationId xmlns="" xmlns:a16="http://schemas.microsoft.com/office/drawing/2014/main" id="{B7228086-8783-491C-A98C-715692029D7D}"/>
                 </a:ext>
               </a:extLst>
             </p:cNvPr>
@@ -5859,7 +9580,7 @@
           <p:cNvPr id="16" name="Group 15">
             <a:extLst>
               <a:ext uri="{FF2B5EF4-FFF2-40B4-BE49-F238E27FC236}">
-                <a16:creationId xmlns:a16="http://schemas.microsoft.com/office/drawing/2014/main" xmlns="" id="{E0425EDB-355E-43D3-A3B9-5ACD9167DA57}"/>
+                <a16:creationId xmlns="" xmlns:a16="http://schemas.microsoft.com/office/drawing/2014/main" id="{E0425EDB-355E-43D3-A3B9-5ACD9167DA57}"/>
               </a:ext>
             </a:extLst>
           </p:cNvPr>
@@ -5879,7 +9600,7 @@
             <p:cNvPr id="17" name="Rectangle: Rounded Corners 16">
               <a:extLst>
                 <a:ext uri="{FF2B5EF4-FFF2-40B4-BE49-F238E27FC236}">
-                  <a16:creationId xmlns:a16="http://schemas.microsoft.com/office/drawing/2014/main" xmlns="" id="{22C6AEA9-BF89-4732-8137-A6516DD89E49}"/>
+                  <a16:creationId xmlns="" xmlns:a16="http://schemas.microsoft.com/office/drawing/2014/main" id="{22C6AEA9-BF89-4732-8137-A6516DD89E49}"/>
                 </a:ext>
               </a:extLst>
             </p:cNvPr>
@@ -5937,7 +9658,7 @@
             <p:cNvPr id="18" name="Arrow: Right 17">
               <a:extLst>
                 <a:ext uri="{FF2B5EF4-FFF2-40B4-BE49-F238E27FC236}">
-                  <a16:creationId xmlns:a16="http://schemas.microsoft.com/office/drawing/2014/main" xmlns="" id="{92012C18-A931-40BB-86C7-DCC7AEC783AD}"/>
+                  <a16:creationId xmlns="" xmlns:a16="http://schemas.microsoft.com/office/drawing/2014/main" id="{92012C18-A931-40BB-86C7-DCC7AEC783AD}"/>
                 </a:ext>
               </a:extLst>
             </p:cNvPr>
@@ -5984,7 +9705,7 @@
           <p:cNvPr id="19" name="Group 18">
             <a:extLst>
               <a:ext uri="{FF2B5EF4-FFF2-40B4-BE49-F238E27FC236}">
-                <a16:creationId xmlns:a16="http://schemas.microsoft.com/office/drawing/2014/main" xmlns="" id="{5B3FC0C0-36F2-4DE7-A3D8-00A8DA33D244}"/>
+                <a16:creationId xmlns="" xmlns:a16="http://schemas.microsoft.com/office/drawing/2014/main" id="{5B3FC0C0-36F2-4DE7-A3D8-00A8DA33D244}"/>
               </a:ext>
             </a:extLst>
           </p:cNvPr>
@@ -6004,7 +9725,7 @@
             <p:cNvPr id="20" name="Rectangle: Rounded Corners 19">
               <a:extLst>
                 <a:ext uri="{FF2B5EF4-FFF2-40B4-BE49-F238E27FC236}">
-                  <a16:creationId xmlns:a16="http://schemas.microsoft.com/office/drawing/2014/main" xmlns="" id="{64A84BF5-EFAF-4074-AD71-D6B011CE5580}"/>
+                  <a16:creationId xmlns="" xmlns:a16="http://schemas.microsoft.com/office/drawing/2014/main" id="{64A84BF5-EFAF-4074-AD71-D6B011CE5580}"/>
                 </a:ext>
               </a:extLst>
             </p:cNvPr>
@@ -6062,7 +9783,7 @@
             <p:cNvPr id="21" name="Arrow: Right 20">
               <a:extLst>
                 <a:ext uri="{FF2B5EF4-FFF2-40B4-BE49-F238E27FC236}">
-                  <a16:creationId xmlns:a16="http://schemas.microsoft.com/office/drawing/2014/main" xmlns="" id="{91D7A050-1BDB-4261-998F-2FAEFFD7D4AC}"/>
+                  <a16:creationId xmlns="" xmlns:a16="http://schemas.microsoft.com/office/drawing/2014/main" id="{91D7A050-1BDB-4261-998F-2FAEFFD7D4AC}"/>
                 </a:ext>
               </a:extLst>
             </p:cNvPr>
@@ -6104,6 +9825,56 @@
           </p:txBody>
         </p:sp>
       </p:grpSp>
+      <p:sp>
+        <p:nvSpPr>
+          <p:cNvPr id="22" name="Rectangle 21"/>
+          <p:cNvSpPr/>
+          <p:nvPr/>
+        </p:nvSpPr>
+        <p:spPr>
+          <a:xfrm>
+            <a:off x="0" y="6652260"/>
+            <a:ext cx="12192000" cy="296228"/>
+          </a:xfrm>
+          <a:prstGeom prst="rect">
+            <a:avLst/>
+          </a:prstGeom>
+          <a:solidFill>
+            <a:srgbClr val="008EB3"/>
+          </a:solidFill>
+          <a:ln>
+            <a:noFill/>
+          </a:ln>
+        </p:spPr>
+        <p:style>
+          <a:lnRef idx="2">
+            <a:schemeClr val="accent1">
+              <a:shade val="50000"/>
+            </a:schemeClr>
+          </a:lnRef>
+          <a:fillRef idx="1">
+            <a:schemeClr val="accent1"/>
+          </a:fillRef>
+          <a:effectRef idx="0">
+            <a:schemeClr val="accent1"/>
+          </a:effectRef>
+          <a:fontRef idx="minor">
+            <a:schemeClr val="lt1"/>
+          </a:fontRef>
+        </p:style>
+        <p:txBody>
+          <a:bodyPr rtlCol="0" anchor="ctr"/>
+          <a:lstStyle/>
+          <a:p>
+            <a:pPr algn="ctr"/>
+            <a:endParaRPr lang="de-DE">
+              <a:solidFill>
+                <a:schemeClr val="bg1"/>
+              </a:solidFill>
+            </a:endParaRPr>
+          </a:p>
+        </p:txBody>
+      </p:sp>
     </p:spTree>
     <p:extLst>
       <p:ext uri="{BB962C8B-B14F-4D97-AF65-F5344CB8AC3E}">
@@ -6117,7 +9888,7 @@
 </p:sld>
 </file>
 
-<file path=ppt/slides/slide4.xml><?xml version="1.0" encoding="utf-8"?>
+<file path=ppt/slides/slide9.xml><?xml version="1.0" encoding="utf-8"?>
 <p:sld xmlns:a="http://schemas.openxmlformats.org/drawingml/2006/main" xmlns:r="http://schemas.openxmlformats.org/officeDocument/2006/relationships" xmlns:p="http://schemas.openxmlformats.org/presentationml/2006/main">
   <p:cSld>
     <p:spTree>
@@ -6139,7 +9910,7 @@
           <p:cNvPr id="9" name="Content Placeholder 8">
             <a:extLst>
               <a:ext uri="{FF2B5EF4-FFF2-40B4-BE49-F238E27FC236}">
-                <a16:creationId xmlns:a16="http://schemas.microsoft.com/office/drawing/2014/main" xmlns="" id="{C6F7B156-8F11-432C-B2CE-327CBB0BAEC6}"/>
+                <a16:creationId xmlns="" xmlns:a16="http://schemas.microsoft.com/office/drawing/2014/main" id="{C6F7B156-8F11-432C-B2CE-327CBB0BAEC6}"/>
               </a:ext>
             </a:extLst>
           </p:cNvPr>
@@ -6174,7 +9945,7 @@
           <p:cNvPr id="14" name="TextBox 13">
             <a:extLst>
               <a:ext uri="{FF2B5EF4-FFF2-40B4-BE49-F238E27FC236}">
-                <a16:creationId xmlns:a16="http://schemas.microsoft.com/office/drawing/2014/main" xmlns="" id="{B6A3A62F-5AB5-43E2-BCCD-190F19B4EE62}"/>
+                <a16:creationId xmlns="" xmlns:a16="http://schemas.microsoft.com/office/drawing/2014/main" id="{B6A3A62F-5AB5-43E2-BCCD-190F19B4EE62}"/>
               </a:ext>
             </a:extLst>
           </p:cNvPr>
@@ -6326,7 +10097,7 @@
           <p:cNvPr id="17" name="Title 1">
             <a:extLst>
               <a:ext uri="{FF2B5EF4-FFF2-40B4-BE49-F238E27FC236}">
-                <a16:creationId xmlns:a16="http://schemas.microsoft.com/office/drawing/2014/main" xmlns="" id="{6FCC0EDB-2B4D-4B21-AD89-55E7BBF10585}"/>
+                <a16:creationId xmlns="" xmlns:a16="http://schemas.microsoft.com/office/drawing/2014/main" id="{6FCC0EDB-2B4D-4B21-AD89-55E7BBF10585}"/>
               </a:ext>
             </a:extLst>
           </p:cNvPr>
@@ -6362,7 +10133,7 @@
           <p:cNvPr id="19" name="TextBox 18">
             <a:extLst>
               <a:ext uri="{FF2B5EF4-FFF2-40B4-BE49-F238E27FC236}">
-                <a16:creationId xmlns:a16="http://schemas.microsoft.com/office/drawing/2014/main" xmlns="" id="{1FCA077D-8E0C-4F1E-B248-1DE404A9F082}"/>
+                <a16:creationId xmlns="" xmlns:a16="http://schemas.microsoft.com/office/drawing/2014/main" id="{1FCA077D-8E0C-4F1E-B248-1DE404A9F082}"/>
               </a:ext>
             </a:extLst>
           </p:cNvPr>
@@ -6553,7 +10324,7 @@
           <p:cNvPr id="6" name="TextBox 5">
             <a:extLst>
               <a:ext uri="{FF2B5EF4-FFF2-40B4-BE49-F238E27FC236}">
-                <a16:creationId xmlns:a16="http://schemas.microsoft.com/office/drawing/2014/main" xmlns="" id="{847A6691-6F0C-4EB0-A43A-FDF4E76C85AD}"/>
+                <a16:creationId xmlns="" xmlns:a16="http://schemas.microsoft.com/office/drawing/2014/main" id="{847A6691-6F0C-4EB0-A43A-FDF4E76C85AD}"/>
               </a:ext>
             </a:extLst>
           </p:cNvPr>
@@ -6740,7 +10511,7 @@
           <p:cNvPr id="7" name="Group 6">
             <a:extLst>
               <a:ext uri="{FF2B5EF4-FFF2-40B4-BE49-F238E27FC236}">
-                <a16:creationId xmlns:a16="http://schemas.microsoft.com/office/drawing/2014/main" xmlns="" id="{4906C91C-1F12-47A7-8879-3FEE86B69DEA}"/>
+                <a16:creationId xmlns="" xmlns:a16="http://schemas.microsoft.com/office/drawing/2014/main" id="{4906C91C-1F12-47A7-8879-3FEE86B69DEA}"/>
               </a:ext>
             </a:extLst>
           </p:cNvPr>
@@ -6760,7 +10531,7 @@
             <p:cNvPr id="8" name="Rectangle: Rounded Corners 7">
               <a:extLst>
                 <a:ext uri="{FF2B5EF4-FFF2-40B4-BE49-F238E27FC236}">
-                  <a16:creationId xmlns:a16="http://schemas.microsoft.com/office/drawing/2014/main" xmlns="" id="{01D0CE59-093F-43F7-941D-761EB1F5F0D0}"/>
+                  <a16:creationId xmlns="" xmlns:a16="http://schemas.microsoft.com/office/drawing/2014/main" id="{01D0CE59-093F-43F7-941D-761EB1F5F0D0}"/>
                 </a:ext>
               </a:extLst>
             </p:cNvPr>
@@ -6818,7 +10589,7 @@
             <p:cNvPr id="10" name="Arrow: Right 9">
               <a:extLst>
                 <a:ext uri="{FF2B5EF4-FFF2-40B4-BE49-F238E27FC236}">
-                  <a16:creationId xmlns:a16="http://schemas.microsoft.com/office/drawing/2014/main" xmlns="" id="{183B7A30-A574-403C-BFD2-09A735D67B39}"/>
+                  <a16:creationId xmlns="" xmlns:a16="http://schemas.microsoft.com/office/drawing/2014/main" id="{183B7A30-A574-403C-BFD2-09A735D67B39}"/>
                 </a:ext>
               </a:extLst>
             </p:cNvPr>
@@ -6865,7 +10636,7 @@
           <p:cNvPr id="11" name="Group 10">
             <a:extLst>
               <a:ext uri="{FF2B5EF4-FFF2-40B4-BE49-F238E27FC236}">
-                <a16:creationId xmlns:a16="http://schemas.microsoft.com/office/drawing/2014/main" xmlns="" id="{2B733B38-C7FA-4AD5-B422-8A1695ECD9D5}"/>
+                <a16:creationId xmlns="" xmlns:a16="http://schemas.microsoft.com/office/drawing/2014/main" id="{2B733B38-C7FA-4AD5-B422-8A1695ECD9D5}"/>
               </a:ext>
             </a:extLst>
           </p:cNvPr>
@@ -6885,7 +10656,7 @@
             <p:cNvPr id="12" name="Rectangle: Rounded Corners 11">
               <a:extLst>
                 <a:ext uri="{FF2B5EF4-FFF2-40B4-BE49-F238E27FC236}">
-                  <a16:creationId xmlns:a16="http://schemas.microsoft.com/office/drawing/2014/main" xmlns="" id="{C64C6560-0928-459D-8F3E-D8646B6E89F3}"/>
+                  <a16:creationId xmlns="" xmlns:a16="http://schemas.microsoft.com/office/drawing/2014/main" id="{C64C6560-0928-459D-8F3E-D8646B6E89F3}"/>
                 </a:ext>
               </a:extLst>
             </p:cNvPr>
@@ -6962,7 +10733,7 @@
             <p:cNvPr id="13" name="Arrow: Right 12">
               <a:extLst>
                 <a:ext uri="{FF2B5EF4-FFF2-40B4-BE49-F238E27FC236}">
-                  <a16:creationId xmlns:a16="http://schemas.microsoft.com/office/drawing/2014/main" xmlns="" id="{64432522-C1B2-4CAB-9D5B-DC8A631D1F48}"/>
+                  <a16:creationId xmlns="" xmlns:a16="http://schemas.microsoft.com/office/drawing/2014/main" id="{64432522-C1B2-4CAB-9D5B-DC8A631D1F48}"/>
                 </a:ext>
               </a:extLst>
             </p:cNvPr>
@@ -7009,7 +10780,7 @@
           <p:cNvPr id="15" name="Group 14">
             <a:extLst>
               <a:ext uri="{FF2B5EF4-FFF2-40B4-BE49-F238E27FC236}">
-                <a16:creationId xmlns:a16="http://schemas.microsoft.com/office/drawing/2014/main" xmlns="" id="{1151F04F-0E1D-4066-B770-340A5B9B3972}"/>
+                <a16:creationId xmlns="" xmlns:a16="http://schemas.microsoft.com/office/drawing/2014/main" id="{1151F04F-0E1D-4066-B770-340A5B9B3972}"/>
               </a:ext>
             </a:extLst>
           </p:cNvPr>
@@ -7029,7 +10800,7 @@
             <p:cNvPr id="16" name="Rectangle: Rounded Corners 15">
               <a:extLst>
                 <a:ext uri="{FF2B5EF4-FFF2-40B4-BE49-F238E27FC236}">
-                  <a16:creationId xmlns:a16="http://schemas.microsoft.com/office/drawing/2014/main" xmlns="" id="{275BBA66-0F5B-4EFA-AC11-DC88C65BC70E}"/>
+                  <a16:creationId xmlns="" xmlns:a16="http://schemas.microsoft.com/office/drawing/2014/main" id="{275BBA66-0F5B-4EFA-AC11-DC88C65BC70E}"/>
                 </a:ext>
               </a:extLst>
             </p:cNvPr>
@@ -7087,7 +10858,7 @@
             <p:cNvPr id="18" name="Arrow: Right 17">
               <a:extLst>
                 <a:ext uri="{FF2B5EF4-FFF2-40B4-BE49-F238E27FC236}">
-                  <a16:creationId xmlns:a16="http://schemas.microsoft.com/office/drawing/2014/main" xmlns="" id="{F31393C4-573F-4B19-8147-E98942AFCA7A}"/>
+                  <a16:creationId xmlns="" xmlns:a16="http://schemas.microsoft.com/office/drawing/2014/main" id="{F31393C4-573F-4B19-8147-E98942AFCA7A}"/>
                 </a:ext>
               </a:extLst>
             </p:cNvPr>
@@ -7129,2258 +10900,60 @@
           </p:txBody>
         </p:sp>
       </p:grpSp>
+      <p:sp>
+        <p:nvSpPr>
+          <p:cNvPr id="20" name="Rectangle 19"/>
+          <p:cNvSpPr/>
+          <p:nvPr/>
+        </p:nvSpPr>
+        <p:spPr>
+          <a:xfrm>
+            <a:off x="0" y="6652260"/>
+            <a:ext cx="12192000" cy="296228"/>
+          </a:xfrm>
+          <a:prstGeom prst="rect">
+            <a:avLst/>
+          </a:prstGeom>
+          <a:solidFill>
+            <a:srgbClr val="008EB3"/>
+          </a:solidFill>
+          <a:ln>
+            <a:noFill/>
+          </a:ln>
+        </p:spPr>
+        <p:style>
+          <a:lnRef idx="2">
+            <a:schemeClr val="accent1">
+              <a:shade val="50000"/>
+            </a:schemeClr>
+          </a:lnRef>
+          <a:fillRef idx="1">
+            <a:schemeClr val="accent1"/>
+          </a:fillRef>
+          <a:effectRef idx="0">
+            <a:schemeClr val="accent1"/>
+          </a:effectRef>
+          <a:fontRef idx="minor">
+            <a:schemeClr val="lt1"/>
+          </a:fontRef>
+        </p:style>
+        <p:txBody>
+          <a:bodyPr rtlCol="0" anchor="ctr"/>
+          <a:lstStyle/>
+          <a:p>
+            <a:pPr algn="ctr"/>
+            <a:endParaRPr lang="de-DE">
+              <a:solidFill>
+                <a:schemeClr val="bg1"/>
+              </a:solidFill>
+            </a:endParaRPr>
+          </a:p>
+        </p:txBody>
+      </p:sp>
     </p:spTree>
     <p:extLst>
       <p:ext uri="{BB962C8B-B14F-4D97-AF65-F5344CB8AC3E}">
         <p14:creationId xmlns:p14="http://schemas.microsoft.com/office/powerpoint/2010/main" val="1114487986"/>
-      </p:ext>
-    </p:extLst>
-  </p:cSld>
-  <p:clrMapOvr>
-    <a:masterClrMapping/>
-  </p:clrMapOvr>
-</p:sld>
-</file>
-
-<file path=ppt/slides/slide5.xml><?xml version="1.0" encoding="utf-8"?>
-<p:sld xmlns:a="http://schemas.openxmlformats.org/drawingml/2006/main" xmlns:r="http://schemas.openxmlformats.org/officeDocument/2006/relationships" xmlns:p="http://schemas.openxmlformats.org/presentationml/2006/main">
-  <p:cSld>
-    <p:spTree>
-      <p:nvGrpSpPr>
-        <p:cNvPr id="1" name=""/>
-        <p:cNvGrpSpPr/>
-        <p:nvPr/>
-      </p:nvGrpSpPr>
-      <p:grpSpPr>
-        <a:xfrm>
-          <a:off x="0" y="0"/>
-          <a:ext cx="0" cy="0"/>
-          <a:chOff x="0" y="0"/>
-          <a:chExt cx="0" cy="0"/>
-        </a:xfrm>
-      </p:grpSpPr>
-      <p:pic>
-        <p:nvPicPr>
-          <p:cNvPr id="6" name="Content Placeholder 5">
-            <a:extLst>
-              <a:ext uri="{FF2B5EF4-FFF2-40B4-BE49-F238E27FC236}">
-                <a16:creationId xmlns:a16="http://schemas.microsoft.com/office/drawing/2014/main" xmlns="" id="{33B2250B-9EA8-4F72-83BA-EAF6FCB9B2F5}"/>
-              </a:ext>
-            </a:extLst>
-          </p:cNvPr>
-          <p:cNvPicPr>
-            <a:picLocks noGrp="1" noChangeAspect="1"/>
-          </p:cNvPicPr>
-          <p:nvPr>
-            <p:ph idx="1"/>
-          </p:nvPr>
-        </p:nvPicPr>
-        <p:blipFill>
-          <a:blip r:embed="rId2">
-            <a:extLst>
-              <a:ext uri="{28A0092B-C50C-407E-A947-70E740481C1C}">
-                <a14:useLocalDpi xmlns:a14="http://schemas.microsoft.com/office/drawing/2010/main" val="0"/>
-              </a:ext>
-            </a:extLst>
-          </a:blip>
-          <a:stretch>
-            <a:fillRect/>
-          </a:stretch>
-        </p:blipFill>
-        <p:spPr>
-          <a:xfrm>
-            <a:off x="331679" y="319209"/>
-            <a:ext cx="3758472" cy="2738986"/>
-          </a:xfrm>
-        </p:spPr>
-      </p:pic>
-      <p:sp>
-        <p:nvSpPr>
-          <p:cNvPr id="12" name="TextBox 11">
-            <a:extLst>
-              <a:ext uri="{FF2B5EF4-FFF2-40B4-BE49-F238E27FC236}">
-                <a16:creationId xmlns:a16="http://schemas.microsoft.com/office/drawing/2014/main" xmlns="" id="{DA487378-0C29-4DB0-9248-58A8D7423A4F}"/>
-              </a:ext>
-            </a:extLst>
-          </p:cNvPr>
-          <p:cNvSpPr txBox="1"/>
-          <p:nvPr/>
-        </p:nvSpPr>
-        <p:spPr>
-          <a:xfrm>
-            <a:off x="321160" y="3187337"/>
-            <a:ext cx="3758472" cy="646331"/>
-          </a:xfrm>
-          <a:prstGeom prst="rect">
-            <a:avLst/>
-          </a:prstGeom>
-          <a:noFill/>
-        </p:spPr>
-        <p:txBody>
-          <a:bodyPr wrap="square" rtlCol="0">
-            <a:spAutoFit/>
-          </a:bodyPr>
-          <a:lstStyle/>
-          <a:p>
-            <a:r>
-              <a:rPr lang="en-US" dirty="0">
-                <a:solidFill>
-                  <a:schemeClr val="tx1">
-                    <a:lumMod val="50000"/>
-                    <a:lumOff val="50000"/>
-                  </a:schemeClr>
-                </a:solidFill>
-              </a:rPr>
-              <a:t>“Ich will </a:t>
-            </a:r>
-            <a:r>
-              <a:rPr lang="en-US" dirty="0" err="1">
-                <a:solidFill>
-                  <a:schemeClr val="tx1">
-                    <a:lumMod val="50000"/>
-                    <a:lumOff val="50000"/>
-                  </a:schemeClr>
-                </a:solidFill>
-              </a:rPr>
-              <a:t>mit</a:t>
-            </a:r>
-            <a:r>
-              <a:rPr lang="en-US" dirty="0">
-                <a:solidFill>
-                  <a:schemeClr val="tx1">
-                    <a:lumMod val="50000"/>
-                    <a:lumOff val="50000"/>
-                  </a:schemeClr>
-                </a:solidFill>
-              </a:rPr>
-              <a:t> </a:t>
-            </a:r>
-            <a:r>
-              <a:rPr lang="en-US" dirty="0" err="1">
-                <a:solidFill>
-                  <a:schemeClr val="tx1">
-                    <a:lumMod val="50000"/>
-                    <a:lumOff val="50000"/>
-                  </a:schemeClr>
-                </a:solidFill>
-              </a:rPr>
-              <a:t>meiner</a:t>
-            </a:r>
-            <a:r>
-              <a:rPr lang="en-US" dirty="0">
-                <a:solidFill>
-                  <a:schemeClr val="tx1">
-                    <a:lumMod val="50000"/>
-                    <a:lumOff val="50000"/>
-                  </a:schemeClr>
-                </a:solidFill>
-              </a:rPr>
-              <a:t> </a:t>
-            </a:r>
-            <a:r>
-              <a:rPr lang="en-US" dirty="0" err="1">
-                <a:solidFill>
-                  <a:schemeClr val="tx1">
-                    <a:lumMod val="50000"/>
-                    <a:lumOff val="50000"/>
-                  </a:schemeClr>
-                </a:solidFill>
-              </a:rPr>
-              <a:t>Arbeit</a:t>
-            </a:r>
-            <a:r>
-              <a:rPr lang="en-US" dirty="0">
-                <a:solidFill>
-                  <a:schemeClr val="tx1">
-                    <a:lumMod val="50000"/>
-                    <a:lumOff val="50000"/>
-                  </a:schemeClr>
-                </a:solidFill>
-              </a:rPr>
-              <a:t> Leben </a:t>
-            </a:r>
-            <a:r>
-              <a:rPr lang="en-US" dirty="0" err="1">
-                <a:solidFill>
-                  <a:schemeClr val="tx1">
-                    <a:lumMod val="50000"/>
-                    <a:lumOff val="50000"/>
-                  </a:schemeClr>
-                </a:solidFill>
-              </a:rPr>
-              <a:t>retten</a:t>
-            </a:r>
-            <a:r>
-              <a:rPr lang="en-US" dirty="0">
-                <a:solidFill>
-                  <a:schemeClr val="tx1">
-                    <a:lumMod val="50000"/>
-                    <a:lumOff val="50000"/>
-                  </a:schemeClr>
-                </a:solidFill>
-              </a:rPr>
-              <a:t>”</a:t>
-            </a:r>
-          </a:p>
-        </p:txBody>
-      </p:sp>
-      <p:sp>
-        <p:nvSpPr>
-          <p:cNvPr id="15" name="Title 1">
-            <a:extLst>
-              <a:ext uri="{FF2B5EF4-FFF2-40B4-BE49-F238E27FC236}">
-                <a16:creationId xmlns:a16="http://schemas.microsoft.com/office/drawing/2014/main" xmlns="" id="{2CFED99B-A86A-46D7-90D3-41E60B7715F8}"/>
-              </a:ext>
-            </a:extLst>
-          </p:cNvPr>
-          <p:cNvSpPr txBox="1">
-            <a:spLocks/>
-          </p:cNvSpPr>
-          <p:nvPr/>
-        </p:nvSpPr>
-        <p:spPr>
-          <a:xfrm>
-            <a:off x="4242412" y="324869"/>
-            <a:ext cx="6945923" cy="641783"/>
-          </a:xfrm>
-          <a:prstGeom prst="rect">
-            <a:avLst/>
-          </a:prstGeom>
-        </p:spPr>
-        <p:txBody>
-          <a:bodyPr vert="horz" lIns="91440" tIns="45720" rIns="91440" bIns="45720" rtlCol="0" anchor="ctr">
-            <a:normAutofit fontScale="90000" lnSpcReduction="10000"/>
-          </a:bodyPr>
-          <a:lstStyle>
-            <a:lvl1pPr algn="l" defTabSz="914400" rtl="0" eaLnBrk="1" latinLnBrk="0" hangingPunct="1">
-              <a:lnSpc>
-                <a:spcPct val="90000"/>
-              </a:lnSpc>
-              <a:spcBef>
-                <a:spcPct val="0"/>
-              </a:spcBef>
-              <a:buNone/>
-              <a:defRPr sz="4400" kern="1200">
-                <a:solidFill>
-                  <a:schemeClr val="tx1"/>
-                </a:solidFill>
-                <a:latin typeface="+mj-lt"/>
-                <a:ea typeface="+mj-ea"/>
-                <a:cs typeface="+mj-cs"/>
-              </a:defRPr>
-            </a:lvl1pPr>
-          </a:lstStyle>
-          <a:p>
-            <a:r>
-              <a:rPr lang="en-US" sz="4900" dirty="0"/>
-              <a:t>Hans Müller</a:t>
-            </a:r>
-            <a:endParaRPr lang="en-US" dirty="0"/>
-          </a:p>
-        </p:txBody>
-      </p:sp>
-      <p:sp>
-        <p:nvSpPr>
-          <p:cNvPr id="18" name="TextBox 17">
-            <a:extLst>
-              <a:ext uri="{FF2B5EF4-FFF2-40B4-BE49-F238E27FC236}">
-                <a16:creationId xmlns:a16="http://schemas.microsoft.com/office/drawing/2014/main" xmlns="" id="{3AA3F62D-92D1-4EC5-AC48-EC75F67A3F00}"/>
-              </a:ext>
-            </a:extLst>
-          </p:cNvPr>
-          <p:cNvSpPr txBox="1"/>
-          <p:nvPr/>
-        </p:nvSpPr>
-        <p:spPr>
-          <a:xfrm>
-            <a:off x="418011" y="3892731"/>
-            <a:ext cx="3587932" cy="2031325"/>
-          </a:xfrm>
-          <a:prstGeom prst="rect">
-            <a:avLst/>
-          </a:prstGeom>
-          <a:noFill/>
-        </p:spPr>
-        <p:txBody>
-          <a:bodyPr wrap="square" rtlCol="0">
-            <a:spAutoFit/>
-          </a:bodyPr>
-          <a:lstStyle/>
-          <a:p>
-            <a:r>
-              <a:rPr lang="de-DE" dirty="0"/>
-              <a:t>Hans arbeitete 10 Jahre beim Strassenverkehrsamt bis er vor 2 Jahren kündigte. Heute arbeitet er für unsere Firma.</a:t>
-            </a:r>
-          </a:p>
-          <a:p>
-            <a:r>
-              <a:rPr lang="de-DE" dirty="0"/>
-              <a:t>Hans überprüft alle Führerscheine und Autonummern über das Strassenverkehrsamt.</a:t>
-            </a:r>
-            <a:endParaRPr lang="en-US" dirty="0"/>
-          </a:p>
-        </p:txBody>
-      </p:sp>
-      <p:sp>
-        <p:nvSpPr>
-          <p:cNvPr id="7" name="TextBox 6">
-            <a:extLst>
-              <a:ext uri="{FF2B5EF4-FFF2-40B4-BE49-F238E27FC236}">
-                <a16:creationId xmlns:a16="http://schemas.microsoft.com/office/drawing/2014/main" xmlns="" id="{BF2B5BCC-0EF5-4E73-B220-BB342B940170}"/>
-              </a:ext>
-            </a:extLst>
-          </p:cNvPr>
-          <p:cNvSpPr txBox="1"/>
-          <p:nvPr/>
-        </p:nvSpPr>
-        <p:spPr>
-          <a:xfrm>
-            <a:off x="4380412" y="966652"/>
-            <a:ext cx="4397828" cy="5386090"/>
-          </a:xfrm>
-          <a:prstGeom prst="rect">
-            <a:avLst/>
-          </a:prstGeom>
-          <a:noFill/>
-        </p:spPr>
-        <p:txBody>
-          <a:bodyPr wrap="square" rtlCol="0">
-            <a:spAutoFit/>
-          </a:bodyPr>
-          <a:lstStyle/>
-          <a:p>
-            <a:r>
-              <a:rPr lang="de-CH" sz="1600" dirty="0"/>
-              <a:t>Personalien</a:t>
-            </a:r>
-          </a:p>
-          <a:p>
-            <a:pPr marL="285750" indent="-285750">
-              <a:buFont typeface="Arial" panose="020B0604020202020204" pitchFamily="34" charset="0"/>
-              <a:buChar char="•"/>
-            </a:pPr>
-            <a:r>
-              <a:rPr lang="de-CH" sz="1200" dirty="0"/>
-              <a:t>Name: Hans Müller</a:t>
-            </a:r>
-          </a:p>
-          <a:p>
-            <a:pPr marL="285750" indent="-285750">
-              <a:buFont typeface="Arial" panose="020B0604020202020204" pitchFamily="34" charset="0"/>
-              <a:buChar char="•"/>
-            </a:pPr>
-            <a:r>
-              <a:rPr lang="de-CH" sz="1200" dirty="0"/>
-              <a:t>Beruf: Büroangestellter unserer Firma</a:t>
-            </a:r>
-          </a:p>
-          <a:p>
-            <a:pPr marL="285750" indent="-285750">
-              <a:buFont typeface="Arial" panose="020B0604020202020204" pitchFamily="34" charset="0"/>
-              <a:buChar char="•"/>
-            </a:pPr>
-            <a:r>
-              <a:rPr lang="de-CH" sz="1200" dirty="0"/>
-              <a:t>Alter:  35 </a:t>
-            </a:r>
-          </a:p>
-          <a:p>
-            <a:pPr marL="285750" indent="-285750">
-              <a:buFont typeface="Arial" panose="020B0604020202020204" pitchFamily="34" charset="0"/>
-              <a:buChar char="•"/>
-            </a:pPr>
-            <a:r>
-              <a:rPr lang="de-CH" sz="1200" dirty="0"/>
-              <a:t>Verheiratet</a:t>
-            </a:r>
-          </a:p>
-          <a:p>
-            <a:endParaRPr lang="de-CH" sz="1600" dirty="0"/>
-          </a:p>
-          <a:p>
-            <a:r>
-              <a:rPr lang="de-CH" sz="1600" dirty="0"/>
-              <a:t>Motivation</a:t>
-            </a:r>
-          </a:p>
-          <a:p>
-            <a:pPr marL="285750" indent="-285750">
-              <a:buFont typeface="Arial" panose="020B0604020202020204" pitchFamily="34" charset="0"/>
-              <a:buChar char="•"/>
-            </a:pPr>
-            <a:r>
-              <a:rPr lang="de-CH" sz="1200" dirty="0"/>
-              <a:t>Strassen sicherer machen</a:t>
-            </a:r>
-          </a:p>
-          <a:p>
-            <a:endParaRPr lang="de-CH" sz="1600" dirty="0"/>
-          </a:p>
-          <a:p>
-            <a:r>
-              <a:rPr lang="de-CH" sz="1600" dirty="0"/>
-              <a:t>Frustration</a:t>
-            </a:r>
-          </a:p>
-          <a:p>
-            <a:pPr marL="285750" indent="-285750">
-              <a:buFont typeface="Arial" panose="020B0604020202020204" pitchFamily="34" charset="0"/>
-              <a:buChar char="•"/>
-            </a:pPr>
-            <a:r>
-              <a:rPr lang="de-CH" sz="1200" dirty="0"/>
-              <a:t>Mehrfachanträge von nicht Fahrtüchtigen Personen</a:t>
-            </a:r>
-          </a:p>
-          <a:p>
-            <a:pPr marL="285750" indent="-285750">
-              <a:buFont typeface="Arial" panose="020B0604020202020204" pitchFamily="34" charset="0"/>
-              <a:buChar char="•"/>
-            </a:pPr>
-            <a:r>
-              <a:rPr lang="de-CH" sz="1200" dirty="0"/>
-              <a:t>Schwierigkeit zu überprüfen, dass es sich bei den Anträgen wirklich um die gesagte Person handelt</a:t>
-            </a:r>
-          </a:p>
-          <a:p>
-            <a:endParaRPr lang="de-CH" sz="1600" dirty="0"/>
-          </a:p>
-          <a:p>
-            <a:r>
-              <a:rPr lang="de-CH" sz="1600" dirty="0"/>
-              <a:t>Experience Goals</a:t>
-            </a:r>
-          </a:p>
-          <a:p>
-            <a:pPr marL="285750" indent="-285750">
-              <a:buFont typeface="Arial" panose="020B0604020202020204" pitchFamily="34" charset="0"/>
-              <a:buChar char="•"/>
-            </a:pPr>
-            <a:r>
-              <a:rPr lang="de-CH" sz="1200" dirty="0"/>
-              <a:t>Automatische Ausordnung von mehrfachen Anträgen</a:t>
-            </a:r>
-          </a:p>
-          <a:p>
-            <a:pPr marL="285750" indent="-285750">
-              <a:buFont typeface="Arial" panose="020B0604020202020204" pitchFamily="34" charset="0"/>
-              <a:buChar char="•"/>
-            </a:pPr>
-            <a:r>
-              <a:rPr lang="de-CH" sz="1200" dirty="0"/>
-              <a:t>Automatische überprüfung, ob der Fahrausweis bereits vorhanden ist</a:t>
-            </a:r>
-          </a:p>
-          <a:p>
-            <a:pPr marL="285750" indent="-285750">
-              <a:buFont typeface="Arial" panose="020B0604020202020204" pitchFamily="34" charset="0"/>
-              <a:buChar char="•"/>
-            </a:pPr>
-            <a:r>
-              <a:rPr lang="de-CH" sz="1200" dirty="0"/>
-              <a:t>Automatischer Informationsaustausch mit Verkehrsamt</a:t>
-            </a:r>
-          </a:p>
-          <a:p>
-            <a:pPr marL="285750" indent="-285750">
-              <a:buFont typeface="Arial" panose="020B0604020202020204" pitchFamily="34" charset="0"/>
-              <a:buChar char="•"/>
-            </a:pPr>
-            <a:r>
-              <a:rPr lang="de-CH" sz="1200" dirty="0"/>
-              <a:t>Möglichkeit, die Anträge zu ordnen</a:t>
-            </a:r>
-          </a:p>
-          <a:p>
-            <a:endParaRPr lang="de-CH" sz="1600" dirty="0"/>
-          </a:p>
-          <a:p>
-            <a:r>
-              <a:rPr lang="de-CH" sz="1600" dirty="0"/>
-              <a:t>End Goals</a:t>
-            </a:r>
-          </a:p>
-          <a:p>
-            <a:pPr marL="285750" indent="-285750">
-              <a:buFont typeface="Arial" panose="020B0604020202020204" pitchFamily="34" charset="0"/>
-              <a:buChar char="•"/>
-            </a:pPr>
-            <a:r>
-              <a:rPr lang="de-CH" sz="1200" dirty="0"/>
-              <a:t>Alle Anträge zeitgerecht und korrekt bearbeiten</a:t>
-            </a:r>
-          </a:p>
-          <a:p>
-            <a:endParaRPr lang="de-CH" sz="1600" dirty="0"/>
-          </a:p>
-          <a:p>
-            <a:endParaRPr lang="de-CH" sz="1600" dirty="0"/>
-          </a:p>
-        </p:txBody>
-      </p:sp>
-      <p:grpSp>
-        <p:nvGrpSpPr>
-          <p:cNvPr id="8" name="Group 7">
-            <a:extLst>
-              <a:ext uri="{FF2B5EF4-FFF2-40B4-BE49-F238E27FC236}">
-                <a16:creationId xmlns:a16="http://schemas.microsoft.com/office/drawing/2014/main" xmlns="" id="{F325CCFD-6D03-4E8E-8003-8453AC015BF3}"/>
-              </a:ext>
-            </a:extLst>
-          </p:cNvPr>
-          <p:cNvGrpSpPr/>
-          <p:nvPr/>
-        </p:nvGrpSpPr>
-        <p:grpSpPr>
-          <a:xfrm>
-            <a:off x="9196375" y="3272412"/>
-            <a:ext cx="2438399" cy="634502"/>
-            <a:chOff x="9083040" y="1237842"/>
-            <a:chExt cx="2105295" cy="634502"/>
-          </a:xfrm>
-        </p:grpSpPr>
-        <p:sp>
-          <p:nvSpPr>
-            <p:cNvPr id="9" name="Rectangle: Rounded Corners 8">
-              <a:extLst>
-                <a:ext uri="{FF2B5EF4-FFF2-40B4-BE49-F238E27FC236}">
-                  <a16:creationId xmlns:a16="http://schemas.microsoft.com/office/drawing/2014/main" xmlns="" id="{55B17B84-DF99-4C29-AC2F-96328E43A5CE}"/>
-                </a:ext>
-              </a:extLst>
-            </p:cNvPr>
-            <p:cNvSpPr/>
-            <p:nvPr/>
-          </p:nvSpPr>
-          <p:spPr>
-            <a:xfrm>
-              <a:off x="9524998" y="1237842"/>
-              <a:ext cx="1663337" cy="634502"/>
-            </a:xfrm>
-            <a:prstGeom prst="roundRect">
-              <a:avLst/>
-            </a:prstGeom>
-            <a:solidFill>
-              <a:schemeClr val="bg1"/>
-            </a:solidFill>
-            <a:ln w="38100">
-              <a:solidFill>
-                <a:schemeClr val="accent1">
-                  <a:lumMod val="75000"/>
-                </a:schemeClr>
-              </a:solidFill>
-            </a:ln>
-          </p:spPr>
-          <p:style>
-            <a:lnRef idx="2">
-              <a:schemeClr val="accent2"/>
-            </a:lnRef>
-            <a:fillRef idx="1">
-              <a:schemeClr val="lt1"/>
-            </a:fillRef>
-            <a:effectRef idx="0">
-              <a:schemeClr val="accent2"/>
-            </a:effectRef>
-            <a:fontRef idx="minor">
-              <a:schemeClr val="dk1"/>
-            </a:fontRef>
-          </p:style>
-          <p:txBody>
-            <a:bodyPr rtlCol="0" anchor="ctr"/>
-            <a:lstStyle/>
-            <a:p>
-              <a:pPr algn="ctr"/>
-              <a:r>
-                <a:rPr lang="en-US" b="1" dirty="0" err="1"/>
-                <a:t>Pflichtbewusst</a:t>
-              </a:r>
-              <a:endParaRPr lang="en-US" b="1" dirty="0"/>
-            </a:p>
-          </p:txBody>
-        </p:sp>
-        <p:sp>
-          <p:nvSpPr>
-            <p:cNvPr id="10" name="Arrow: Right 9">
-              <a:extLst>
-                <a:ext uri="{FF2B5EF4-FFF2-40B4-BE49-F238E27FC236}">
-                  <a16:creationId xmlns:a16="http://schemas.microsoft.com/office/drawing/2014/main" xmlns="" id="{A07FD5B9-BF2C-4C3A-8F96-5F58BCE2E7D7}"/>
-                </a:ext>
-              </a:extLst>
-            </p:cNvPr>
-            <p:cNvSpPr/>
-            <p:nvPr/>
-          </p:nvSpPr>
-          <p:spPr>
-            <a:xfrm>
-              <a:off x="9083040" y="1382150"/>
-              <a:ext cx="441958" cy="308537"/>
-            </a:xfrm>
-            <a:prstGeom prst="rightArrow">
-              <a:avLst/>
-            </a:prstGeom>
-          </p:spPr>
-          <p:style>
-            <a:lnRef idx="2">
-              <a:schemeClr val="accent1">
-                <a:shade val="50000"/>
-              </a:schemeClr>
-            </a:lnRef>
-            <a:fillRef idx="1">
-              <a:schemeClr val="accent1"/>
-            </a:fillRef>
-            <a:effectRef idx="0">
-              <a:schemeClr val="accent1"/>
-            </a:effectRef>
-            <a:fontRef idx="minor">
-              <a:schemeClr val="lt1"/>
-            </a:fontRef>
-          </p:style>
-          <p:txBody>
-            <a:bodyPr rtlCol="0" anchor="ctr"/>
-            <a:lstStyle/>
-            <a:p>
-              <a:pPr algn="ctr"/>
-              <a:endParaRPr lang="en-US"/>
-            </a:p>
-          </p:txBody>
-        </p:sp>
-      </p:grpSp>
-      <p:grpSp>
-        <p:nvGrpSpPr>
-          <p:cNvPr id="11" name="Group 10">
-            <a:extLst>
-              <a:ext uri="{FF2B5EF4-FFF2-40B4-BE49-F238E27FC236}">
-                <a16:creationId xmlns:a16="http://schemas.microsoft.com/office/drawing/2014/main" xmlns="" id="{913BD5FD-B24C-4F43-8C8E-CA275DAF54A6}"/>
-              </a:ext>
-            </a:extLst>
-          </p:cNvPr>
-          <p:cNvGrpSpPr/>
-          <p:nvPr/>
-        </p:nvGrpSpPr>
-        <p:grpSpPr>
-          <a:xfrm>
-            <a:off x="9146303" y="4279063"/>
-            <a:ext cx="2475667" cy="634502"/>
-            <a:chOff x="9083040" y="1237842"/>
-            <a:chExt cx="2105295" cy="634502"/>
-          </a:xfrm>
-        </p:grpSpPr>
-        <p:sp>
-          <p:nvSpPr>
-            <p:cNvPr id="13" name="Rectangle: Rounded Corners 12">
-              <a:extLst>
-                <a:ext uri="{FF2B5EF4-FFF2-40B4-BE49-F238E27FC236}">
-                  <a16:creationId xmlns:a16="http://schemas.microsoft.com/office/drawing/2014/main" xmlns="" id="{A46B4019-0782-4EDE-8F9B-8787D6ADE9BE}"/>
-                </a:ext>
-              </a:extLst>
-            </p:cNvPr>
-            <p:cNvSpPr/>
-            <p:nvPr/>
-          </p:nvSpPr>
-          <p:spPr>
-            <a:xfrm>
-              <a:off x="9524998" y="1237842"/>
-              <a:ext cx="1663337" cy="634502"/>
-            </a:xfrm>
-            <a:prstGeom prst="roundRect">
-              <a:avLst/>
-            </a:prstGeom>
-            <a:solidFill>
-              <a:schemeClr val="bg1"/>
-            </a:solidFill>
-            <a:ln w="38100">
-              <a:solidFill>
-                <a:schemeClr val="accent1">
-                  <a:lumMod val="75000"/>
-                </a:schemeClr>
-              </a:solidFill>
-            </a:ln>
-          </p:spPr>
-          <p:style>
-            <a:lnRef idx="2">
-              <a:schemeClr val="accent2"/>
-            </a:lnRef>
-            <a:fillRef idx="1">
-              <a:schemeClr val="lt1"/>
-            </a:fillRef>
-            <a:effectRef idx="0">
-              <a:schemeClr val="accent2"/>
-            </a:effectRef>
-            <a:fontRef idx="minor">
-              <a:schemeClr val="dk1"/>
-            </a:fontRef>
-          </p:style>
-          <p:txBody>
-            <a:bodyPr rtlCol="0" anchor="ctr"/>
-            <a:lstStyle/>
-            <a:p>
-              <a:pPr algn="ctr"/>
-              <a:r>
-                <a:rPr lang="en-US" b="1" dirty="0" err="1"/>
-                <a:t>Fleissig</a:t>
-              </a:r>
-              <a:endParaRPr lang="en-US" b="1" dirty="0"/>
-            </a:p>
-          </p:txBody>
-        </p:sp>
-        <p:sp>
-          <p:nvSpPr>
-            <p:cNvPr id="14" name="Arrow: Right 13">
-              <a:extLst>
-                <a:ext uri="{FF2B5EF4-FFF2-40B4-BE49-F238E27FC236}">
-                  <a16:creationId xmlns:a16="http://schemas.microsoft.com/office/drawing/2014/main" xmlns="" id="{C05C7D53-B4F4-40E8-A7A4-B612FFE44E39}"/>
-                </a:ext>
-              </a:extLst>
-            </p:cNvPr>
-            <p:cNvSpPr/>
-            <p:nvPr/>
-          </p:nvSpPr>
-          <p:spPr>
-            <a:xfrm>
-              <a:off x="9083040" y="1382150"/>
-              <a:ext cx="441958" cy="308537"/>
-            </a:xfrm>
-            <a:prstGeom prst="rightArrow">
-              <a:avLst/>
-            </a:prstGeom>
-          </p:spPr>
-          <p:style>
-            <a:lnRef idx="2">
-              <a:schemeClr val="accent1">
-                <a:shade val="50000"/>
-              </a:schemeClr>
-            </a:lnRef>
-            <a:fillRef idx="1">
-              <a:schemeClr val="accent1"/>
-            </a:fillRef>
-            <a:effectRef idx="0">
-              <a:schemeClr val="accent1"/>
-            </a:effectRef>
-            <a:fontRef idx="minor">
-              <a:schemeClr val="lt1"/>
-            </a:fontRef>
-          </p:style>
-          <p:txBody>
-            <a:bodyPr rtlCol="0" anchor="ctr"/>
-            <a:lstStyle/>
-            <a:p>
-              <a:pPr algn="ctr"/>
-              <a:endParaRPr lang="en-US"/>
-            </a:p>
-          </p:txBody>
-        </p:sp>
-      </p:grpSp>
-      <p:grpSp>
-        <p:nvGrpSpPr>
-          <p:cNvPr id="16" name="Group 15">
-            <a:extLst>
-              <a:ext uri="{FF2B5EF4-FFF2-40B4-BE49-F238E27FC236}">
-                <a16:creationId xmlns:a16="http://schemas.microsoft.com/office/drawing/2014/main" xmlns="" id="{C301D21F-5248-4416-8F3E-E47E9A42C678}"/>
-              </a:ext>
-            </a:extLst>
-          </p:cNvPr>
-          <p:cNvGrpSpPr/>
-          <p:nvPr/>
-        </p:nvGrpSpPr>
-        <p:grpSpPr>
-          <a:xfrm>
-            <a:off x="9183571" y="5284137"/>
-            <a:ext cx="2438399" cy="634502"/>
-            <a:chOff x="9083040" y="1237842"/>
-            <a:chExt cx="2105295" cy="634502"/>
-          </a:xfrm>
-        </p:grpSpPr>
-        <p:sp>
-          <p:nvSpPr>
-            <p:cNvPr id="17" name="Rectangle: Rounded Corners 16">
-              <a:extLst>
-                <a:ext uri="{FF2B5EF4-FFF2-40B4-BE49-F238E27FC236}">
-                  <a16:creationId xmlns:a16="http://schemas.microsoft.com/office/drawing/2014/main" xmlns="" id="{9FF65848-5DB4-4841-99A8-61A13BF5D235}"/>
-                </a:ext>
-              </a:extLst>
-            </p:cNvPr>
-            <p:cNvSpPr/>
-            <p:nvPr/>
-          </p:nvSpPr>
-          <p:spPr>
-            <a:xfrm>
-              <a:off x="9524998" y="1237842"/>
-              <a:ext cx="1663337" cy="634502"/>
-            </a:xfrm>
-            <a:prstGeom prst="roundRect">
-              <a:avLst/>
-            </a:prstGeom>
-            <a:solidFill>
-              <a:schemeClr val="bg1"/>
-            </a:solidFill>
-            <a:ln w="38100">
-              <a:solidFill>
-                <a:schemeClr val="accent1">
-                  <a:lumMod val="75000"/>
-                </a:schemeClr>
-              </a:solidFill>
-            </a:ln>
-          </p:spPr>
-          <p:style>
-            <a:lnRef idx="2">
-              <a:schemeClr val="accent2"/>
-            </a:lnRef>
-            <a:fillRef idx="1">
-              <a:schemeClr val="lt1"/>
-            </a:fillRef>
-            <a:effectRef idx="0">
-              <a:schemeClr val="accent2"/>
-            </a:effectRef>
-            <a:fontRef idx="minor">
-              <a:schemeClr val="dk1"/>
-            </a:fontRef>
-          </p:style>
-          <p:txBody>
-            <a:bodyPr rtlCol="0" anchor="ctr"/>
-            <a:lstStyle/>
-            <a:p>
-              <a:pPr algn="ctr"/>
-              <a:r>
-                <a:rPr lang="en-US" b="1" dirty="0" err="1"/>
-                <a:t>Exakt</a:t>
-              </a:r>
-              <a:endParaRPr lang="en-US" b="1" dirty="0"/>
-            </a:p>
-          </p:txBody>
-        </p:sp>
-        <p:sp>
-          <p:nvSpPr>
-            <p:cNvPr id="19" name="Arrow: Right 18">
-              <a:extLst>
-                <a:ext uri="{FF2B5EF4-FFF2-40B4-BE49-F238E27FC236}">
-                  <a16:creationId xmlns:a16="http://schemas.microsoft.com/office/drawing/2014/main" xmlns="" id="{8D71F1C5-D713-4480-8649-BAAA3FEEACEC}"/>
-                </a:ext>
-              </a:extLst>
-            </p:cNvPr>
-            <p:cNvSpPr/>
-            <p:nvPr/>
-          </p:nvSpPr>
-          <p:spPr>
-            <a:xfrm>
-              <a:off x="9083040" y="1382150"/>
-              <a:ext cx="441958" cy="308537"/>
-            </a:xfrm>
-            <a:prstGeom prst="rightArrow">
-              <a:avLst/>
-            </a:prstGeom>
-          </p:spPr>
-          <p:style>
-            <a:lnRef idx="2">
-              <a:schemeClr val="accent1">
-                <a:shade val="50000"/>
-              </a:schemeClr>
-            </a:lnRef>
-            <a:fillRef idx="1">
-              <a:schemeClr val="accent1"/>
-            </a:fillRef>
-            <a:effectRef idx="0">
-              <a:schemeClr val="accent1"/>
-            </a:effectRef>
-            <a:fontRef idx="minor">
-              <a:schemeClr val="lt1"/>
-            </a:fontRef>
-          </p:style>
-          <p:txBody>
-            <a:bodyPr rtlCol="0" anchor="ctr"/>
-            <a:lstStyle/>
-            <a:p>
-              <a:pPr algn="ctr"/>
-              <a:endParaRPr lang="en-US"/>
-            </a:p>
-          </p:txBody>
-        </p:sp>
-      </p:grpSp>
-    </p:spTree>
-    <p:extLst>
-      <p:ext uri="{BB962C8B-B14F-4D97-AF65-F5344CB8AC3E}">
-        <p14:creationId xmlns:p14="http://schemas.microsoft.com/office/powerpoint/2010/main" val="3133183684"/>
-      </p:ext>
-    </p:extLst>
-  </p:cSld>
-  <p:clrMapOvr>
-    <a:masterClrMapping/>
-  </p:clrMapOvr>
-</p:sld>
-</file>
-
-<file path=ppt/slides/slide6.xml><?xml version="1.0" encoding="utf-8"?>
-<p:sld xmlns:a="http://schemas.openxmlformats.org/drawingml/2006/main" xmlns:r="http://schemas.openxmlformats.org/officeDocument/2006/relationships" xmlns:p="http://schemas.openxmlformats.org/presentationml/2006/main">
-  <p:cSld>
-    <p:spTree>
-      <p:nvGrpSpPr>
-        <p:cNvPr id="1" name=""/>
-        <p:cNvGrpSpPr/>
-        <p:nvPr/>
-      </p:nvGrpSpPr>
-      <p:grpSpPr>
-        <a:xfrm>
-          <a:off x="0" y="0"/>
-          <a:ext cx="0" cy="0"/>
-          <a:chOff x="0" y="0"/>
-          <a:chExt cx="0" cy="0"/>
-        </a:xfrm>
-      </p:grpSpPr>
-      <p:pic>
-        <p:nvPicPr>
-          <p:cNvPr id="10" name="Content Placeholder 9">
-            <a:extLst>
-              <a:ext uri="{FF2B5EF4-FFF2-40B4-BE49-F238E27FC236}">
-                <a16:creationId xmlns:a16="http://schemas.microsoft.com/office/drawing/2014/main" xmlns="" id="{6F03154E-C798-4103-802A-0495CC8B2366}"/>
-              </a:ext>
-            </a:extLst>
-          </p:cNvPr>
-          <p:cNvPicPr>
-            <a:picLocks noGrp="1" noChangeAspect="1"/>
-          </p:cNvPicPr>
-          <p:nvPr>
-            <p:ph idx="1"/>
-          </p:nvPr>
-        </p:nvPicPr>
-        <p:blipFill>
-          <a:blip r:embed="rId2">
-            <a:extLst>
-              <a:ext uri="{28A0092B-C50C-407E-A947-70E740481C1C}">
-                <a14:useLocalDpi xmlns:a14="http://schemas.microsoft.com/office/drawing/2010/main" val="0"/>
-              </a:ext>
-            </a:extLst>
-          </a:blip>
-          <a:stretch>
-            <a:fillRect/>
-          </a:stretch>
-        </p:blipFill>
-        <p:spPr>
-          <a:xfrm>
-            <a:off x="297807" y="318019"/>
-            <a:ext cx="3768011" cy="2745938"/>
-          </a:xfrm>
-        </p:spPr>
-      </p:pic>
-      <p:sp>
-        <p:nvSpPr>
-          <p:cNvPr id="16" name="TextBox 15">
-            <a:extLst>
-              <a:ext uri="{FF2B5EF4-FFF2-40B4-BE49-F238E27FC236}">
-                <a16:creationId xmlns:a16="http://schemas.microsoft.com/office/drawing/2014/main" xmlns="" id="{A1C25BF2-AF89-4F46-BC03-DCFAD3E95105}"/>
-              </a:ext>
-            </a:extLst>
-          </p:cNvPr>
-          <p:cNvSpPr txBox="1"/>
-          <p:nvPr/>
-        </p:nvSpPr>
-        <p:spPr>
-          <a:xfrm>
-            <a:off x="321160" y="3187337"/>
-            <a:ext cx="3758472" cy="646331"/>
-          </a:xfrm>
-          <a:prstGeom prst="rect">
-            <a:avLst/>
-          </a:prstGeom>
-          <a:noFill/>
-        </p:spPr>
-        <p:txBody>
-          <a:bodyPr wrap="square" rtlCol="0">
-            <a:spAutoFit/>
-          </a:bodyPr>
-          <a:lstStyle/>
-          <a:p>
-            <a:r>
-              <a:rPr lang="en-US" dirty="0">
-                <a:solidFill>
-                  <a:schemeClr val="tx1">
-                    <a:lumMod val="50000"/>
-                    <a:lumOff val="50000"/>
-                  </a:schemeClr>
-                </a:solidFill>
-              </a:rPr>
-              <a:t>“Ich bin der </a:t>
-            </a:r>
-            <a:r>
-              <a:rPr lang="en-US" dirty="0" err="1">
-                <a:solidFill>
-                  <a:schemeClr val="tx1">
-                    <a:lumMod val="50000"/>
-                    <a:lumOff val="50000"/>
-                  </a:schemeClr>
-                </a:solidFill>
-              </a:rPr>
-              <a:t>beste</a:t>
-            </a:r>
-            <a:r>
-              <a:rPr lang="en-US" dirty="0">
-                <a:solidFill>
-                  <a:schemeClr val="tx1">
-                    <a:lumMod val="50000"/>
-                    <a:lumOff val="50000"/>
-                  </a:schemeClr>
-                </a:solidFill>
-              </a:rPr>
-              <a:t> </a:t>
-            </a:r>
-            <a:r>
-              <a:rPr lang="en-US" dirty="0" err="1">
-                <a:solidFill>
-                  <a:schemeClr val="tx1">
-                    <a:lumMod val="50000"/>
-                    <a:lumOff val="50000"/>
-                  </a:schemeClr>
-                </a:solidFill>
-              </a:rPr>
-              <a:t>Autofahrer</a:t>
-            </a:r>
-            <a:r>
-              <a:rPr lang="en-US" dirty="0">
-                <a:solidFill>
-                  <a:schemeClr val="tx1">
-                    <a:lumMod val="50000"/>
-                    <a:lumOff val="50000"/>
-                  </a:schemeClr>
-                </a:solidFill>
-              </a:rPr>
-              <a:t>, den </a:t>
-            </a:r>
-            <a:r>
-              <a:rPr lang="en-US" dirty="0" err="1">
-                <a:solidFill>
-                  <a:schemeClr val="tx1">
-                    <a:lumMod val="50000"/>
-                    <a:lumOff val="50000"/>
-                  </a:schemeClr>
-                </a:solidFill>
-              </a:rPr>
-              <a:t>ich</a:t>
-            </a:r>
-            <a:r>
-              <a:rPr lang="en-US" dirty="0">
-                <a:solidFill>
-                  <a:schemeClr val="tx1">
-                    <a:lumMod val="50000"/>
-                    <a:lumOff val="50000"/>
-                  </a:schemeClr>
-                </a:solidFill>
-              </a:rPr>
-              <a:t> </a:t>
-            </a:r>
-            <a:r>
-              <a:rPr lang="en-US" dirty="0" err="1">
-                <a:solidFill>
-                  <a:schemeClr val="tx1">
-                    <a:lumMod val="50000"/>
-                    <a:lumOff val="50000"/>
-                  </a:schemeClr>
-                </a:solidFill>
-              </a:rPr>
-              <a:t>kenne</a:t>
-            </a:r>
-            <a:r>
-              <a:rPr lang="en-US" dirty="0">
-                <a:solidFill>
-                  <a:schemeClr val="tx1">
-                    <a:lumMod val="50000"/>
-                    <a:lumOff val="50000"/>
-                  </a:schemeClr>
-                </a:solidFill>
-              </a:rPr>
-              <a:t>!”</a:t>
-            </a:r>
-          </a:p>
-        </p:txBody>
-      </p:sp>
-      <p:sp>
-        <p:nvSpPr>
-          <p:cNvPr id="19" name="Title 1">
-            <a:extLst>
-              <a:ext uri="{FF2B5EF4-FFF2-40B4-BE49-F238E27FC236}">
-                <a16:creationId xmlns:a16="http://schemas.microsoft.com/office/drawing/2014/main" xmlns="" id="{93C90C34-1C7F-420B-B417-8318D46D1D65}"/>
-              </a:ext>
-            </a:extLst>
-          </p:cNvPr>
-          <p:cNvSpPr>
-            <a:spLocks noGrp="1"/>
-          </p:cNvSpPr>
-          <p:nvPr>
-            <p:ph type="title"/>
-          </p:nvPr>
-        </p:nvSpPr>
-        <p:spPr>
-          <a:xfrm>
-            <a:off x="4242412" y="324869"/>
-            <a:ext cx="6945923" cy="641783"/>
-          </a:xfrm>
-        </p:spPr>
-        <p:txBody>
-          <a:bodyPr>
-            <a:normAutofit fontScale="90000"/>
-          </a:bodyPr>
-          <a:lstStyle/>
-          <a:p>
-            <a:r>
-              <a:rPr lang="en-US" sz="4900" dirty="0"/>
-              <a:t>Philipp </a:t>
-            </a:r>
-            <a:r>
-              <a:rPr lang="en-US" sz="4900" dirty="0" err="1"/>
-              <a:t>Rast</a:t>
-            </a:r>
-            <a:endParaRPr lang="en-US" dirty="0"/>
-          </a:p>
-        </p:txBody>
-      </p:sp>
-      <p:sp>
-        <p:nvSpPr>
-          <p:cNvPr id="21" name="TextBox 20">
-            <a:extLst>
-              <a:ext uri="{FF2B5EF4-FFF2-40B4-BE49-F238E27FC236}">
-                <a16:creationId xmlns:a16="http://schemas.microsoft.com/office/drawing/2014/main" xmlns="" id="{E123DCBC-D5D8-48E6-B9ED-C86A0953AF7E}"/>
-              </a:ext>
-            </a:extLst>
-          </p:cNvPr>
-          <p:cNvSpPr txBox="1"/>
-          <p:nvPr/>
-        </p:nvSpPr>
-        <p:spPr>
-          <a:xfrm>
-            <a:off x="344769" y="3888451"/>
-            <a:ext cx="3587932" cy="2585323"/>
-          </a:xfrm>
-          <a:prstGeom prst="rect">
-            <a:avLst/>
-          </a:prstGeom>
-          <a:noFill/>
-        </p:spPr>
-        <p:txBody>
-          <a:bodyPr wrap="square" rtlCol="0">
-            <a:spAutoFit/>
-          </a:bodyPr>
-          <a:lstStyle/>
-          <a:p>
-            <a:r>
-              <a:rPr lang="de-DE" dirty="0"/>
-              <a:t>Philipp hat den Führerschein und sein Auto wegen Rasen abgegeben. Er ist sich jedoch sicher, dass er noch fahren dürfen sollte.</a:t>
-            </a:r>
-          </a:p>
-          <a:p>
-            <a:r>
-              <a:rPr lang="de-DE" dirty="0"/>
-              <a:t>Er besitzt Bilder seines Führerscheins, welcher bis 2020 gültig ist. Er will es irgendwie schaffen, Autos ausleihen zu können.</a:t>
-            </a:r>
-            <a:endParaRPr lang="en-US" dirty="0"/>
-          </a:p>
-        </p:txBody>
-      </p:sp>
-      <p:sp>
-        <p:nvSpPr>
-          <p:cNvPr id="6" name="TextBox 5">
-            <a:extLst>
-              <a:ext uri="{FF2B5EF4-FFF2-40B4-BE49-F238E27FC236}">
-                <a16:creationId xmlns:a16="http://schemas.microsoft.com/office/drawing/2014/main" xmlns="" id="{4FDEF96B-42DC-4163-81B2-A5001ACA01CA}"/>
-              </a:ext>
-            </a:extLst>
-          </p:cNvPr>
-          <p:cNvSpPr txBox="1"/>
-          <p:nvPr/>
-        </p:nvSpPr>
-        <p:spPr>
-          <a:xfrm>
-            <a:off x="4380412" y="966652"/>
-            <a:ext cx="4397828" cy="6309420"/>
-          </a:xfrm>
-          <a:prstGeom prst="rect">
-            <a:avLst/>
-          </a:prstGeom>
-          <a:noFill/>
-        </p:spPr>
-        <p:txBody>
-          <a:bodyPr wrap="square" rtlCol="0">
-            <a:spAutoFit/>
-          </a:bodyPr>
-          <a:lstStyle/>
-          <a:p>
-            <a:r>
-              <a:rPr lang="de-CH" sz="1600" dirty="0"/>
-              <a:t>Personalien</a:t>
-            </a:r>
-          </a:p>
-          <a:p>
-            <a:pPr marL="285750" indent="-285750">
-              <a:buFont typeface="Arial" panose="020B0604020202020204" pitchFamily="34" charset="0"/>
-              <a:buChar char="•"/>
-            </a:pPr>
-            <a:r>
-              <a:rPr lang="de-CH" sz="1200" dirty="0"/>
-              <a:t>Name: Philpp Rast</a:t>
-            </a:r>
-          </a:p>
-          <a:p>
-            <a:pPr marL="285750" indent="-285750">
-              <a:buFont typeface="Arial" panose="020B0604020202020204" pitchFamily="34" charset="0"/>
-              <a:buChar char="•"/>
-            </a:pPr>
-            <a:r>
-              <a:rPr lang="de-CH" sz="1200" dirty="0"/>
-              <a:t>Beruf: Sachbearbeiter Strassenverkehrsamt</a:t>
-            </a:r>
-          </a:p>
-          <a:p>
-            <a:pPr marL="285750" indent="-285750">
-              <a:buFont typeface="Arial" panose="020B0604020202020204" pitchFamily="34" charset="0"/>
-              <a:buChar char="•"/>
-            </a:pPr>
-            <a:r>
-              <a:rPr lang="de-CH" sz="1200" dirty="0"/>
-              <a:t>Alter:  22</a:t>
-            </a:r>
-          </a:p>
-          <a:p>
-            <a:pPr marL="285750" indent="-285750">
-              <a:buFont typeface="Arial" panose="020B0604020202020204" pitchFamily="34" charset="0"/>
-              <a:buChar char="•"/>
-            </a:pPr>
-            <a:r>
-              <a:rPr lang="de-CH" sz="1200" dirty="0"/>
-              <a:t>Ledig</a:t>
-            </a:r>
-          </a:p>
-          <a:p>
-            <a:endParaRPr lang="de-CH" sz="1600" dirty="0"/>
-          </a:p>
-          <a:p>
-            <a:r>
-              <a:rPr lang="de-CH" sz="1600" dirty="0"/>
-              <a:t>Motivation</a:t>
-            </a:r>
-          </a:p>
-          <a:p>
-            <a:pPr marL="285750" indent="-285750">
-              <a:buFont typeface="Arial" panose="020B0604020202020204" pitchFamily="34" charset="0"/>
-              <a:buChar char="•"/>
-            </a:pPr>
-            <a:r>
-              <a:rPr lang="de-CH" sz="1200" dirty="0"/>
-              <a:t>Endlich wieder Auto fahren</a:t>
-            </a:r>
-          </a:p>
-          <a:p>
-            <a:endParaRPr lang="de-CH" sz="1600" dirty="0"/>
-          </a:p>
-          <a:p>
-            <a:r>
-              <a:rPr lang="de-CH" sz="1600" dirty="0"/>
-              <a:t>Frustration</a:t>
-            </a:r>
-          </a:p>
-          <a:p>
-            <a:pPr marL="285750" indent="-285750">
-              <a:buFont typeface="Arial" panose="020B0604020202020204" pitchFamily="34" charset="0"/>
-              <a:buChar char="•"/>
-            </a:pPr>
-            <a:r>
-              <a:rPr lang="de-CH" sz="1200" dirty="0"/>
-              <a:t>Strenge sicherheitsmassnahmen</a:t>
-            </a:r>
-          </a:p>
-          <a:p>
-            <a:pPr marL="285750" indent="-285750">
-              <a:buFont typeface="Arial" panose="020B0604020202020204" pitchFamily="34" charset="0"/>
-              <a:buChar char="•"/>
-            </a:pPr>
-            <a:r>
-              <a:rPr lang="de-CH" sz="1200" dirty="0"/>
-              <a:t>Überprüfung der Ausweise von einem richtigen Menschen</a:t>
-            </a:r>
-          </a:p>
-          <a:p>
-            <a:pPr marL="285750" indent="-285750">
-              <a:buFont typeface="Arial" panose="020B0604020202020204" pitchFamily="34" charset="0"/>
-              <a:buChar char="•"/>
-            </a:pPr>
-            <a:r>
-              <a:rPr lang="de-CH" sz="1200" dirty="0"/>
-              <a:t>Neue Mail Adressen erstellen</a:t>
-            </a:r>
-          </a:p>
-          <a:p>
-            <a:pPr marL="285750" indent="-285750">
-              <a:buFont typeface="Arial" panose="020B0604020202020204" pitchFamily="34" charset="0"/>
-              <a:buChar char="•"/>
-            </a:pPr>
-            <a:endParaRPr lang="de-CH" sz="1200" dirty="0"/>
-          </a:p>
-          <a:p>
-            <a:endParaRPr lang="de-CH" sz="1600" dirty="0"/>
-          </a:p>
-          <a:p>
-            <a:r>
-              <a:rPr lang="de-CH" sz="1600" dirty="0"/>
-              <a:t>Experience Goals</a:t>
-            </a:r>
-          </a:p>
-          <a:p>
-            <a:pPr marL="285750" indent="-285750">
-              <a:buFont typeface="Arial" panose="020B0604020202020204" pitchFamily="34" charset="0"/>
-              <a:buChar char="•"/>
-            </a:pPr>
-            <a:r>
-              <a:rPr lang="de-CH" sz="1200" dirty="0"/>
-              <a:t>Annahme von gefälschten Ausweisen</a:t>
-            </a:r>
-          </a:p>
-          <a:p>
-            <a:pPr marL="285750" indent="-285750">
-              <a:buFont typeface="Arial" panose="020B0604020202020204" pitchFamily="34" charset="0"/>
-              <a:buChar char="•"/>
-            </a:pPr>
-            <a:r>
-              <a:rPr lang="de-CH" sz="1200" dirty="0"/>
-              <a:t>Annahme von abgelaufenen Ausweisen</a:t>
-            </a:r>
-          </a:p>
-          <a:p>
-            <a:pPr marL="285750" indent="-285750">
-              <a:buFont typeface="Arial" panose="020B0604020202020204" pitchFamily="34" charset="0"/>
-              <a:buChar char="•"/>
-            </a:pPr>
-            <a:r>
-              <a:rPr lang="de-CH" sz="1200" dirty="0"/>
-              <a:t>Annahme von suspendierten Ausweisen</a:t>
-            </a:r>
-          </a:p>
-          <a:p>
-            <a:pPr marL="285750" indent="-285750">
-              <a:buFont typeface="Arial" panose="020B0604020202020204" pitchFamily="34" charset="0"/>
-              <a:buChar char="•"/>
-            </a:pPr>
-            <a:r>
-              <a:rPr lang="de-CH" sz="1200" dirty="0"/>
-              <a:t>Annahme von Ausweisen von anderen Personen</a:t>
-            </a:r>
-          </a:p>
-          <a:p>
-            <a:pPr marL="285750" indent="-285750">
-              <a:buFont typeface="Arial" panose="020B0604020202020204" pitchFamily="34" charset="0"/>
-              <a:buChar char="•"/>
-            </a:pPr>
-            <a:r>
-              <a:rPr lang="de-CH" sz="1200" dirty="0"/>
-              <a:t>Annahme von one way Mailadressen (wie Mailinator)</a:t>
-            </a:r>
-          </a:p>
-          <a:p>
-            <a:pPr marL="285750" indent="-285750">
-              <a:buFont typeface="Arial" panose="020B0604020202020204" pitchFamily="34" charset="0"/>
-              <a:buChar char="•"/>
-            </a:pPr>
-            <a:r>
-              <a:rPr lang="de-CH" sz="1200" dirty="0"/>
-              <a:t>Anschreiben von Autoausleihern ohne Account</a:t>
-            </a:r>
-          </a:p>
-          <a:p>
-            <a:pPr marL="285750" indent="-285750">
-              <a:buFont typeface="Arial" panose="020B0604020202020204" pitchFamily="34" charset="0"/>
-              <a:buChar char="•"/>
-            </a:pPr>
-            <a:r>
-              <a:rPr lang="de-CH" sz="1200" dirty="0"/>
-              <a:t>Keine weiteren nachfragen nachdem der Account einmal zulässig war</a:t>
-            </a:r>
-          </a:p>
-          <a:p>
-            <a:endParaRPr lang="de-CH" sz="1600" dirty="0"/>
-          </a:p>
-          <a:p>
-            <a:r>
-              <a:rPr lang="de-CH" sz="1600" dirty="0"/>
-              <a:t>End Goals</a:t>
-            </a:r>
-          </a:p>
-          <a:p>
-            <a:pPr marL="285750" indent="-285750">
-              <a:buFont typeface="Arial" panose="020B0604020202020204" pitchFamily="34" charset="0"/>
-              <a:buChar char="•"/>
-            </a:pPr>
-            <a:r>
-              <a:rPr lang="de-CH" sz="1200" dirty="0"/>
-              <a:t>Irgendwie ein Auto ausleihen</a:t>
-            </a:r>
-          </a:p>
-          <a:p>
-            <a:endParaRPr lang="de-CH" sz="1600" dirty="0"/>
-          </a:p>
-          <a:p>
-            <a:endParaRPr lang="de-CH" sz="1600" dirty="0"/>
-          </a:p>
-        </p:txBody>
-      </p:sp>
-      <p:grpSp>
-        <p:nvGrpSpPr>
-          <p:cNvPr id="7" name="Group 6">
-            <a:extLst>
-              <a:ext uri="{FF2B5EF4-FFF2-40B4-BE49-F238E27FC236}">
-                <a16:creationId xmlns:a16="http://schemas.microsoft.com/office/drawing/2014/main" xmlns="" id="{5F95F3DB-1D7E-45FF-9EAE-BC30E281A014}"/>
-              </a:ext>
-            </a:extLst>
-          </p:cNvPr>
-          <p:cNvGrpSpPr/>
-          <p:nvPr/>
-        </p:nvGrpSpPr>
-        <p:grpSpPr>
-          <a:xfrm>
-            <a:off x="9196375" y="3272412"/>
-            <a:ext cx="2438399" cy="634502"/>
-            <a:chOff x="9083040" y="1237842"/>
-            <a:chExt cx="2105295" cy="634502"/>
-          </a:xfrm>
-        </p:grpSpPr>
-        <p:sp>
-          <p:nvSpPr>
-            <p:cNvPr id="8" name="Rectangle: Rounded Corners 7">
-              <a:extLst>
-                <a:ext uri="{FF2B5EF4-FFF2-40B4-BE49-F238E27FC236}">
-                  <a16:creationId xmlns:a16="http://schemas.microsoft.com/office/drawing/2014/main" xmlns="" id="{F9BEFDB9-35C8-424E-97D8-5641C4086015}"/>
-                </a:ext>
-              </a:extLst>
-            </p:cNvPr>
-            <p:cNvSpPr/>
-            <p:nvPr/>
-          </p:nvSpPr>
-          <p:spPr>
-            <a:xfrm>
-              <a:off x="9524998" y="1237842"/>
-              <a:ext cx="1663337" cy="634502"/>
-            </a:xfrm>
-            <a:prstGeom prst="roundRect">
-              <a:avLst/>
-            </a:prstGeom>
-            <a:solidFill>
-              <a:schemeClr val="bg1"/>
-            </a:solidFill>
-            <a:ln w="38100">
-              <a:solidFill>
-                <a:schemeClr val="accent1">
-                  <a:lumMod val="75000"/>
-                </a:schemeClr>
-              </a:solidFill>
-            </a:ln>
-          </p:spPr>
-          <p:style>
-            <a:lnRef idx="2">
-              <a:schemeClr val="accent2"/>
-            </a:lnRef>
-            <a:fillRef idx="1">
-              <a:schemeClr val="lt1"/>
-            </a:fillRef>
-            <a:effectRef idx="0">
-              <a:schemeClr val="accent2"/>
-            </a:effectRef>
-            <a:fontRef idx="minor">
-              <a:schemeClr val="dk1"/>
-            </a:fontRef>
-          </p:style>
-          <p:txBody>
-            <a:bodyPr rtlCol="0" anchor="ctr"/>
-            <a:lstStyle/>
-            <a:p>
-              <a:pPr algn="ctr"/>
-              <a:r>
-                <a:rPr lang="en-US" b="1" dirty="0"/>
-                <a:t>Intelligent</a:t>
-              </a:r>
-            </a:p>
-          </p:txBody>
-        </p:sp>
-        <p:sp>
-          <p:nvSpPr>
-            <p:cNvPr id="9" name="Arrow: Right 8">
-              <a:extLst>
-                <a:ext uri="{FF2B5EF4-FFF2-40B4-BE49-F238E27FC236}">
-                  <a16:creationId xmlns:a16="http://schemas.microsoft.com/office/drawing/2014/main" xmlns="" id="{7AFE704C-8EC6-42CE-96F5-52F61C57162B}"/>
-                </a:ext>
-              </a:extLst>
-            </p:cNvPr>
-            <p:cNvSpPr/>
-            <p:nvPr/>
-          </p:nvSpPr>
-          <p:spPr>
-            <a:xfrm>
-              <a:off x="9083040" y="1382150"/>
-              <a:ext cx="441958" cy="308537"/>
-            </a:xfrm>
-            <a:prstGeom prst="rightArrow">
-              <a:avLst/>
-            </a:prstGeom>
-          </p:spPr>
-          <p:style>
-            <a:lnRef idx="2">
-              <a:schemeClr val="accent1">
-                <a:shade val="50000"/>
-              </a:schemeClr>
-            </a:lnRef>
-            <a:fillRef idx="1">
-              <a:schemeClr val="accent1"/>
-            </a:fillRef>
-            <a:effectRef idx="0">
-              <a:schemeClr val="accent1"/>
-            </a:effectRef>
-            <a:fontRef idx="minor">
-              <a:schemeClr val="lt1"/>
-            </a:fontRef>
-          </p:style>
-          <p:txBody>
-            <a:bodyPr rtlCol="0" anchor="ctr"/>
-            <a:lstStyle/>
-            <a:p>
-              <a:pPr algn="ctr"/>
-              <a:endParaRPr lang="en-US"/>
-            </a:p>
-          </p:txBody>
-        </p:sp>
-      </p:grpSp>
-      <p:grpSp>
-        <p:nvGrpSpPr>
-          <p:cNvPr id="11" name="Group 10">
-            <a:extLst>
-              <a:ext uri="{FF2B5EF4-FFF2-40B4-BE49-F238E27FC236}">
-                <a16:creationId xmlns:a16="http://schemas.microsoft.com/office/drawing/2014/main" xmlns="" id="{E3BC47D8-B7EB-408F-90C4-9940C62DAAF3}"/>
-              </a:ext>
-            </a:extLst>
-          </p:cNvPr>
-          <p:cNvGrpSpPr/>
-          <p:nvPr/>
-        </p:nvGrpSpPr>
-        <p:grpSpPr>
-          <a:xfrm>
-            <a:off x="9146303" y="4279063"/>
-            <a:ext cx="2475667" cy="634502"/>
-            <a:chOff x="9083040" y="1237842"/>
-            <a:chExt cx="2105295" cy="634502"/>
-          </a:xfrm>
-        </p:grpSpPr>
-        <p:sp>
-          <p:nvSpPr>
-            <p:cNvPr id="12" name="Rectangle: Rounded Corners 11">
-              <a:extLst>
-                <a:ext uri="{FF2B5EF4-FFF2-40B4-BE49-F238E27FC236}">
-                  <a16:creationId xmlns:a16="http://schemas.microsoft.com/office/drawing/2014/main" xmlns="" id="{7F238C90-C4CD-4715-8AF9-48C26B1DE246}"/>
-                </a:ext>
-              </a:extLst>
-            </p:cNvPr>
-            <p:cNvSpPr/>
-            <p:nvPr/>
-          </p:nvSpPr>
-          <p:spPr>
-            <a:xfrm>
-              <a:off x="9524998" y="1237842"/>
-              <a:ext cx="1663337" cy="634502"/>
-            </a:xfrm>
-            <a:prstGeom prst="roundRect">
-              <a:avLst/>
-            </a:prstGeom>
-            <a:solidFill>
-              <a:schemeClr val="bg1"/>
-            </a:solidFill>
-            <a:ln w="38100">
-              <a:solidFill>
-                <a:schemeClr val="accent1">
-                  <a:lumMod val="75000"/>
-                </a:schemeClr>
-              </a:solidFill>
-            </a:ln>
-          </p:spPr>
-          <p:style>
-            <a:lnRef idx="2">
-              <a:schemeClr val="accent2"/>
-            </a:lnRef>
-            <a:fillRef idx="1">
-              <a:schemeClr val="lt1"/>
-            </a:fillRef>
-            <a:effectRef idx="0">
-              <a:schemeClr val="accent2"/>
-            </a:effectRef>
-            <a:fontRef idx="minor">
-              <a:schemeClr val="dk1"/>
-            </a:fontRef>
-          </p:style>
-          <p:txBody>
-            <a:bodyPr rtlCol="0" anchor="ctr"/>
-            <a:lstStyle/>
-            <a:p>
-              <a:pPr algn="ctr"/>
-              <a:r>
-                <a:rPr lang="en-US" b="1" dirty="0" err="1"/>
-                <a:t>Unverschämt</a:t>
-              </a:r>
-              <a:endParaRPr lang="en-US" b="1" dirty="0"/>
-            </a:p>
-          </p:txBody>
-        </p:sp>
-        <p:sp>
-          <p:nvSpPr>
-            <p:cNvPr id="13" name="Arrow: Right 12">
-              <a:extLst>
-                <a:ext uri="{FF2B5EF4-FFF2-40B4-BE49-F238E27FC236}">
-                  <a16:creationId xmlns:a16="http://schemas.microsoft.com/office/drawing/2014/main" xmlns="" id="{1E25828B-6474-4398-A5B3-7F506BAAE8F6}"/>
-                </a:ext>
-              </a:extLst>
-            </p:cNvPr>
-            <p:cNvSpPr/>
-            <p:nvPr/>
-          </p:nvSpPr>
-          <p:spPr>
-            <a:xfrm>
-              <a:off x="9083040" y="1382150"/>
-              <a:ext cx="441958" cy="308537"/>
-            </a:xfrm>
-            <a:prstGeom prst="rightArrow">
-              <a:avLst/>
-            </a:prstGeom>
-          </p:spPr>
-          <p:style>
-            <a:lnRef idx="2">
-              <a:schemeClr val="accent1">
-                <a:shade val="50000"/>
-              </a:schemeClr>
-            </a:lnRef>
-            <a:fillRef idx="1">
-              <a:schemeClr val="accent1"/>
-            </a:fillRef>
-            <a:effectRef idx="0">
-              <a:schemeClr val="accent1"/>
-            </a:effectRef>
-            <a:fontRef idx="minor">
-              <a:schemeClr val="lt1"/>
-            </a:fontRef>
-          </p:style>
-          <p:txBody>
-            <a:bodyPr rtlCol="0" anchor="ctr"/>
-            <a:lstStyle/>
-            <a:p>
-              <a:pPr algn="ctr"/>
-              <a:endParaRPr lang="en-US"/>
-            </a:p>
-          </p:txBody>
-        </p:sp>
-      </p:grpSp>
-      <p:grpSp>
-        <p:nvGrpSpPr>
-          <p:cNvPr id="14" name="Group 13">
-            <a:extLst>
-              <a:ext uri="{FF2B5EF4-FFF2-40B4-BE49-F238E27FC236}">
-                <a16:creationId xmlns:a16="http://schemas.microsoft.com/office/drawing/2014/main" xmlns="" id="{C4EA313C-D535-4E72-8FFE-FD4773A77181}"/>
-              </a:ext>
-            </a:extLst>
-          </p:cNvPr>
-          <p:cNvGrpSpPr/>
-          <p:nvPr/>
-        </p:nvGrpSpPr>
-        <p:grpSpPr>
-          <a:xfrm>
-            <a:off x="9183571" y="5284137"/>
-            <a:ext cx="2438399" cy="634502"/>
-            <a:chOff x="9083040" y="1237842"/>
-            <a:chExt cx="2105295" cy="634502"/>
-          </a:xfrm>
-        </p:grpSpPr>
-        <p:sp>
-          <p:nvSpPr>
-            <p:cNvPr id="15" name="Rectangle: Rounded Corners 14">
-              <a:extLst>
-                <a:ext uri="{FF2B5EF4-FFF2-40B4-BE49-F238E27FC236}">
-                  <a16:creationId xmlns:a16="http://schemas.microsoft.com/office/drawing/2014/main" xmlns="" id="{B66CA07F-E6ED-4216-BE71-BE915735E171}"/>
-                </a:ext>
-              </a:extLst>
-            </p:cNvPr>
-            <p:cNvSpPr/>
-            <p:nvPr/>
-          </p:nvSpPr>
-          <p:spPr>
-            <a:xfrm>
-              <a:off x="9524998" y="1237842"/>
-              <a:ext cx="1663337" cy="634502"/>
-            </a:xfrm>
-            <a:prstGeom prst="roundRect">
-              <a:avLst/>
-            </a:prstGeom>
-            <a:solidFill>
-              <a:schemeClr val="bg1"/>
-            </a:solidFill>
-            <a:ln w="38100">
-              <a:solidFill>
-                <a:schemeClr val="accent1">
-                  <a:lumMod val="75000"/>
-                </a:schemeClr>
-              </a:solidFill>
-            </a:ln>
-          </p:spPr>
-          <p:style>
-            <a:lnRef idx="2">
-              <a:schemeClr val="accent2"/>
-            </a:lnRef>
-            <a:fillRef idx="1">
-              <a:schemeClr val="lt1"/>
-            </a:fillRef>
-            <a:effectRef idx="0">
-              <a:schemeClr val="accent2"/>
-            </a:effectRef>
-            <a:fontRef idx="minor">
-              <a:schemeClr val="dk1"/>
-            </a:fontRef>
-          </p:style>
-          <p:txBody>
-            <a:bodyPr rtlCol="0" anchor="ctr"/>
-            <a:lstStyle/>
-            <a:p>
-              <a:pPr algn="ctr"/>
-              <a:r>
-                <a:rPr lang="en-US" b="1" dirty="0" err="1"/>
-                <a:t>Impulsiv</a:t>
-              </a:r>
-              <a:endParaRPr lang="en-US" b="1" dirty="0"/>
-            </a:p>
-          </p:txBody>
-        </p:sp>
-        <p:sp>
-          <p:nvSpPr>
-            <p:cNvPr id="17" name="Arrow: Right 16">
-              <a:extLst>
-                <a:ext uri="{FF2B5EF4-FFF2-40B4-BE49-F238E27FC236}">
-                  <a16:creationId xmlns:a16="http://schemas.microsoft.com/office/drawing/2014/main" xmlns="" id="{5AEB028D-91B7-4C88-8E60-E666741152D6}"/>
-                </a:ext>
-              </a:extLst>
-            </p:cNvPr>
-            <p:cNvSpPr/>
-            <p:nvPr/>
-          </p:nvSpPr>
-          <p:spPr>
-            <a:xfrm>
-              <a:off x="9083040" y="1382150"/>
-              <a:ext cx="441958" cy="308537"/>
-            </a:xfrm>
-            <a:prstGeom prst="rightArrow">
-              <a:avLst/>
-            </a:prstGeom>
-          </p:spPr>
-          <p:style>
-            <a:lnRef idx="2">
-              <a:schemeClr val="accent1">
-                <a:shade val="50000"/>
-              </a:schemeClr>
-            </a:lnRef>
-            <a:fillRef idx="1">
-              <a:schemeClr val="accent1"/>
-            </a:fillRef>
-            <a:effectRef idx="0">
-              <a:schemeClr val="accent1"/>
-            </a:effectRef>
-            <a:fontRef idx="minor">
-              <a:schemeClr val="lt1"/>
-            </a:fontRef>
-          </p:style>
-          <p:txBody>
-            <a:bodyPr rtlCol="0" anchor="ctr"/>
-            <a:lstStyle/>
-            <a:p>
-              <a:pPr algn="ctr"/>
-              <a:endParaRPr lang="en-US"/>
-            </a:p>
-          </p:txBody>
-        </p:sp>
-      </p:grpSp>
-    </p:spTree>
-    <p:extLst>
-      <p:ext uri="{BB962C8B-B14F-4D97-AF65-F5344CB8AC3E}">
-        <p14:creationId xmlns:p14="http://schemas.microsoft.com/office/powerpoint/2010/main" val="1159304671"/>
-      </p:ext>
-    </p:extLst>
-  </p:cSld>
-  <p:clrMapOvr>
-    <a:masterClrMapping/>
-  </p:clrMapOvr>
-</p:sld>
-</file>
-
-<file path=ppt/slides/slide7.xml><?xml version="1.0" encoding="utf-8"?>
-<p:sld xmlns:a="http://schemas.openxmlformats.org/drawingml/2006/main" xmlns:r="http://schemas.openxmlformats.org/officeDocument/2006/relationships" xmlns:p="http://schemas.openxmlformats.org/presentationml/2006/main">
-  <p:cSld>
-    <p:spTree>
-      <p:nvGrpSpPr>
-        <p:cNvPr id="1" name=""/>
-        <p:cNvGrpSpPr/>
-        <p:nvPr/>
-      </p:nvGrpSpPr>
-      <p:grpSpPr>
-        <a:xfrm>
-          <a:off x="0" y="0"/>
-          <a:ext cx="0" cy="0"/>
-          <a:chOff x="0" y="0"/>
-          <a:chExt cx="0" cy="0"/>
-        </a:xfrm>
-      </p:grpSpPr>
-      <p:sp>
-        <p:nvSpPr>
-          <p:cNvPr id="2" name="Title 1">
-            <a:extLst>
-              <a:ext uri="{FF2B5EF4-FFF2-40B4-BE49-F238E27FC236}">
-                <a16:creationId xmlns:a16="http://schemas.microsoft.com/office/drawing/2014/main" xmlns="" id="{E963BF55-D87B-4EEA-B2A9-11D9646B8ABF}"/>
-              </a:ext>
-            </a:extLst>
-          </p:cNvPr>
-          <p:cNvSpPr>
-            <a:spLocks noGrp="1"/>
-          </p:cNvSpPr>
-          <p:nvPr>
-            <p:ph type="ctrTitle"/>
-          </p:nvPr>
-        </p:nvSpPr>
-        <p:spPr/>
-        <p:txBody>
-          <a:bodyPr/>
-          <a:lstStyle/>
-          <a:p>
-            <a:r>
-              <a:rPr lang="en-US" dirty="0"/>
-              <a:t>Kontextszenarien</a:t>
-            </a:r>
-          </a:p>
-        </p:txBody>
-      </p:sp>
-      <p:sp>
-        <p:nvSpPr>
-          <p:cNvPr id="3" name="Subtitle 2">
-            <a:extLst>
-              <a:ext uri="{FF2B5EF4-FFF2-40B4-BE49-F238E27FC236}">
-                <a16:creationId xmlns:a16="http://schemas.microsoft.com/office/drawing/2014/main" xmlns="" id="{B835F513-471D-4E14-9773-51CF6EB1CFEA}"/>
-              </a:ext>
-            </a:extLst>
-          </p:cNvPr>
-          <p:cNvSpPr>
-            <a:spLocks noGrp="1"/>
-          </p:cNvSpPr>
-          <p:nvPr>
-            <p:ph type="subTitle" idx="1"/>
-          </p:nvPr>
-        </p:nvSpPr>
-        <p:spPr/>
-        <p:txBody>
-          <a:bodyPr/>
-          <a:lstStyle/>
-          <a:p>
-            <a:endParaRPr lang="en-US"/>
-          </a:p>
-        </p:txBody>
-      </p:sp>
-    </p:spTree>
-    <p:extLst>
-      <p:ext uri="{BB962C8B-B14F-4D97-AF65-F5344CB8AC3E}">
-        <p14:creationId xmlns:p14="http://schemas.microsoft.com/office/powerpoint/2010/main" val="221326466"/>
-      </p:ext>
-    </p:extLst>
-  </p:cSld>
-  <p:clrMapOvr>
-    <a:masterClrMapping/>
-  </p:clrMapOvr>
-</p:sld>
-</file>
-
-<file path=ppt/slides/slide8.xml><?xml version="1.0" encoding="utf-8"?>
-<p:sld xmlns:a="http://schemas.openxmlformats.org/drawingml/2006/main" xmlns:r="http://schemas.openxmlformats.org/officeDocument/2006/relationships" xmlns:p="http://schemas.openxmlformats.org/presentationml/2006/main">
-  <p:cSld>
-    <p:spTree>
-      <p:nvGrpSpPr>
-        <p:cNvPr id="1" name=""/>
-        <p:cNvGrpSpPr/>
-        <p:nvPr/>
-      </p:nvGrpSpPr>
-      <p:grpSpPr>
-        <a:xfrm>
-          <a:off x="0" y="0"/>
-          <a:ext cx="0" cy="0"/>
-          <a:chOff x="0" y="0"/>
-          <a:chExt cx="0" cy="0"/>
-        </a:xfrm>
-      </p:grpSpPr>
-      <p:sp>
-        <p:nvSpPr>
-          <p:cNvPr id="2" name="Title 1"/>
-          <p:cNvSpPr>
-            <a:spLocks noGrp="1"/>
-          </p:cNvSpPr>
-          <p:nvPr>
-            <p:ph type="title"/>
-          </p:nvPr>
-        </p:nvSpPr>
-        <p:spPr>
-          <a:xfrm>
-            <a:off x="3510455" y="365126"/>
-            <a:ext cx="7843345" cy="633358"/>
-          </a:xfrm>
-        </p:spPr>
-        <p:txBody>
-          <a:bodyPr>
-            <a:normAutofit fontScale="90000"/>
-          </a:bodyPr>
-          <a:lstStyle/>
-          <a:p>
-            <a:r>
-              <a:rPr lang="de-DE"/>
-              <a:t>Szenario 1: Auto verleihen</a:t>
-            </a:r>
-          </a:p>
-        </p:txBody>
-      </p:sp>
-      <p:sp>
-        <p:nvSpPr>
-          <p:cNvPr id="3" name="Content Placeholder 2"/>
-          <p:cNvSpPr>
-            <a:spLocks noGrp="1"/>
-          </p:cNvSpPr>
-          <p:nvPr>
-            <p:ph idx="1"/>
-          </p:nvPr>
-        </p:nvSpPr>
-        <p:spPr>
-          <a:xfrm>
-            <a:off x="838200" y="2522483"/>
-            <a:ext cx="10515600" cy="3654480"/>
-          </a:xfrm>
-        </p:spPr>
-        <p:txBody>
-          <a:bodyPr/>
-          <a:lstStyle/>
-          <a:p>
-            <a:pPr marL="0" marR="0" lvl="0" indent="0" defTabSz="914400" eaLnBrk="1" fontAlgn="auto" latinLnBrk="0" hangingPunct="1">
-              <a:lnSpc>
-                <a:spcPct val="100000"/>
-              </a:lnSpc>
-              <a:spcBef>
-                <a:spcPts val="0"/>
-              </a:spcBef>
-              <a:spcAft>
-                <a:spcPts val="0"/>
-              </a:spcAft>
-              <a:buClrTx/>
-              <a:buSzTx/>
-              <a:buFontTx/>
-              <a:buNone/>
-              <a:tabLst/>
-              <a:defRPr/>
-            </a:pPr>
-            <a:r>
-              <a:rPr lang="de-DE" b="1"/>
-              <a:t>Szenario:</a:t>
-            </a:r>
-            <a:r>
-              <a:rPr lang="de-DE"/>
-              <a:t> Nach einem langen Arbeitstag kommt Thomas nach Hause. Er hat mit einem Arbeitskollegen über Apps gesprochen, mit welchen man sein eigenes Auto verleihen kann. Er ist müde, will jedoch mehr darüber erfahren. Er erstellt deshalb ein Account auf unserer Seite und will so herausfinden, was er alles tun muss, um sein Auto zu verleihen.</a:t>
-            </a:r>
-          </a:p>
-        </p:txBody>
-      </p:sp>
-      <p:pic>
-        <p:nvPicPr>
-          <p:cNvPr id="4" name="Content Placeholder 4">
-            <a:extLst>
-              <a:ext uri="{FF2B5EF4-FFF2-40B4-BE49-F238E27FC236}">
-                <a16:creationId xmlns:a16="http://schemas.microsoft.com/office/drawing/2014/main" xmlns="" id="{0FF40084-511C-41EC-98BA-78D5B14A9BC1}"/>
-              </a:ext>
-            </a:extLst>
-          </p:cNvPr>
-          <p:cNvPicPr>
-            <a:picLocks noChangeAspect="1"/>
-          </p:cNvPicPr>
-          <p:nvPr/>
-        </p:nvPicPr>
-        <p:blipFill>
-          <a:blip r:embed="rId2">
-            <a:extLst>
-              <a:ext uri="{28A0092B-C50C-407E-A947-70E740481C1C}">
-                <a14:useLocalDpi xmlns:a14="http://schemas.microsoft.com/office/drawing/2010/main" val="0"/>
-              </a:ext>
-            </a:extLst>
-          </a:blip>
-          <a:stretch>
-            <a:fillRect/>
-          </a:stretch>
-        </p:blipFill>
-        <p:spPr>
-          <a:xfrm>
-            <a:off x="838200" y="365126"/>
-            <a:ext cx="2537654" cy="1846144"/>
-          </a:xfrm>
-          <a:prstGeom prst="rect">
-            <a:avLst/>
-          </a:prstGeom>
-        </p:spPr>
-      </p:pic>
-      <p:sp>
-        <p:nvSpPr>
-          <p:cNvPr id="5" name="Title 1"/>
-          <p:cNvSpPr txBox="1">
-            <a:spLocks/>
-          </p:cNvSpPr>
-          <p:nvPr/>
-        </p:nvSpPr>
-        <p:spPr>
-          <a:xfrm>
-            <a:off x="3510454" y="998484"/>
-            <a:ext cx="7843345" cy="1212786"/>
-          </a:xfrm>
-          <a:prstGeom prst="rect">
-            <a:avLst/>
-          </a:prstGeom>
-        </p:spPr>
-        <p:txBody>
-          <a:bodyPr vert="horz" lIns="91440" tIns="45720" rIns="91440" bIns="45720" rtlCol="0" anchor="t">
-            <a:normAutofit fontScale="97500"/>
-          </a:bodyPr>
-          <a:lstStyle>
-            <a:lvl1pPr algn="l" defTabSz="914400" rtl="0" eaLnBrk="1" latinLnBrk="0" hangingPunct="1">
-              <a:lnSpc>
-                <a:spcPct val="90000"/>
-              </a:lnSpc>
-              <a:spcBef>
-                <a:spcPct val="0"/>
-              </a:spcBef>
-              <a:buNone/>
-              <a:defRPr sz="4400" kern="1200">
-                <a:solidFill>
-                  <a:schemeClr val="tx1"/>
-                </a:solidFill>
-                <a:latin typeface="+mj-lt"/>
-                <a:ea typeface="+mj-ea"/>
-                <a:cs typeface="+mj-cs"/>
-              </a:defRPr>
-            </a:lvl1pPr>
-          </a:lstStyle>
-          <a:p>
-            <a:r>
-              <a:rPr lang="de-DE" sz="2000"/>
-              <a:t>Produkt: Webapplikation</a:t>
-            </a:r>
-          </a:p>
-          <a:p>
-            <a:r>
-              <a:rPr lang="de-DE" sz="2000"/>
-              <a:t>Primäre Persona: Thomas Berchthold</a:t>
-            </a:r>
-          </a:p>
-          <a:p>
-            <a:r>
-              <a:rPr lang="de-DE" sz="2000"/>
-              <a:t>Will sein Auto verleihen</a:t>
-            </a:r>
-          </a:p>
-        </p:txBody>
-      </p:sp>
-    </p:spTree>
-    <p:extLst>
-      <p:ext uri="{BB962C8B-B14F-4D97-AF65-F5344CB8AC3E}">
-        <p14:creationId xmlns:p14="http://schemas.microsoft.com/office/powerpoint/2010/main" val="1975784048"/>
-      </p:ext>
-    </p:extLst>
-  </p:cSld>
-  <p:clrMapOvr>
-    <a:masterClrMapping/>
-  </p:clrMapOvr>
-</p:sld>
-</file>
-
-<file path=ppt/slides/slide9.xml><?xml version="1.0" encoding="utf-8"?>
-<p:sld xmlns:a="http://schemas.openxmlformats.org/drawingml/2006/main" xmlns:r="http://schemas.openxmlformats.org/officeDocument/2006/relationships" xmlns:p="http://schemas.openxmlformats.org/presentationml/2006/main">
-  <p:cSld>
-    <p:spTree>
-      <p:nvGrpSpPr>
-        <p:cNvPr id="1" name=""/>
-        <p:cNvGrpSpPr/>
-        <p:nvPr/>
-      </p:nvGrpSpPr>
-      <p:grpSpPr>
-        <a:xfrm>
-          <a:off x="0" y="0"/>
-          <a:ext cx="0" cy="0"/>
-          <a:chOff x="0" y="0"/>
-          <a:chExt cx="0" cy="0"/>
-        </a:xfrm>
-      </p:grpSpPr>
-      <p:sp>
-        <p:nvSpPr>
-          <p:cNvPr id="2" name="Title 1"/>
-          <p:cNvSpPr>
-            <a:spLocks noGrp="1"/>
-          </p:cNvSpPr>
-          <p:nvPr>
-            <p:ph type="title"/>
-          </p:nvPr>
-        </p:nvSpPr>
-        <p:spPr>
-          <a:xfrm>
-            <a:off x="3510455" y="365126"/>
-            <a:ext cx="7843345" cy="633358"/>
-          </a:xfrm>
-        </p:spPr>
-        <p:txBody>
-          <a:bodyPr>
-            <a:normAutofit fontScale="90000"/>
-          </a:bodyPr>
-          <a:lstStyle/>
-          <a:p>
-            <a:r>
-              <a:rPr lang="de-DE"/>
-              <a:t>Szenario 1: Auto Ausleihen</a:t>
-            </a:r>
-          </a:p>
-        </p:txBody>
-      </p:sp>
-      <p:sp>
-        <p:nvSpPr>
-          <p:cNvPr id="3" name="Content Placeholder 2"/>
-          <p:cNvSpPr>
-            <a:spLocks noGrp="1"/>
-          </p:cNvSpPr>
-          <p:nvPr>
-            <p:ph idx="1"/>
-          </p:nvPr>
-        </p:nvSpPr>
-        <p:spPr>
-          <a:xfrm>
-            <a:off x="838200" y="2522483"/>
-            <a:ext cx="10515600" cy="3654480"/>
-          </a:xfrm>
-        </p:spPr>
-        <p:txBody>
-          <a:bodyPr/>
-          <a:lstStyle/>
-          <a:p>
-            <a:pPr marL="0" marR="0" lvl="0" indent="0" defTabSz="914400" eaLnBrk="1" fontAlgn="auto" latinLnBrk="0" hangingPunct="1">
-              <a:lnSpc>
-                <a:spcPct val="100000"/>
-              </a:lnSpc>
-              <a:spcBef>
-                <a:spcPts val="0"/>
-              </a:spcBef>
-              <a:spcAft>
-                <a:spcPts val="0"/>
-              </a:spcAft>
-              <a:buClrTx/>
-              <a:buSzTx/>
-              <a:buFontTx/>
-              <a:buNone/>
-              <a:tabLst/>
-              <a:defRPr/>
-            </a:pPr>
-            <a:r>
-              <a:rPr lang="de-DE" b="1"/>
-              <a:t>Szenario: </a:t>
-            </a:r>
-            <a:r>
-              <a:rPr lang="de-DE"/>
-              <a:t>Simona hat ein Treffen mit ihrer Familie vereinbart. Sie hat momentan einen knappen Kontostand und überlegt sich, welches Verkehrsmittel sie benutzen soll. Sie hat bereits die Preise aus der SBB App herausgesucht und vergleicht diese nun mit den Preisen auf unserer App. Sie hofft, ein billiges und unkompliziertes Angebot zu finden.</a:t>
-            </a:r>
-          </a:p>
-        </p:txBody>
-      </p:sp>
-      <p:pic>
-        <p:nvPicPr>
-          <p:cNvPr id="6" name="Content Placeholder 4">
-            <a:extLst>
-              <a:ext uri="{FF2B5EF4-FFF2-40B4-BE49-F238E27FC236}">
-                <a16:creationId xmlns:a16="http://schemas.microsoft.com/office/drawing/2014/main" xmlns="" id="{8E26EE59-CCCA-465C-A229-F910BE4C298C}"/>
-              </a:ext>
-            </a:extLst>
-          </p:cNvPr>
-          <p:cNvPicPr>
-            <a:picLocks noChangeAspect="1"/>
-          </p:cNvPicPr>
-          <p:nvPr/>
-        </p:nvPicPr>
-        <p:blipFill>
-          <a:blip r:embed="rId2">
-            <a:extLst>
-              <a:ext uri="{28A0092B-C50C-407E-A947-70E740481C1C}">
-                <a14:useLocalDpi xmlns:a14="http://schemas.microsoft.com/office/drawing/2010/main" val="0"/>
-              </a:ext>
-            </a:extLst>
-          </a:blip>
-          <a:stretch>
-            <a:fillRect/>
-          </a:stretch>
-        </p:blipFill>
-        <p:spPr>
-          <a:xfrm>
-            <a:off x="838201" y="365126"/>
-            <a:ext cx="2537654" cy="1849315"/>
-          </a:xfrm>
-          <a:prstGeom prst="rect">
-            <a:avLst/>
-          </a:prstGeom>
-        </p:spPr>
-      </p:pic>
-      <p:sp>
-        <p:nvSpPr>
-          <p:cNvPr id="7" name="Title 1"/>
-          <p:cNvSpPr txBox="1">
-            <a:spLocks/>
-          </p:cNvSpPr>
-          <p:nvPr/>
-        </p:nvSpPr>
-        <p:spPr>
-          <a:xfrm>
-            <a:off x="3510454" y="998484"/>
-            <a:ext cx="7843345" cy="1212786"/>
-          </a:xfrm>
-          <a:prstGeom prst="rect">
-            <a:avLst/>
-          </a:prstGeom>
-        </p:spPr>
-        <p:txBody>
-          <a:bodyPr vert="horz" lIns="91440" tIns="45720" rIns="91440" bIns="45720" rtlCol="0" anchor="t">
-            <a:normAutofit fontScale="97500"/>
-          </a:bodyPr>
-          <a:lstStyle>
-            <a:lvl1pPr algn="l" defTabSz="914400" rtl="0" eaLnBrk="1" latinLnBrk="0" hangingPunct="1">
-              <a:lnSpc>
-                <a:spcPct val="90000"/>
-              </a:lnSpc>
-              <a:spcBef>
-                <a:spcPct val="0"/>
-              </a:spcBef>
-              <a:buNone/>
-              <a:defRPr sz="4400" kern="1200">
-                <a:solidFill>
-                  <a:schemeClr val="tx1"/>
-                </a:solidFill>
-                <a:latin typeface="+mj-lt"/>
-                <a:ea typeface="+mj-ea"/>
-                <a:cs typeface="+mj-cs"/>
-              </a:defRPr>
-            </a:lvl1pPr>
-          </a:lstStyle>
-          <a:p>
-            <a:r>
-              <a:rPr lang="de-DE" sz="2000"/>
-              <a:t>Produkt: IOS App</a:t>
-            </a:r>
-          </a:p>
-          <a:p>
-            <a:r>
-              <a:rPr lang="de-DE" sz="2000"/>
-              <a:t>Primäre Persona: Simona Wiederkehr</a:t>
-            </a:r>
-          </a:p>
-          <a:p>
-            <a:r>
-              <a:rPr lang="de-DE" sz="2000"/>
-              <a:t>Will ein möglichst billiges Auto ausleihen</a:t>
-            </a:r>
-          </a:p>
-        </p:txBody>
-      </p:sp>
-    </p:spTree>
-    <p:extLst>
-      <p:ext uri="{BB962C8B-B14F-4D97-AF65-F5344CB8AC3E}">
-        <p14:creationId xmlns:p14="http://schemas.microsoft.com/office/powerpoint/2010/main" val="847806206"/>
       </p:ext>
     </p:extLst>
   </p:cSld>
